--- a/slides/Session 02 - Introduction to Statistics for Data Science.pptx
+++ b/slides/Session 02 - Introduction to Statistics for Data Science.pptx
@@ -5,49 +5,49 @@
     <p:sldMasterId id="2147483648" r:id="rId1"/>
   </p:sldMasterIdLst>
   <p:notesMasterIdLst>
-    <p:notesMasterId r:id="rId36"/>
+    <p:notesMasterId r:id="rId5"/>
   </p:notesMasterIdLst>
   <p:handoutMasterIdLst>
-    <p:handoutMasterId r:id="rId37"/>
+    <p:handoutMasterId r:id="rId38"/>
   </p:handoutMasterIdLst>
   <p:sldIdLst>
-    <p:sldId id="256" r:id="rId2"/>
-    <p:sldId id="276" r:id="rId3"/>
-    <p:sldId id="305" r:id="rId4"/>
-    <p:sldId id="263" r:id="rId5"/>
-    <p:sldId id="277" r:id="rId6"/>
-    <p:sldId id="306" r:id="rId7"/>
-    <p:sldId id="279" r:id="rId8"/>
-    <p:sldId id="283" r:id="rId9"/>
-    <p:sldId id="285" r:id="rId10"/>
-    <p:sldId id="286" r:id="rId11"/>
-    <p:sldId id="284" r:id="rId12"/>
-    <p:sldId id="307" r:id="rId13"/>
-    <p:sldId id="288" r:id="rId14"/>
-    <p:sldId id="278" r:id="rId15"/>
-    <p:sldId id="289" r:id="rId16"/>
-    <p:sldId id="296" r:id="rId17"/>
-    <p:sldId id="290" r:id="rId18"/>
-    <p:sldId id="291" r:id="rId19"/>
-    <p:sldId id="308" r:id="rId20"/>
-    <p:sldId id="294" r:id="rId21"/>
-    <p:sldId id="293" r:id="rId22"/>
-    <p:sldId id="295" r:id="rId23"/>
-    <p:sldId id="297" r:id="rId24"/>
-    <p:sldId id="298" r:id="rId25"/>
-    <p:sldId id="299" r:id="rId26"/>
-    <p:sldId id="300" r:id="rId27"/>
-    <p:sldId id="301" r:id="rId28"/>
-    <p:sldId id="302" r:id="rId29"/>
-    <p:sldId id="303" r:id="rId30"/>
-    <p:sldId id="309" r:id="rId31"/>
-    <p:sldId id="292" r:id="rId32"/>
-    <p:sldId id="304" r:id="rId33"/>
-    <p:sldId id="268" r:id="rId34"/>
-    <p:sldId id="270" r:id="rId35"/>
+    <p:sldId id="256" r:id="rId3"/>
+    <p:sldId id="276" r:id="rId4"/>
+    <p:sldId id="305" r:id="rId6"/>
+    <p:sldId id="263" r:id="rId7"/>
+    <p:sldId id="277" r:id="rId8"/>
+    <p:sldId id="306" r:id="rId9"/>
+    <p:sldId id="279" r:id="rId10"/>
+    <p:sldId id="283" r:id="rId11"/>
+    <p:sldId id="285" r:id="rId12"/>
+    <p:sldId id="286" r:id="rId13"/>
+    <p:sldId id="284" r:id="rId14"/>
+    <p:sldId id="307" r:id="rId15"/>
+    <p:sldId id="288" r:id="rId16"/>
+    <p:sldId id="278" r:id="rId17"/>
+    <p:sldId id="289" r:id="rId18"/>
+    <p:sldId id="296" r:id="rId19"/>
+    <p:sldId id="290" r:id="rId20"/>
+    <p:sldId id="291" r:id="rId21"/>
+    <p:sldId id="308" r:id="rId22"/>
+    <p:sldId id="294" r:id="rId23"/>
+    <p:sldId id="293" r:id="rId24"/>
+    <p:sldId id="295" r:id="rId25"/>
+    <p:sldId id="297" r:id="rId26"/>
+    <p:sldId id="298" r:id="rId27"/>
+    <p:sldId id="299" r:id="rId28"/>
+    <p:sldId id="300" r:id="rId29"/>
+    <p:sldId id="301" r:id="rId30"/>
+    <p:sldId id="302" r:id="rId31"/>
+    <p:sldId id="303" r:id="rId32"/>
+    <p:sldId id="309" r:id="rId33"/>
+    <p:sldId id="292" r:id="rId34"/>
+    <p:sldId id="304" r:id="rId35"/>
+    <p:sldId id="268" r:id="rId36"/>
+    <p:sldId id="270" r:id="rId37"/>
   </p:sldIdLst>
   <p:sldSz cx="12192000" cy="6858000"/>
-  <p:notesSz cx="7104063" cy="10234613"/>
+  <p:notesSz cx="7103745" cy="10234295"/>
   <p:defaultTextStyle>
     <a:defPPr>
       <a:defRPr lang="zh-CN"/>
@@ -143,22 +143,6 @@
       </a:defRPr>
     </a:lvl9pPr>
   </p:defaultTextStyle>
-  <p:extLst>
-    <p:ext uri="{EFAFB233-063F-42B5-8137-9DF3F51BA10A}">
-      <p15:sldGuideLst xmlns:p15="http://schemas.microsoft.com/office/powerpoint/2012/main">
-        <p15:guide id="1" orient="horz" pos="2160">
-          <p15:clr>
-            <a:srgbClr val="A4A3A4"/>
-          </p15:clr>
-        </p15:guide>
-        <p15:guide id="2" pos="3840">
-          <p15:clr>
-            <a:srgbClr val="A4A3A4"/>
-          </p15:clr>
-        </p15:guide>
-      </p15:sldGuideLst>
-    </p:ext>
-  </p:extLst>
 </p:presentation>
 </file>
 
@@ -175,10 +159,54 @@
   <dgm:catLst>
     <dgm:cat type="accent6" pri="11300"/>
   </dgm:catLst>
-  <dgm:styleLbl name="node0">
+  <dgm:styleLbl name="alignAcc1">
+    <dgm:fillClrLst meth="repeat">
+      <a:schemeClr val="lt1">
+        <a:alpha val="90000"/>
+      </a:schemeClr>
+    </dgm:fillClrLst>
+    <dgm:linClrLst>
+      <a:schemeClr val="accent6">
+        <a:shade val="80000"/>
+      </a:schemeClr>
+      <a:schemeClr val="accent6">
+        <a:tint val="70000"/>
+      </a:schemeClr>
+    </dgm:linClrLst>
+    <dgm:effectClrLst/>
+    <dgm:txLinClrLst/>
+    <dgm:txFillClrLst meth="repeat">
+      <a:schemeClr val="dk1"/>
+    </dgm:txFillClrLst>
+    <dgm:txEffectClrLst/>
+  </dgm:styleLbl>
+  <dgm:styleLbl name="alignAccFollowNode1">
     <dgm:fillClrLst meth="repeat">
       <a:schemeClr val="accent6">
-        <a:shade val="80000"/>
+        <a:alpha val="90000"/>
+        <a:tint val="40000"/>
+      </a:schemeClr>
+    </dgm:fillClrLst>
+    <dgm:linClrLst meth="repeat">
+      <a:schemeClr val="accent6">
+        <a:alpha val="90000"/>
+        <a:tint val="40000"/>
+      </a:schemeClr>
+    </dgm:linClrLst>
+    <dgm:effectClrLst/>
+    <dgm:txLinClrLst/>
+    <dgm:txFillClrLst meth="repeat">
+      <a:schemeClr val="dk1"/>
+    </dgm:txFillClrLst>
+    <dgm:txEffectClrLst/>
+  </dgm:styleLbl>
+  <dgm:styleLbl name="alignImgPlace1">
+    <dgm:fillClrLst>
+      <a:schemeClr val="accent6">
+        <a:tint val="50000"/>
+      </a:schemeClr>
+      <a:schemeClr val="accent6">
+        <a:tint val="20000"/>
       </a:schemeClr>
     </dgm:fillClrLst>
     <dgm:linClrLst meth="repeat">
@@ -186,24 +214,9 @@
     </dgm:linClrLst>
     <dgm:effectClrLst/>
     <dgm:txLinClrLst/>
-    <dgm:txFillClrLst/>
-    <dgm:txEffectClrLst/>
-  </dgm:styleLbl>
-  <dgm:styleLbl name="node1">
-    <dgm:fillClrLst>
-      <a:schemeClr val="accent6">
-        <a:shade val="80000"/>
-      </a:schemeClr>
-      <a:schemeClr val="accent6">
-        <a:tint val="70000"/>
-      </a:schemeClr>
-    </dgm:fillClrLst>
-    <dgm:linClrLst meth="repeat">
+    <dgm:txFillClrLst meth="repeat">
       <a:schemeClr val="lt1"/>
-    </dgm:linClrLst>
-    <dgm:effectClrLst/>
-    <dgm:txLinClrLst/>
-    <dgm:txFillClrLst/>
+    </dgm:txFillClrLst>
     <dgm:txEffectClrLst/>
   </dgm:styleLbl>
   <dgm:styleLbl name="alignNode1">
@@ -226,249 +239,6 @@
     <dgm:effectClrLst/>
     <dgm:txLinClrLst/>
     <dgm:txFillClrLst/>
-    <dgm:txEffectClrLst/>
-  </dgm:styleLbl>
-  <dgm:styleLbl name="lnNode1">
-    <dgm:fillClrLst>
-      <a:schemeClr val="accent6">
-        <a:shade val="80000"/>
-      </a:schemeClr>
-      <a:schemeClr val="accent6">
-        <a:tint val="70000"/>
-      </a:schemeClr>
-    </dgm:fillClrLst>
-    <dgm:linClrLst meth="repeat">
-      <a:schemeClr val="lt1"/>
-    </dgm:linClrLst>
-    <dgm:effectClrLst/>
-    <dgm:txLinClrLst/>
-    <dgm:txFillClrLst/>
-    <dgm:txEffectClrLst/>
-  </dgm:styleLbl>
-  <dgm:styleLbl name="vennNode1">
-    <dgm:fillClrLst>
-      <a:schemeClr val="accent6">
-        <a:shade val="80000"/>
-        <a:alpha val="50000"/>
-      </a:schemeClr>
-      <a:schemeClr val="accent6">
-        <a:tint val="70000"/>
-        <a:alpha val="50000"/>
-      </a:schemeClr>
-    </dgm:fillClrLst>
-    <dgm:linClrLst meth="repeat">
-      <a:schemeClr val="lt1"/>
-    </dgm:linClrLst>
-    <dgm:effectClrLst/>
-    <dgm:txLinClrLst/>
-    <dgm:txFillClrLst/>
-    <dgm:txEffectClrLst/>
-  </dgm:styleLbl>
-  <dgm:styleLbl name="node2">
-    <dgm:fillClrLst>
-      <a:schemeClr val="accent6">
-        <a:tint val="99000"/>
-      </a:schemeClr>
-    </dgm:fillClrLst>
-    <dgm:linClrLst meth="repeat">
-      <a:schemeClr val="lt1"/>
-    </dgm:linClrLst>
-    <dgm:effectClrLst/>
-    <dgm:txLinClrLst/>
-    <dgm:txFillClrLst/>
-    <dgm:txEffectClrLst/>
-  </dgm:styleLbl>
-  <dgm:styleLbl name="node3">
-    <dgm:fillClrLst>
-      <a:schemeClr val="accent6">
-        <a:tint val="80000"/>
-      </a:schemeClr>
-    </dgm:fillClrLst>
-    <dgm:linClrLst meth="repeat">
-      <a:schemeClr val="lt1"/>
-    </dgm:linClrLst>
-    <dgm:effectClrLst/>
-    <dgm:txLinClrLst/>
-    <dgm:txFillClrLst/>
-    <dgm:txEffectClrLst/>
-  </dgm:styleLbl>
-  <dgm:styleLbl name="node4">
-    <dgm:fillClrLst>
-      <a:schemeClr val="accent6">
-        <a:tint val="70000"/>
-      </a:schemeClr>
-    </dgm:fillClrLst>
-    <dgm:linClrLst meth="repeat">
-      <a:schemeClr val="lt1"/>
-    </dgm:linClrLst>
-    <dgm:effectClrLst/>
-    <dgm:txLinClrLst/>
-    <dgm:txFillClrLst/>
-    <dgm:txEffectClrLst/>
-  </dgm:styleLbl>
-  <dgm:styleLbl name="fgImgPlace1">
-    <dgm:fillClrLst>
-      <a:schemeClr val="accent6">
-        <a:tint val="50000"/>
-      </a:schemeClr>
-      <a:schemeClr val="accent6">
-        <a:tint val="20000"/>
-      </a:schemeClr>
-    </dgm:fillClrLst>
-    <dgm:linClrLst meth="repeat">
-      <a:schemeClr val="lt1"/>
-    </dgm:linClrLst>
-    <dgm:effectClrLst/>
-    <dgm:txLinClrLst/>
-    <dgm:txFillClrLst meth="repeat">
-      <a:schemeClr val="lt1"/>
-    </dgm:txFillClrLst>
-    <dgm:txEffectClrLst/>
-  </dgm:styleLbl>
-  <dgm:styleLbl name="alignImgPlace1">
-    <dgm:fillClrLst>
-      <a:schemeClr val="accent6">
-        <a:tint val="50000"/>
-      </a:schemeClr>
-      <a:schemeClr val="accent6">
-        <a:tint val="20000"/>
-      </a:schemeClr>
-    </dgm:fillClrLst>
-    <dgm:linClrLst meth="repeat">
-      <a:schemeClr val="lt1"/>
-    </dgm:linClrLst>
-    <dgm:effectClrLst/>
-    <dgm:txLinClrLst/>
-    <dgm:txFillClrLst meth="repeat">
-      <a:schemeClr val="lt1"/>
-    </dgm:txFillClrLst>
-    <dgm:txEffectClrLst/>
-  </dgm:styleLbl>
-  <dgm:styleLbl name="bgImgPlace1">
-    <dgm:fillClrLst>
-      <a:schemeClr val="accent6">
-        <a:tint val="50000"/>
-      </a:schemeClr>
-      <a:schemeClr val="accent6">
-        <a:tint val="20000"/>
-      </a:schemeClr>
-    </dgm:fillClrLst>
-    <dgm:linClrLst meth="repeat">
-      <a:schemeClr val="lt1"/>
-    </dgm:linClrLst>
-    <dgm:effectClrLst/>
-    <dgm:txLinClrLst/>
-    <dgm:txFillClrLst meth="repeat">
-      <a:schemeClr val="lt1"/>
-    </dgm:txFillClrLst>
-    <dgm:txEffectClrLst/>
-  </dgm:styleLbl>
-  <dgm:styleLbl name="sibTrans2D1">
-    <dgm:fillClrLst>
-      <a:schemeClr val="accent6">
-        <a:shade val="90000"/>
-      </a:schemeClr>
-      <a:schemeClr val="accent6">
-        <a:tint val="70000"/>
-      </a:schemeClr>
-    </dgm:fillClrLst>
-    <dgm:linClrLst>
-      <a:schemeClr val="accent6">
-        <a:shade val="90000"/>
-      </a:schemeClr>
-      <a:schemeClr val="accent6">
-        <a:tint val="70000"/>
-      </a:schemeClr>
-    </dgm:linClrLst>
-    <dgm:effectClrLst/>
-    <dgm:txLinClrLst/>
-    <dgm:txFillClrLst/>
-    <dgm:txEffectClrLst/>
-  </dgm:styleLbl>
-  <dgm:styleLbl name="fgSibTrans2D1">
-    <dgm:fillClrLst>
-      <a:schemeClr val="accent6">
-        <a:shade val="90000"/>
-      </a:schemeClr>
-      <a:schemeClr val="accent6">
-        <a:tint val="70000"/>
-      </a:schemeClr>
-    </dgm:fillClrLst>
-    <dgm:linClrLst>
-      <a:schemeClr val="accent6">
-        <a:shade val="90000"/>
-      </a:schemeClr>
-      <a:schemeClr val="accent6">
-        <a:tint val="70000"/>
-      </a:schemeClr>
-    </dgm:linClrLst>
-    <dgm:effectClrLst/>
-    <dgm:txLinClrLst/>
-    <dgm:txFillClrLst meth="repeat">
-      <a:schemeClr val="lt1"/>
-    </dgm:txFillClrLst>
-    <dgm:txEffectClrLst/>
-  </dgm:styleLbl>
-  <dgm:styleLbl name="bgSibTrans2D1">
-    <dgm:fillClrLst>
-      <a:schemeClr val="accent6">
-        <a:shade val="90000"/>
-      </a:schemeClr>
-      <a:schemeClr val="accent6">
-        <a:tint val="70000"/>
-      </a:schemeClr>
-    </dgm:fillClrLst>
-    <dgm:linClrLst>
-      <a:schemeClr val="accent6">
-        <a:shade val="90000"/>
-      </a:schemeClr>
-      <a:schemeClr val="accent6">
-        <a:tint val="70000"/>
-      </a:schemeClr>
-    </dgm:linClrLst>
-    <dgm:effectClrLst/>
-    <dgm:txLinClrLst/>
-    <dgm:txFillClrLst meth="repeat">
-      <a:schemeClr val="lt1"/>
-    </dgm:txFillClrLst>
-    <dgm:txEffectClrLst/>
-  </dgm:styleLbl>
-  <dgm:styleLbl name="sibTrans1D1">
-    <dgm:fillClrLst>
-      <a:schemeClr val="accent6">
-        <a:shade val="90000"/>
-      </a:schemeClr>
-      <a:schemeClr val="accent6">
-        <a:tint val="70000"/>
-      </a:schemeClr>
-    </dgm:fillClrLst>
-    <dgm:linClrLst>
-      <a:schemeClr val="accent6">
-        <a:shade val="90000"/>
-      </a:schemeClr>
-      <a:schemeClr val="accent6">
-        <a:tint val="70000"/>
-      </a:schemeClr>
-    </dgm:linClrLst>
-    <dgm:effectClrLst/>
-    <dgm:txLinClrLst/>
-    <dgm:txFillClrLst meth="repeat">
-      <a:schemeClr val="tx1"/>
-    </dgm:txFillClrLst>
-    <dgm:txEffectClrLst/>
-  </dgm:styleLbl>
-  <dgm:styleLbl name="callout">
-    <dgm:fillClrLst meth="repeat">
-      <a:schemeClr val="accent6"/>
-    </dgm:fillClrLst>
-    <dgm:linClrLst meth="repeat">
-      <a:schemeClr val="accent6"/>
-    </dgm:linClrLst>
-    <dgm:effectClrLst/>
-    <dgm:txLinClrLst/>
-    <dgm:txFillClrLst meth="repeat">
-      <a:schemeClr val="tx1"/>
-    </dgm:txFillClrLst>
     <dgm:txEffectClrLst/>
   </dgm:styleLbl>
   <dgm:styleLbl name="asst0">
@@ -541,15 +311,94 @@
     <dgm:txFillClrLst/>
     <dgm:txEffectClrLst/>
   </dgm:styleLbl>
-  <dgm:styleLbl name="parChTrans2D1">
+  <dgm:styleLbl name="bgAcc1">
+    <dgm:fillClrLst meth="repeat">
+      <a:schemeClr val="lt1">
+        <a:alpha val="90000"/>
+      </a:schemeClr>
+    </dgm:fillClrLst>
+    <dgm:linClrLst>
+      <a:schemeClr val="accent6">
+        <a:shade val="80000"/>
+      </a:schemeClr>
+      <a:schemeClr val="accent6">
+        <a:tint val="70000"/>
+      </a:schemeClr>
+    </dgm:linClrLst>
+    <dgm:effectClrLst/>
+    <dgm:txLinClrLst/>
+    <dgm:txFillClrLst meth="repeat">
+      <a:schemeClr val="dk1"/>
+    </dgm:txFillClrLst>
+    <dgm:txEffectClrLst/>
+  </dgm:styleLbl>
+  <dgm:styleLbl name="bgAccFollowNode1">
     <dgm:fillClrLst meth="repeat">
       <a:schemeClr val="accent6">
-        <a:tint val="60000"/>
+        <a:alpha val="90000"/>
+        <a:tint val="40000"/>
       </a:schemeClr>
     </dgm:fillClrLst>
     <dgm:linClrLst meth="repeat">
+      <a:schemeClr val="lt1"/>
+    </dgm:linClrLst>
+    <dgm:effectClrLst/>
+    <dgm:txLinClrLst/>
+    <dgm:txFillClrLst meth="repeat">
+      <a:schemeClr val="dk1"/>
+    </dgm:txFillClrLst>
+    <dgm:txEffectClrLst/>
+  </dgm:styleLbl>
+  <dgm:styleLbl name="bgImgPlace1">
+    <dgm:fillClrLst>
       <a:schemeClr val="accent6">
-        <a:tint val="60000"/>
+        <a:tint val="50000"/>
+      </a:schemeClr>
+      <a:schemeClr val="accent6">
+        <a:tint val="20000"/>
+      </a:schemeClr>
+    </dgm:fillClrLst>
+    <dgm:linClrLst meth="repeat">
+      <a:schemeClr val="lt1"/>
+    </dgm:linClrLst>
+    <dgm:effectClrLst/>
+    <dgm:txLinClrLst/>
+    <dgm:txFillClrLst meth="repeat">
+      <a:schemeClr val="lt1"/>
+    </dgm:txFillClrLst>
+    <dgm:txEffectClrLst/>
+  </dgm:styleLbl>
+  <dgm:styleLbl name="bgShp">
+    <dgm:fillClrLst meth="repeat">
+      <a:schemeClr val="accent6">
+        <a:tint val="40000"/>
+      </a:schemeClr>
+    </dgm:fillClrLst>
+    <dgm:linClrLst meth="repeat">
+      <a:schemeClr val="dk1"/>
+    </dgm:linClrLst>
+    <dgm:effectClrLst/>
+    <dgm:txLinClrLst/>
+    <dgm:txFillClrLst meth="repeat">
+      <a:schemeClr val="dk1"/>
+    </dgm:txFillClrLst>
+    <dgm:txEffectClrLst/>
+  </dgm:styleLbl>
+  <dgm:styleLbl name="bgSibTrans2D1">
+    <dgm:fillClrLst>
+      <a:schemeClr val="accent6">
+        <a:shade val="90000"/>
+      </a:schemeClr>
+      <a:schemeClr val="accent6">
+        <a:tint val="70000"/>
+      </a:schemeClr>
+    </dgm:fillClrLst>
+    <dgm:linClrLst>
+      <a:schemeClr val="accent6">
+        <a:shade val="90000"/>
+      </a:schemeClr>
+      <a:schemeClr val="accent6">
+        <a:tint val="70000"/>
       </a:schemeClr>
     </dgm:linClrLst>
     <dgm:effectClrLst/>
@@ -559,26 +408,136 @@
     </dgm:txFillClrLst>
     <dgm:txEffectClrLst/>
   </dgm:styleLbl>
-  <dgm:styleLbl name="parChTrans2D2">
+  <dgm:styleLbl name="callout">
+    <dgm:fillClrLst meth="repeat">
+      <a:schemeClr val="accent6"/>
+    </dgm:fillClrLst>
+    <dgm:linClrLst meth="repeat">
+      <a:schemeClr val="accent6"/>
+    </dgm:linClrLst>
+    <dgm:effectClrLst/>
+    <dgm:txLinClrLst/>
+    <dgm:txFillClrLst meth="repeat">
+      <a:schemeClr val="tx1"/>
+    </dgm:txFillClrLst>
+    <dgm:txEffectClrLst/>
+  </dgm:styleLbl>
+  <dgm:styleLbl name="conFgAcc1">
+    <dgm:fillClrLst meth="repeat">
+      <a:schemeClr val="lt1">
+        <a:alpha val="90000"/>
+      </a:schemeClr>
+    </dgm:fillClrLst>
+    <dgm:linClrLst>
+      <a:schemeClr val="accent6">
+        <a:shade val="80000"/>
+      </a:schemeClr>
+      <a:schemeClr val="accent6">
+        <a:tint val="70000"/>
+      </a:schemeClr>
+    </dgm:linClrLst>
+    <dgm:effectClrLst/>
+    <dgm:txLinClrLst/>
+    <dgm:txFillClrLst meth="repeat">
+      <a:schemeClr val="dk1"/>
+    </dgm:txFillClrLst>
+    <dgm:txEffectClrLst/>
+  </dgm:styleLbl>
+  <dgm:styleLbl name="dkBgShp">
     <dgm:fillClrLst meth="repeat">
       <a:schemeClr val="accent6">
-        <a:tint val="90000"/>
+        <a:shade val="90000"/>
+      </a:schemeClr>
+    </dgm:fillClrLst>
+    <dgm:linClrLst meth="repeat">
+      <a:schemeClr val="dk1"/>
+    </dgm:linClrLst>
+    <dgm:effectClrLst/>
+    <dgm:txLinClrLst/>
+    <dgm:txFillClrLst meth="repeat">
+      <a:schemeClr val="lt1"/>
+    </dgm:txFillClrLst>
+    <dgm:txEffectClrLst/>
+  </dgm:styleLbl>
+  <dgm:styleLbl name="fgAcc0">
+    <dgm:fillClrLst meth="repeat">
+      <a:schemeClr val="lt1">
+        <a:alpha val="90000"/>
       </a:schemeClr>
     </dgm:fillClrLst>
     <dgm:linClrLst meth="repeat">
       <a:schemeClr val="accent6">
-        <a:tint val="90000"/>
+        <a:shade val="80000"/>
       </a:schemeClr>
     </dgm:linClrLst>
     <dgm:effectClrLst/>
     <dgm:txLinClrLst/>
-    <dgm:txFillClrLst/>
+    <dgm:txFillClrLst meth="repeat">
+      <a:schemeClr val="dk1"/>
+    </dgm:txFillClrLst>
     <dgm:txEffectClrLst/>
   </dgm:styleLbl>
-  <dgm:styleLbl name="parChTrans2D3">
+  <dgm:styleLbl name="fgAcc1">
     <dgm:fillClrLst meth="repeat">
+      <a:schemeClr val="lt1">
+        <a:alpha val="90000"/>
+      </a:schemeClr>
+    </dgm:fillClrLst>
+    <dgm:linClrLst>
+      <a:schemeClr val="accent6">
+        <a:shade val="80000"/>
+      </a:schemeClr>
       <a:schemeClr val="accent6">
         <a:tint val="70000"/>
+      </a:schemeClr>
+    </dgm:linClrLst>
+    <dgm:effectClrLst/>
+    <dgm:txLinClrLst/>
+    <dgm:txFillClrLst meth="repeat">
+      <a:schemeClr val="dk1"/>
+    </dgm:txFillClrLst>
+    <dgm:txEffectClrLst/>
+  </dgm:styleLbl>
+  <dgm:styleLbl name="fgAcc2">
+    <dgm:fillClrLst meth="repeat">
+      <a:schemeClr val="lt1">
+        <a:alpha val="90000"/>
+      </a:schemeClr>
+    </dgm:fillClrLst>
+    <dgm:linClrLst meth="repeat">
+      <a:schemeClr val="accent6">
+        <a:tint val="99000"/>
+      </a:schemeClr>
+    </dgm:linClrLst>
+    <dgm:effectClrLst/>
+    <dgm:txLinClrLst/>
+    <dgm:txFillClrLst meth="repeat">
+      <a:schemeClr val="dk1"/>
+    </dgm:txFillClrLst>
+    <dgm:txEffectClrLst/>
+  </dgm:styleLbl>
+  <dgm:styleLbl name="fgAcc3">
+    <dgm:fillClrLst meth="repeat">
+      <a:schemeClr val="lt1">
+        <a:alpha val="90000"/>
+      </a:schemeClr>
+    </dgm:fillClrLst>
+    <dgm:linClrLst meth="repeat">
+      <a:schemeClr val="accent6">
+        <a:tint val="80000"/>
+      </a:schemeClr>
+    </dgm:linClrLst>
+    <dgm:effectClrLst/>
+    <dgm:txLinClrLst/>
+    <dgm:txFillClrLst meth="repeat">
+      <a:schemeClr val="dk1"/>
+    </dgm:txFillClrLst>
+    <dgm:txEffectClrLst/>
+  </dgm:styleLbl>
+  <dgm:styleLbl name="fgAcc4">
+    <dgm:fillClrLst meth="repeat">
+      <a:schemeClr val="lt1">
+        <a:alpha val="90000"/>
       </a:schemeClr>
     </dgm:fillClrLst>
     <dgm:linClrLst meth="repeat">
@@ -588,18 +547,81 @@
     </dgm:linClrLst>
     <dgm:effectClrLst/>
     <dgm:txLinClrLst/>
-    <dgm:txFillClrLst/>
+    <dgm:txFillClrLst meth="repeat">
+      <a:schemeClr val="dk1"/>
+    </dgm:txFillClrLst>
     <dgm:txEffectClrLst/>
   </dgm:styleLbl>
-  <dgm:styleLbl name="parChTrans2D4">
+  <dgm:styleLbl name="fgAccFollowNode1">
     <dgm:fillClrLst meth="repeat">
       <a:schemeClr val="accent6">
-        <a:tint val="50000"/>
+        <a:alpha val="90000"/>
+        <a:tint val="40000"/>
       </a:schemeClr>
     </dgm:fillClrLst>
     <dgm:linClrLst meth="repeat">
       <a:schemeClr val="accent6">
+        <a:alpha val="90000"/>
+        <a:tint val="40000"/>
+      </a:schemeClr>
+    </dgm:linClrLst>
+    <dgm:effectClrLst/>
+    <dgm:txLinClrLst/>
+    <dgm:txFillClrLst meth="repeat">
+      <a:schemeClr val="dk1"/>
+    </dgm:txFillClrLst>
+    <dgm:txEffectClrLst/>
+  </dgm:styleLbl>
+  <dgm:styleLbl name="fgImgPlace1">
+    <dgm:fillClrLst>
+      <a:schemeClr val="accent6">
         <a:tint val="50000"/>
+      </a:schemeClr>
+      <a:schemeClr val="accent6">
+        <a:tint val="20000"/>
+      </a:schemeClr>
+    </dgm:fillClrLst>
+    <dgm:linClrLst meth="repeat">
+      <a:schemeClr val="lt1"/>
+    </dgm:linClrLst>
+    <dgm:effectClrLst/>
+    <dgm:txLinClrLst/>
+    <dgm:txFillClrLst meth="repeat">
+      <a:schemeClr val="lt1"/>
+    </dgm:txFillClrLst>
+    <dgm:txEffectClrLst/>
+  </dgm:styleLbl>
+  <dgm:styleLbl name="fgShp">
+    <dgm:fillClrLst meth="repeat">
+      <a:schemeClr val="accent6">
+        <a:tint val="40000"/>
+      </a:schemeClr>
+    </dgm:fillClrLst>
+    <dgm:linClrLst meth="repeat">
+      <a:schemeClr val="lt1"/>
+    </dgm:linClrLst>
+    <dgm:effectClrLst/>
+    <dgm:txLinClrLst/>
+    <dgm:txFillClrLst meth="repeat">
+      <a:schemeClr val="dk1"/>
+    </dgm:txFillClrLst>
+    <dgm:txEffectClrLst/>
+  </dgm:styleLbl>
+  <dgm:styleLbl name="fgSibTrans2D1">
+    <dgm:fillClrLst>
+      <a:schemeClr val="accent6">
+        <a:shade val="90000"/>
+      </a:schemeClr>
+      <a:schemeClr val="accent6">
+        <a:tint val="70000"/>
+      </a:schemeClr>
+    </dgm:fillClrLst>
+    <dgm:linClrLst>
+      <a:schemeClr val="accent6">
+        <a:shade val="90000"/>
+      </a:schemeClr>
+      <a:schemeClr val="accent6">
+        <a:tint val="70000"/>
       </a:schemeClr>
     </dgm:linClrLst>
     <dgm:effectClrLst/>
@@ -607,6 +629,96 @@
     <dgm:txFillClrLst meth="repeat">
       <a:schemeClr val="lt1"/>
     </dgm:txFillClrLst>
+    <dgm:txEffectClrLst/>
+  </dgm:styleLbl>
+  <dgm:styleLbl name="lnNode1">
+    <dgm:fillClrLst>
+      <a:schemeClr val="accent6">
+        <a:shade val="80000"/>
+      </a:schemeClr>
+      <a:schemeClr val="accent6">
+        <a:tint val="70000"/>
+      </a:schemeClr>
+    </dgm:fillClrLst>
+    <dgm:linClrLst meth="repeat">
+      <a:schemeClr val="lt1"/>
+    </dgm:linClrLst>
+    <dgm:effectClrLst/>
+    <dgm:txLinClrLst/>
+    <dgm:txFillClrLst/>
+    <dgm:txEffectClrLst/>
+  </dgm:styleLbl>
+  <dgm:styleLbl name="node0">
+    <dgm:fillClrLst meth="repeat">
+      <a:schemeClr val="accent6">
+        <a:shade val="80000"/>
+      </a:schemeClr>
+    </dgm:fillClrLst>
+    <dgm:linClrLst meth="repeat">
+      <a:schemeClr val="lt1"/>
+    </dgm:linClrLst>
+    <dgm:effectClrLst/>
+    <dgm:txLinClrLst/>
+    <dgm:txFillClrLst/>
+    <dgm:txEffectClrLst/>
+  </dgm:styleLbl>
+  <dgm:styleLbl name="node1">
+    <dgm:fillClrLst>
+      <a:schemeClr val="accent6">
+        <a:shade val="80000"/>
+      </a:schemeClr>
+      <a:schemeClr val="accent6">
+        <a:tint val="70000"/>
+      </a:schemeClr>
+    </dgm:fillClrLst>
+    <dgm:linClrLst meth="repeat">
+      <a:schemeClr val="lt1"/>
+    </dgm:linClrLst>
+    <dgm:effectClrLst/>
+    <dgm:txLinClrLst/>
+    <dgm:txFillClrLst/>
+    <dgm:txEffectClrLst/>
+  </dgm:styleLbl>
+  <dgm:styleLbl name="node2">
+    <dgm:fillClrLst>
+      <a:schemeClr val="accent6">
+        <a:tint val="99000"/>
+      </a:schemeClr>
+    </dgm:fillClrLst>
+    <dgm:linClrLst meth="repeat">
+      <a:schemeClr val="lt1"/>
+    </dgm:linClrLst>
+    <dgm:effectClrLst/>
+    <dgm:txLinClrLst/>
+    <dgm:txFillClrLst/>
+    <dgm:txEffectClrLst/>
+  </dgm:styleLbl>
+  <dgm:styleLbl name="node3">
+    <dgm:fillClrLst>
+      <a:schemeClr val="accent6">
+        <a:tint val="80000"/>
+      </a:schemeClr>
+    </dgm:fillClrLst>
+    <dgm:linClrLst meth="repeat">
+      <a:schemeClr val="lt1"/>
+    </dgm:linClrLst>
+    <dgm:effectClrLst/>
+    <dgm:txLinClrLst/>
+    <dgm:txFillClrLst/>
+    <dgm:txEffectClrLst/>
+  </dgm:styleLbl>
+  <dgm:styleLbl name="node4">
+    <dgm:fillClrLst>
+      <a:schemeClr val="accent6">
+        <a:tint val="70000"/>
+      </a:schemeClr>
+    </dgm:fillClrLst>
+    <dgm:linClrLst meth="repeat">
+      <a:schemeClr val="lt1"/>
+    </dgm:linClrLst>
+    <dgm:effectClrLst/>
+    <dgm:txLinClrLst/>
+    <dgm:txFillClrLst/>
     <dgm:txEffectClrLst/>
   </dgm:styleLbl>
   <dgm:styleLbl name="parChTrans1D1">
@@ -681,15 +793,104 @@
     </dgm:txFillClrLst>
     <dgm:txEffectClrLst/>
   </dgm:styleLbl>
-  <dgm:styleLbl name="fgAcc1">
+  <dgm:styleLbl name="parChTrans2D1">
+    <dgm:fillClrLst meth="repeat">
+      <a:schemeClr val="accent6">
+        <a:tint val="60000"/>
+      </a:schemeClr>
+    </dgm:fillClrLst>
+    <dgm:linClrLst meth="repeat">
+      <a:schemeClr val="accent6">
+        <a:tint val="60000"/>
+      </a:schemeClr>
+    </dgm:linClrLst>
+    <dgm:effectClrLst/>
+    <dgm:txLinClrLst/>
+    <dgm:txFillClrLst meth="repeat">
+      <a:schemeClr val="lt1"/>
+    </dgm:txFillClrLst>
+    <dgm:txEffectClrLst/>
+  </dgm:styleLbl>
+  <dgm:styleLbl name="parChTrans2D2">
+    <dgm:fillClrLst meth="repeat">
+      <a:schemeClr val="accent6">
+        <a:tint val="90000"/>
+      </a:schemeClr>
+    </dgm:fillClrLst>
+    <dgm:linClrLst meth="repeat">
+      <a:schemeClr val="accent6">
+        <a:tint val="90000"/>
+      </a:schemeClr>
+    </dgm:linClrLst>
+    <dgm:effectClrLst/>
+    <dgm:txLinClrLst/>
+    <dgm:txFillClrLst/>
+    <dgm:txEffectClrLst/>
+  </dgm:styleLbl>
+  <dgm:styleLbl name="parChTrans2D3">
+    <dgm:fillClrLst meth="repeat">
+      <a:schemeClr val="accent6">
+        <a:tint val="70000"/>
+      </a:schemeClr>
+    </dgm:fillClrLst>
+    <dgm:linClrLst meth="repeat">
+      <a:schemeClr val="accent6">
+        <a:tint val="70000"/>
+      </a:schemeClr>
+    </dgm:linClrLst>
+    <dgm:effectClrLst/>
+    <dgm:txLinClrLst/>
+    <dgm:txFillClrLst/>
+    <dgm:txEffectClrLst/>
+  </dgm:styleLbl>
+  <dgm:styleLbl name="parChTrans2D4">
+    <dgm:fillClrLst meth="repeat">
+      <a:schemeClr val="accent6">
+        <a:tint val="50000"/>
+      </a:schemeClr>
+    </dgm:fillClrLst>
+    <dgm:linClrLst meth="repeat">
+      <a:schemeClr val="accent6">
+        <a:tint val="50000"/>
+      </a:schemeClr>
+    </dgm:linClrLst>
+    <dgm:effectClrLst/>
+    <dgm:txLinClrLst/>
+    <dgm:txFillClrLst meth="repeat">
+      <a:schemeClr val="lt1"/>
+    </dgm:txFillClrLst>
+    <dgm:txEffectClrLst/>
+  </dgm:styleLbl>
+  <dgm:styleLbl name="revTx">
     <dgm:fillClrLst meth="repeat">
       <a:schemeClr val="lt1">
-        <a:alpha val="90000"/>
+        <a:alpha val="0"/>
+      </a:schemeClr>
+    </dgm:fillClrLst>
+    <dgm:linClrLst meth="repeat">
+      <a:schemeClr val="dk1">
+        <a:alpha val="0"/>
+      </a:schemeClr>
+    </dgm:linClrLst>
+    <dgm:effectClrLst/>
+    <dgm:txLinClrLst/>
+    <dgm:txFillClrLst meth="repeat">
+      <a:schemeClr val="tx1"/>
+    </dgm:txFillClrLst>
+    <dgm:txEffectClrLst/>
+  </dgm:styleLbl>
+  <dgm:styleLbl name="sibTrans1D1">
+    <dgm:fillClrLst>
+      <a:schemeClr val="accent6">
+        <a:shade val="90000"/>
+      </a:schemeClr>
+      <a:schemeClr val="accent6">
+        <a:tint val="70000"/>
       </a:schemeClr>
     </dgm:fillClrLst>
     <dgm:linClrLst>
       <a:schemeClr val="accent6">
-        <a:shade val="80000"/>
+        <a:shade val="90000"/>
       </a:schemeClr>
       <a:schemeClr val="accent6">
         <a:tint val="70000"/>
@@ -698,23 +899,38 @@
     <dgm:effectClrLst/>
     <dgm:txLinClrLst/>
     <dgm:txFillClrLst meth="repeat">
-      <a:schemeClr val="dk1"/>
+      <a:schemeClr val="tx1"/>
     </dgm:txFillClrLst>
     <dgm:txEffectClrLst/>
   </dgm:styleLbl>
-  <dgm:styleLbl name="conFgAcc1">
-    <dgm:fillClrLst meth="repeat">
-      <a:schemeClr val="lt1">
-        <a:alpha val="90000"/>
+  <dgm:styleLbl name="sibTrans2D1">
+    <dgm:fillClrLst>
+      <a:schemeClr val="accent6">
+        <a:shade val="90000"/>
+      </a:schemeClr>
+      <a:schemeClr val="accent6">
+        <a:tint val="70000"/>
       </a:schemeClr>
     </dgm:fillClrLst>
     <dgm:linClrLst>
       <a:schemeClr val="accent6">
-        <a:shade val="80000"/>
+        <a:shade val="90000"/>
       </a:schemeClr>
       <a:schemeClr val="accent6">
         <a:tint val="70000"/>
       </a:schemeClr>
+    </dgm:linClrLst>
+    <dgm:effectClrLst/>
+    <dgm:txLinClrLst/>
+    <dgm:txFillClrLst/>
+    <dgm:txEffectClrLst/>
+  </dgm:styleLbl>
+  <dgm:styleLbl name="solidAlignAcc1">
+    <dgm:fillClrLst meth="repeat">
+      <a:schemeClr val="lt1"/>
+    </dgm:fillClrLst>
+    <dgm:linClrLst meth="repeat">
+      <a:schemeClr val="accent6"/>
     </dgm:linClrLst>
     <dgm:effectClrLst/>
     <dgm:txLinClrLst/>
@@ -723,11 +939,23 @@
     </dgm:txFillClrLst>
     <dgm:txEffectClrLst/>
   </dgm:styleLbl>
-  <dgm:styleLbl name="alignAcc1">
+  <dgm:styleLbl name="solidBgAcc1">
     <dgm:fillClrLst meth="repeat">
-      <a:schemeClr val="lt1">
-        <a:alpha val="90000"/>
-      </a:schemeClr>
+      <a:schemeClr val="lt1"/>
+    </dgm:fillClrLst>
+    <dgm:linClrLst meth="repeat">
+      <a:schemeClr val="accent6"/>
+    </dgm:linClrLst>
+    <dgm:effectClrLst/>
+    <dgm:txLinClrLst/>
+    <dgm:txFillClrLst meth="repeat">
+      <a:schemeClr val="dk1"/>
+    </dgm:txFillClrLst>
+    <dgm:txEffectClrLst/>
+  </dgm:styleLbl>
+  <dgm:styleLbl name="solidFgAcc1">
+    <dgm:fillClrLst meth="repeat">
+      <a:schemeClr val="lt1"/>
     </dgm:fillClrLst>
     <dgm:linClrLst>
       <a:schemeClr val="accent6">
@@ -760,235 +988,6 @@
     </dgm:txFillClrLst>
     <dgm:txEffectClrLst/>
   </dgm:styleLbl>
-  <dgm:styleLbl name="bgAcc1">
-    <dgm:fillClrLst meth="repeat">
-      <a:schemeClr val="lt1">
-        <a:alpha val="90000"/>
-      </a:schemeClr>
-    </dgm:fillClrLst>
-    <dgm:linClrLst>
-      <a:schemeClr val="accent6">
-        <a:shade val="80000"/>
-      </a:schemeClr>
-      <a:schemeClr val="accent6">
-        <a:tint val="70000"/>
-      </a:schemeClr>
-    </dgm:linClrLst>
-    <dgm:effectClrLst/>
-    <dgm:txLinClrLst/>
-    <dgm:txFillClrLst meth="repeat">
-      <a:schemeClr val="dk1"/>
-    </dgm:txFillClrLst>
-    <dgm:txEffectClrLst/>
-  </dgm:styleLbl>
-  <dgm:styleLbl name="solidFgAcc1">
-    <dgm:fillClrLst meth="repeat">
-      <a:schemeClr val="lt1"/>
-    </dgm:fillClrLst>
-    <dgm:linClrLst>
-      <a:schemeClr val="accent6">
-        <a:shade val="80000"/>
-      </a:schemeClr>
-      <a:schemeClr val="accent6">
-        <a:tint val="70000"/>
-      </a:schemeClr>
-    </dgm:linClrLst>
-    <dgm:effectClrLst/>
-    <dgm:txLinClrLst/>
-    <dgm:txFillClrLst meth="repeat">
-      <a:schemeClr val="dk1"/>
-    </dgm:txFillClrLst>
-    <dgm:txEffectClrLst/>
-  </dgm:styleLbl>
-  <dgm:styleLbl name="solidAlignAcc1">
-    <dgm:fillClrLst meth="repeat">
-      <a:schemeClr val="lt1"/>
-    </dgm:fillClrLst>
-    <dgm:linClrLst meth="repeat">
-      <a:schemeClr val="accent6"/>
-    </dgm:linClrLst>
-    <dgm:effectClrLst/>
-    <dgm:txLinClrLst/>
-    <dgm:txFillClrLst meth="repeat">
-      <a:schemeClr val="dk1"/>
-    </dgm:txFillClrLst>
-    <dgm:txEffectClrLst/>
-  </dgm:styleLbl>
-  <dgm:styleLbl name="solidBgAcc1">
-    <dgm:fillClrLst meth="repeat">
-      <a:schemeClr val="lt1"/>
-    </dgm:fillClrLst>
-    <dgm:linClrLst meth="repeat">
-      <a:schemeClr val="accent6"/>
-    </dgm:linClrLst>
-    <dgm:effectClrLst/>
-    <dgm:txLinClrLst/>
-    <dgm:txFillClrLst meth="repeat">
-      <a:schemeClr val="dk1"/>
-    </dgm:txFillClrLst>
-    <dgm:txEffectClrLst/>
-  </dgm:styleLbl>
-  <dgm:styleLbl name="fgAccFollowNode1">
-    <dgm:fillClrLst meth="repeat">
-      <a:schemeClr val="accent6">
-        <a:alpha val="90000"/>
-        <a:tint val="40000"/>
-      </a:schemeClr>
-    </dgm:fillClrLst>
-    <dgm:linClrLst meth="repeat">
-      <a:schemeClr val="accent6">
-        <a:alpha val="90000"/>
-        <a:tint val="40000"/>
-      </a:schemeClr>
-    </dgm:linClrLst>
-    <dgm:effectClrLst/>
-    <dgm:txLinClrLst/>
-    <dgm:txFillClrLst meth="repeat">
-      <a:schemeClr val="dk1"/>
-    </dgm:txFillClrLst>
-    <dgm:txEffectClrLst/>
-  </dgm:styleLbl>
-  <dgm:styleLbl name="alignAccFollowNode1">
-    <dgm:fillClrLst meth="repeat">
-      <a:schemeClr val="accent6">
-        <a:alpha val="90000"/>
-        <a:tint val="40000"/>
-      </a:schemeClr>
-    </dgm:fillClrLst>
-    <dgm:linClrLst meth="repeat">
-      <a:schemeClr val="accent6">
-        <a:alpha val="90000"/>
-        <a:tint val="40000"/>
-      </a:schemeClr>
-    </dgm:linClrLst>
-    <dgm:effectClrLst/>
-    <dgm:txLinClrLst/>
-    <dgm:txFillClrLst meth="repeat">
-      <a:schemeClr val="dk1"/>
-    </dgm:txFillClrLst>
-    <dgm:txEffectClrLst/>
-  </dgm:styleLbl>
-  <dgm:styleLbl name="bgAccFollowNode1">
-    <dgm:fillClrLst meth="repeat">
-      <a:schemeClr val="accent6">
-        <a:alpha val="90000"/>
-        <a:tint val="40000"/>
-      </a:schemeClr>
-    </dgm:fillClrLst>
-    <dgm:linClrLst meth="repeat">
-      <a:schemeClr val="lt1"/>
-    </dgm:linClrLst>
-    <dgm:effectClrLst/>
-    <dgm:txLinClrLst/>
-    <dgm:txFillClrLst meth="repeat">
-      <a:schemeClr val="dk1"/>
-    </dgm:txFillClrLst>
-    <dgm:txEffectClrLst/>
-  </dgm:styleLbl>
-  <dgm:styleLbl name="fgAcc0">
-    <dgm:fillClrLst meth="repeat">
-      <a:schemeClr val="lt1">
-        <a:alpha val="90000"/>
-      </a:schemeClr>
-    </dgm:fillClrLst>
-    <dgm:linClrLst meth="repeat">
-      <a:schemeClr val="accent6">
-        <a:shade val="80000"/>
-      </a:schemeClr>
-    </dgm:linClrLst>
-    <dgm:effectClrLst/>
-    <dgm:txLinClrLst/>
-    <dgm:txFillClrLst meth="repeat">
-      <a:schemeClr val="dk1"/>
-    </dgm:txFillClrLst>
-    <dgm:txEffectClrLst/>
-  </dgm:styleLbl>
-  <dgm:styleLbl name="fgAcc2">
-    <dgm:fillClrLst meth="repeat">
-      <a:schemeClr val="lt1">
-        <a:alpha val="90000"/>
-      </a:schemeClr>
-    </dgm:fillClrLst>
-    <dgm:linClrLst meth="repeat">
-      <a:schemeClr val="accent6">
-        <a:tint val="99000"/>
-      </a:schemeClr>
-    </dgm:linClrLst>
-    <dgm:effectClrLst/>
-    <dgm:txLinClrLst/>
-    <dgm:txFillClrLst meth="repeat">
-      <a:schemeClr val="dk1"/>
-    </dgm:txFillClrLst>
-    <dgm:txEffectClrLst/>
-  </dgm:styleLbl>
-  <dgm:styleLbl name="fgAcc3">
-    <dgm:fillClrLst meth="repeat">
-      <a:schemeClr val="lt1">
-        <a:alpha val="90000"/>
-      </a:schemeClr>
-    </dgm:fillClrLst>
-    <dgm:linClrLst meth="repeat">
-      <a:schemeClr val="accent6">
-        <a:tint val="80000"/>
-      </a:schemeClr>
-    </dgm:linClrLst>
-    <dgm:effectClrLst/>
-    <dgm:txLinClrLst/>
-    <dgm:txFillClrLst meth="repeat">
-      <a:schemeClr val="dk1"/>
-    </dgm:txFillClrLst>
-    <dgm:txEffectClrLst/>
-  </dgm:styleLbl>
-  <dgm:styleLbl name="fgAcc4">
-    <dgm:fillClrLst meth="repeat">
-      <a:schemeClr val="lt1">
-        <a:alpha val="90000"/>
-      </a:schemeClr>
-    </dgm:fillClrLst>
-    <dgm:linClrLst meth="repeat">
-      <a:schemeClr val="accent6">
-        <a:tint val="70000"/>
-      </a:schemeClr>
-    </dgm:linClrLst>
-    <dgm:effectClrLst/>
-    <dgm:txLinClrLst/>
-    <dgm:txFillClrLst meth="repeat">
-      <a:schemeClr val="dk1"/>
-    </dgm:txFillClrLst>
-    <dgm:txEffectClrLst/>
-  </dgm:styleLbl>
-  <dgm:styleLbl name="bgShp">
-    <dgm:fillClrLst meth="repeat">
-      <a:schemeClr val="accent6">
-        <a:tint val="40000"/>
-      </a:schemeClr>
-    </dgm:fillClrLst>
-    <dgm:linClrLst meth="repeat">
-      <a:schemeClr val="dk1"/>
-    </dgm:linClrLst>
-    <dgm:effectClrLst/>
-    <dgm:txLinClrLst/>
-    <dgm:txFillClrLst meth="repeat">
-      <a:schemeClr val="dk1"/>
-    </dgm:txFillClrLst>
-    <dgm:txEffectClrLst/>
-  </dgm:styleLbl>
-  <dgm:styleLbl name="dkBgShp">
-    <dgm:fillClrLst meth="repeat">
-      <a:schemeClr val="accent6">
-        <a:shade val="90000"/>
-      </a:schemeClr>
-    </dgm:fillClrLst>
-    <dgm:linClrLst meth="repeat">
-      <a:schemeClr val="dk1"/>
-    </dgm:linClrLst>
-    <dgm:effectClrLst/>
-    <dgm:txLinClrLst/>
-    <dgm:txFillClrLst meth="repeat">
-      <a:schemeClr val="lt1"/>
-    </dgm:txFillClrLst>
-    <dgm:txEffectClrLst/>
-  </dgm:styleLbl>
   <dgm:styleLbl name="trBgShp">
     <dgm:fillClrLst meth="repeat">
       <a:schemeClr val="accent6">
@@ -1006,10 +1005,15 @@
     </dgm:txFillClrLst>
     <dgm:txEffectClrLst/>
   </dgm:styleLbl>
-  <dgm:styleLbl name="fgShp">
-    <dgm:fillClrLst meth="repeat">
+  <dgm:styleLbl name="vennNode1">
+    <dgm:fillClrLst>
       <a:schemeClr val="accent6">
-        <a:tint val="40000"/>
+        <a:shade val="80000"/>
+        <a:alpha val="50000"/>
+      </a:schemeClr>
+      <a:schemeClr val="accent6">
+        <a:tint val="70000"/>
+        <a:alpha val="50000"/>
       </a:schemeClr>
     </dgm:fillClrLst>
     <dgm:linClrLst meth="repeat">
@@ -1017,27 +1021,7 @@
     </dgm:linClrLst>
     <dgm:effectClrLst/>
     <dgm:txLinClrLst/>
-    <dgm:txFillClrLst meth="repeat">
-      <a:schemeClr val="dk1"/>
-    </dgm:txFillClrLst>
-    <dgm:txEffectClrLst/>
-  </dgm:styleLbl>
-  <dgm:styleLbl name="revTx">
-    <dgm:fillClrLst meth="repeat">
-      <a:schemeClr val="lt1">
-        <a:alpha val="0"/>
-      </a:schemeClr>
-    </dgm:fillClrLst>
-    <dgm:linClrLst meth="repeat">
-      <a:schemeClr val="dk1">
-        <a:alpha val="0"/>
-      </a:schemeClr>
-    </dgm:linClrLst>
-    <dgm:effectClrLst/>
-    <dgm:txLinClrLst/>
-    <dgm:txFillClrLst meth="repeat">
-      <a:schemeClr val="tx1"/>
-    </dgm:txFillClrLst>
+    <dgm:txFillClrLst/>
     <dgm:txEffectClrLst/>
   </dgm:styleLbl>
 </dgm:colorsDef>
@@ -1059,14 +1043,14 @@
         <a:p>
           <a:r>
             <a:rPr lang="en-US" sz="2000" dirty="0">
-              <a:latin typeface="Ubuntu" panose="020B0504030602030204" pitchFamily="34" charset="0"/>
+              <a:latin typeface="Ubuntu" panose="020B0504030602030204" charset="0"/>
             </a:rPr>
             <a:t>Knowledge</a:t>
           </a:r>
         </a:p>
       </dgm:t>
     </dgm:pt>
-    <dgm:pt modelId="{3C2720DB-5F08-4D1A-8041-68EF7CF88380}" type="parTrans" cxnId="{8BD7B96A-F355-4FD5-B01E-9CF83DC4896B}">
+    <dgm:pt modelId="{3C2720DB-5F08-4D1A-8041-68EF7CF88380}" cxnId="{8BD7B96A-F355-4FD5-B01E-9CF83DC4896B}" type="parTrans">
       <dgm:prSet/>
       <dgm:spPr/>
       <dgm:t>
@@ -1074,12 +1058,12 @@
         <a:lstStyle/>
         <a:p>
           <a:endParaRPr lang="en-US">
-            <a:latin typeface="Ubuntu" panose="020B0504030602030204" pitchFamily="34" charset="0"/>
+            <a:latin typeface="Ubuntu" panose="020B0504030602030204" charset="0"/>
           </a:endParaRPr>
         </a:p>
       </dgm:t>
     </dgm:pt>
-    <dgm:pt modelId="{17EBDD79-0C07-48E1-9466-71C3AFECB6FC}" type="sibTrans" cxnId="{8BD7B96A-F355-4FD5-B01E-9CF83DC4896B}">
+    <dgm:pt modelId="{17EBDD79-0C07-48E1-9466-71C3AFECB6FC}" cxnId="{8BD7B96A-F355-4FD5-B01E-9CF83DC4896B}" type="sibTrans">
       <dgm:prSet/>
       <dgm:spPr/>
       <dgm:t>
@@ -1087,7 +1071,7 @@
         <a:lstStyle/>
         <a:p>
           <a:endParaRPr lang="en-US">
-            <a:latin typeface="Ubuntu" panose="020B0504030602030204" pitchFamily="34" charset="0"/>
+            <a:latin typeface="Ubuntu" panose="020B0504030602030204" charset="0"/>
           </a:endParaRPr>
         </a:p>
       </dgm:t>
@@ -1101,14 +1085,14 @@
         <a:p>
           <a:r>
             <a:rPr lang="en-US" dirty="0">
-              <a:latin typeface="Ubuntu" panose="020B0504030602030204" pitchFamily="34" charset="0"/>
+              <a:latin typeface="Ubuntu" panose="020B0504030602030204" charset="0"/>
             </a:rPr>
             <a:t>Information</a:t>
           </a:r>
         </a:p>
       </dgm:t>
     </dgm:pt>
-    <dgm:pt modelId="{3E2A3200-6B50-4254-802B-DA5B9BCD33DE}" type="parTrans" cxnId="{57D55A68-C8C0-4244-B3C7-50D88304EFD9}">
+    <dgm:pt modelId="{3E2A3200-6B50-4254-802B-DA5B9BCD33DE}" cxnId="{57D55A68-C8C0-4244-B3C7-50D88304EFD9}" type="parTrans">
       <dgm:prSet/>
       <dgm:spPr/>
       <dgm:t>
@@ -1116,12 +1100,12 @@
         <a:lstStyle/>
         <a:p>
           <a:endParaRPr lang="en-US">
-            <a:latin typeface="Ubuntu" panose="020B0504030602030204" pitchFamily="34" charset="0"/>
+            <a:latin typeface="Ubuntu" panose="020B0504030602030204" charset="0"/>
           </a:endParaRPr>
         </a:p>
       </dgm:t>
     </dgm:pt>
-    <dgm:pt modelId="{EE8771F1-C45D-487F-93CC-DEE289DD66F1}" type="sibTrans" cxnId="{57D55A68-C8C0-4244-B3C7-50D88304EFD9}">
+    <dgm:pt modelId="{EE8771F1-C45D-487F-93CC-DEE289DD66F1}" cxnId="{57D55A68-C8C0-4244-B3C7-50D88304EFD9}" type="sibTrans">
       <dgm:prSet/>
       <dgm:spPr/>
       <dgm:t>
@@ -1129,7 +1113,7 @@
         <a:lstStyle/>
         <a:p>
           <a:endParaRPr lang="en-US">
-            <a:latin typeface="Ubuntu" panose="020B0504030602030204" pitchFamily="34" charset="0"/>
+            <a:latin typeface="Ubuntu" panose="020B0504030602030204" charset="0"/>
           </a:endParaRPr>
         </a:p>
       </dgm:t>
@@ -1143,14 +1127,14 @@
         <a:p>
           <a:r>
             <a:rPr lang="en-US" dirty="0">
-              <a:latin typeface="Ubuntu" panose="020B0504030602030204" pitchFamily="34" charset="0"/>
+              <a:latin typeface="Ubuntu" panose="020B0504030602030204" charset="0"/>
             </a:rPr>
             <a:t>Data</a:t>
           </a:r>
         </a:p>
       </dgm:t>
     </dgm:pt>
-    <dgm:pt modelId="{9B9E2345-8CD0-4D40-9737-D8841C936B99}" type="parTrans" cxnId="{D8B5F071-F5E6-4066-8A39-FC8D4E18DF74}">
+    <dgm:pt modelId="{9B9E2345-8CD0-4D40-9737-D8841C936B99}" cxnId="{D8B5F071-F5E6-4066-8A39-FC8D4E18DF74}" type="parTrans">
       <dgm:prSet/>
       <dgm:spPr/>
       <dgm:t>
@@ -1158,12 +1142,12 @@
         <a:lstStyle/>
         <a:p>
           <a:endParaRPr lang="en-US">
-            <a:latin typeface="Ubuntu" panose="020B0504030602030204" pitchFamily="34" charset="0"/>
+            <a:latin typeface="Ubuntu" panose="020B0504030602030204" charset="0"/>
           </a:endParaRPr>
         </a:p>
       </dgm:t>
     </dgm:pt>
-    <dgm:pt modelId="{900CD1FA-412A-4CD3-828C-4D0F630E119D}" type="sibTrans" cxnId="{D8B5F071-F5E6-4066-8A39-FC8D4E18DF74}">
+    <dgm:pt modelId="{900CD1FA-412A-4CD3-828C-4D0F630E119D}" cxnId="{D8B5F071-F5E6-4066-8A39-FC8D4E18DF74}" type="sibTrans">
       <dgm:prSet/>
       <dgm:spPr/>
       <dgm:t>
@@ -1171,7 +1155,7 @@
         <a:lstStyle/>
         <a:p>
           <a:endParaRPr lang="en-US">
-            <a:latin typeface="Ubuntu" panose="020B0504030602030204" pitchFamily="34" charset="0"/>
+            <a:latin typeface="Ubuntu" panose="020B0504030602030204" charset="0"/>
           </a:endParaRPr>
         </a:p>
       </dgm:t>
@@ -1278,7 +1262,7 @@
   <dgm:whole/>
   <dgm:extLst>
     <a:ext uri="http://schemas.microsoft.com/office/drawing/2008/diagram">
-      <dsp:dataModelExt xmlns:dsp="http://schemas.microsoft.com/office/drawing/2008/diagram" relId="rId7" minVer="http://schemas.openxmlformats.org/drawingml/2006/diagram"/>
+      <dsp:dataModelExt xmlns:dsp="http://schemas.microsoft.com/office/drawing/2008/diagram" relId="rId6" minVer="http://schemas.openxmlformats.org/drawingml/2006/diagram"/>
     </a:ext>
   </dgm:extLst>
 </dgm:dataModel>
@@ -1602,24 +1586,24 @@
     <dgm:choose name="Name1">
       <dgm:if name="Name2" func="var" arg="dir" op="equ" val="norm">
         <dgm:alg type="pyra">
+          <dgm:param type="pyraLvlNode" val="level"/>
+          <dgm:param type="pyraAcctTxNode" val="acctTx"/>
+          <dgm:param type="pyraAcctBkgdNode" val="acctBkgd"/>
           <dgm:param type="linDir" val="fromB"/>
           <dgm:param type="txDir" val="fromT"/>
           <dgm:param type="pyraAcctPos" val="aft"/>
           <dgm:param type="pyraAcctTxMar" val="step"/>
-          <dgm:param type="pyraAcctBkgdNode" val="acctBkgd"/>
-          <dgm:param type="pyraAcctTxNode" val="acctTx"/>
-          <dgm:param type="pyraLvlNode" val="level"/>
         </dgm:alg>
       </dgm:if>
       <dgm:else name="Name3">
         <dgm:alg type="pyra">
+          <dgm:param type="pyraLvlNode" val="level"/>
+          <dgm:param type="pyraAcctTxNode" val="acctTx"/>
+          <dgm:param type="pyraAcctBkgdNode" val="acctBkgd"/>
           <dgm:param type="linDir" val="fromB"/>
           <dgm:param type="txDir" val="fromT"/>
           <dgm:param type="pyraAcctPos" val="bef"/>
           <dgm:param type="pyraAcctTxMar" val="step"/>
-          <dgm:param type="pyraAcctBkgdNode" val="acctBkgd"/>
-          <dgm:param type="pyraAcctTxNode" val="acctTx"/>
-          <dgm:param type="pyraLvlNode" val="level"/>
         </dgm:alg>
       </dgm:else>
     </dgm:choose>
@@ -1788,15 +1772,503 @@
     <a:camera prst="orthographicFront"/>
     <a:lightRig rig="threePt" dir="t"/>
   </dgm:scene3d>
-  <dgm:styleLbl name="node0">
+  <dgm:styleLbl name="alignAcc1">
     <dgm:scene3d>
       <a:camera prst="orthographicFront"/>
       <a:lightRig rig="threePt" dir="t"/>
     </dgm:scene3d>
-    <dgm:sp3d/>
     <dgm:txPr/>
     <dgm:style>
       <a:lnRef idx="2">
+        <a:scrgbClr r="0" g="0" b="0"/>
+      </a:lnRef>
+      <a:fillRef idx="1">
+        <a:scrgbClr r="0" g="0" b="0"/>
+      </a:fillRef>
+      <a:effectRef idx="0">
+        <a:scrgbClr r="0" g="0" b="0"/>
+      </a:effectRef>
+      <a:fontRef idx="minor"/>
+    </dgm:style>
+  </dgm:styleLbl>
+  <dgm:styleLbl name="alignAccFollowNode1">
+    <dgm:scene3d>
+      <a:camera prst="orthographicFront"/>
+      <a:lightRig rig="threePt" dir="t"/>
+    </dgm:scene3d>
+    <dgm:txPr/>
+    <dgm:style>
+      <a:lnRef idx="2">
+        <a:scrgbClr r="0" g="0" b="0"/>
+      </a:lnRef>
+      <a:fillRef idx="1">
+        <a:scrgbClr r="0" g="0" b="0"/>
+      </a:fillRef>
+      <a:effectRef idx="0">
+        <a:scrgbClr r="0" g="0" b="0"/>
+      </a:effectRef>
+      <a:fontRef idx="minor"/>
+    </dgm:style>
+  </dgm:styleLbl>
+  <dgm:styleLbl name="alignImgPlace1">
+    <dgm:scene3d>
+      <a:camera prst="orthographicFront"/>
+      <a:lightRig rig="threePt" dir="t"/>
+    </dgm:scene3d>
+    <dgm:txPr/>
+    <dgm:style>
+      <a:lnRef idx="2">
+        <a:scrgbClr r="0" g="0" b="0"/>
+      </a:lnRef>
+      <a:fillRef idx="1">
+        <a:scrgbClr r="0" g="0" b="0"/>
+      </a:fillRef>
+      <a:effectRef idx="0">
+        <a:scrgbClr r="0" g="0" b="0"/>
+      </a:effectRef>
+      <a:fontRef idx="minor"/>
+    </dgm:style>
+  </dgm:styleLbl>
+  <dgm:styleLbl name="alignNode1">
+    <dgm:scene3d>
+      <a:camera prst="orthographicFront"/>
+      <a:lightRig rig="threePt" dir="t"/>
+    </dgm:scene3d>
+    <dgm:txPr/>
+    <dgm:style>
+      <a:lnRef idx="2">
+        <a:scrgbClr r="0" g="0" b="0"/>
+      </a:lnRef>
+      <a:fillRef idx="1">
+        <a:scrgbClr r="0" g="0" b="0"/>
+      </a:fillRef>
+      <a:effectRef idx="0">
+        <a:scrgbClr r="0" g="0" b="0"/>
+      </a:effectRef>
+      <a:fontRef idx="minor">
+        <a:schemeClr val="lt1"/>
+      </a:fontRef>
+    </dgm:style>
+  </dgm:styleLbl>
+  <dgm:styleLbl name="asst0">
+    <dgm:scene3d>
+      <a:camera prst="orthographicFront"/>
+      <a:lightRig rig="threePt" dir="t"/>
+    </dgm:scene3d>
+    <dgm:txPr/>
+    <dgm:style>
+      <a:lnRef idx="2">
+        <a:scrgbClr r="0" g="0" b="0"/>
+      </a:lnRef>
+      <a:fillRef idx="1">
+        <a:scrgbClr r="0" g="0" b="0"/>
+      </a:fillRef>
+      <a:effectRef idx="0">
+        <a:scrgbClr r="0" g="0" b="0"/>
+      </a:effectRef>
+      <a:fontRef idx="minor">
+        <a:schemeClr val="lt1"/>
+      </a:fontRef>
+    </dgm:style>
+  </dgm:styleLbl>
+  <dgm:styleLbl name="asst1">
+    <dgm:scene3d>
+      <a:camera prst="orthographicFront"/>
+      <a:lightRig rig="threePt" dir="t"/>
+    </dgm:scene3d>
+    <dgm:txPr/>
+    <dgm:style>
+      <a:lnRef idx="2">
+        <a:scrgbClr r="0" g="0" b="0"/>
+      </a:lnRef>
+      <a:fillRef idx="1">
+        <a:scrgbClr r="0" g="0" b="0"/>
+      </a:fillRef>
+      <a:effectRef idx="0">
+        <a:scrgbClr r="0" g="0" b="0"/>
+      </a:effectRef>
+      <a:fontRef idx="minor">
+        <a:schemeClr val="lt1"/>
+      </a:fontRef>
+    </dgm:style>
+  </dgm:styleLbl>
+  <dgm:styleLbl name="asst2">
+    <dgm:scene3d>
+      <a:camera prst="orthographicFront"/>
+      <a:lightRig rig="threePt" dir="t"/>
+    </dgm:scene3d>
+    <dgm:txPr/>
+    <dgm:style>
+      <a:lnRef idx="2">
+        <a:scrgbClr r="0" g="0" b="0"/>
+      </a:lnRef>
+      <a:fillRef idx="1">
+        <a:scrgbClr r="0" g="0" b="0"/>
+      </a:fillRef>
+      <a:effectRef idx="0">
+        <a:scrgbClr r="0" g="0" b="0"/>
+      </a:effectRef>
+      <a:fontRef idx="minor">
+        <a:schemeClr val="lt1"/>
+      </a:fontRef>
+    </dgm:style>
+  </dgm:styleLbl>
+  <dgm:styleLbl name="asst3">
+    <dgm:scene3d>
+      <a:camera prst="orthographicFront"/>
+      <a:lightRig rig="threePt" dir="t"/>
+    </dgm:scene3d>
+    <dgm:txPr/>
+    <dgm:style>
+      <a:lnRef idx="2">
+        <a:scrgbClr r="0" g="0" b="0"/>
+      </a:lnRef>
+      <a:fillRef idx="1">
+        <a:scrgbClr r="0" g="0" b="0"/>
+      </a:fillRef>
+      <a:effectRef idx="0">
+        <a:scrgbClr r="0" g="0" b="0"/>
+      </a:effectRef>
+      <a:fontRef idx="minor">
+        <a:schemeClr val="lt1"/>
+      </a:fontRef>
+    </dgm:style>
+  </dgm:styleLbl>
+  <dgm:styleLbl name="asst4">
+    <dgm:scene3d>
+      <a:camera prst="orthographicFront"/>
+      <a:lightRig rig="threePt" dir="t"/>
+    </dgm:scene3d>
+    <dgm:txPr/>
+    <dgm:style>
+      <a:lnRef idx="2">
+        <a:scrgbClr r="0" g="0" b="0"/>
+      </a:lnRef>
+      <a:fillRef idx="1">
+        <a:scrgbClr r="0" g="0" b="0"/>
+      </a:fillRef>
+      <a:effectRef idx="0">
+        <a:scrgbClr r="0" g="0" b="0"/>
+      </a:effectRef>
+      <a:fontRef idx="minor">
+        <a:schemeClr val="lt1"/>
+      </a:fontRef>
+    </dgm:style>
+  </dgm:styleLbl>
+  <dgm:styleLbl name="bgAcc1">
+    <dgm:scene3d>
+      <a:camera prst="orthographicFront"/>
+      <a:lightRig rig="threePt" dir="t"/>
+    </dgm:scene3d>
+    <dgm:txPr/>
+    <dgm:style>
+      <a:lnRef idx="2">
+        <a:scrgbClr r="0" g="0" b="0"/>
+      </a:lnRef>
+      <a:fillRef idx="1">
+        <a:scrgbClr r="0" g="0" b="0"/>
+      </a:fillRef>
+      <a:effectRef idx="0">
+        <a:scrgbClr r="0" g="0" b="0"/>
+      </a:effectRef>
+      <a:fontRef idx="minor"/>
+    </dgm:style>
+  </dgm:styleLbl>
+  <dgm:styleLbl name="bgAccFollowNode1">
+    <dgm:scene3d>
+      <a:camera prst="orthographicFront"/>
+      <a:lightRig rig="threePt" dir="t"/>
+    </dgm:scene3d>
+    <dgm:txPr/>
+    <dgm:style>
+      <a:lnRef idx="2">
+        <a:scrgbClr r="0" g="0" b="0"/>
+      </a:lnRef>
+      <a:fillRef idx="1">
+        <a:scrgbClr r="0" g="0" b="0"/>
+      </a:fillRef>
+      <a:effectRef idx="0">
+        <a:scrgbClr r="0" g="0" b="0"/>
+      </a:effectRef>
+      <a:fontRef idx="minor"/>
+    </dgm:style>
+  </dgm:styleLbl>
+  <dgm:styleLbl name="bgImgPlace1">
+    <dgm:scene3d>
+      <a:camera prst="orthographicFront"/>
+      <a:lightRig rig="threePt" dir="t"/>
+    </dgm:scene3d>
+    <dgm:txPr/>
+    <dgm:style>
+      <a:lnRef idx="2">
+        <a:scrgbClr r="0" g="0" b="0"/>
+      </a:lnRef>
+      <a:fillRef idx="1">
+        <a:scrgbClr r="0" g="0" b="0"/>
+      </a:fillRef>
+      <a:effectRef idx="0">
+        <a:scrgbClr r="0" g="0" b="0"/>
+      </a:effectRef>
+      <a:fontRef idx="minor"/>
+    </dgm:style>
+  </dgm:styleLbl>
+  <dgm:styleLbl name="bgShp">
+    <dgm:scene3d>
+      <a:camera prst="orthographicFront"/>
+      <a:lightRig rig="threePt" dir="t"/>
+    </dgm:scene3d>
+    <dgm:txPr/>
+    <dgm:style>
+      <a:lnRef idx="0">
+        <a:scrgbClr r="0" g="0" b="0"/>
+      </a:lnRef>
+      <a:fillRef idx="1">
+        <a:scrgbClr r="0" g="0" b="0"/>
+      </a:fillRef>
+      <a:effectRef idx="0">
+        <a:scrgbClr r="0" g="0" b="0"/>
+      </a:effectRef>
+      <a:fontRef idx="minor"/>
+    </dgm:style>
+  </dgm:styleLbl>
+  <dgm:styleLbl name="bgSibTrans2D1">
+    <dgm:scene3d>
+      <a:camera prst="orthographicFront"/>
+      <a:lightRig rig="threePt" dir="t"/>
+    </dgm:scene3d>
+    <dgm:txPr/>
+    <dgm:style>
+      <a:lnRef idx="0">
+        <a:scrgbClr r="0" g="0" b="0"/>
+      </a:lnRef>
+      <a:fillRef idx="1">
+        <a:scrgbClr r="0" g="0" b="0"/>
+      </a:fillRef>
+      <a:effectRef idx="0">
+        <a:scrgbClr r="0" g="0" b="0"/>
+      </a:effectRef>
+      <a:fontRef idx="minor">
+        <a:schemeClr val="lt1"/>
+      </a:fontRef>
+    </dgm:style>
+  </dgm:styleLbl>
+  <dgm:styleLbl name="callout">
+    <dgm:scene3d>
+      <a:camera prst="orthographicFront"/>
+      <a:lightRig rig="threePt" dir="t"/>
+    </dgm:scene3d>
+    <dgm:txPr/>
+    <dgm:style>
+      <a:lnRef idx="2">
+        <a:scrgbClr r="0" g="0" b="0"/>
+      </a:lnRef>
+      <a:fillRef idx="1">
+        <a:scrgbClr r="0" g="0" b="0"/>
+      </a:fillRef>
+      <a:effectRef idx="0">
+        <a:scrgbClr r="0" g="0" b="0"/>
+      </a:effectRef>
+      <a:fontRef idx="minor"/>
+    </dgm:style>
+  </dgm:styleLbl>
+  <dgm:styleLbl name="conFgAcc1">
+    <dgm:scene3d>
+      <a:camera prst="orthographicFront"/>
+      <a:lightRig rig="threePt" dir="t"/>
+    </dgm:scene3d>
+    <dgm:txPr/>
+    <dgm:style>
+      <a:lnRef idx="2">
+        <a:scrgbClr r="0" g="0" b="0"/>
+      </a:lnRef>
+      <a:fillRef idx="1">
+        <a:scrgbClr r="0" g="0" b="0"/>
+      </a:fillRef>
+      <a:effectRef idx="0">
+        <a:scrgbClr r="0" g="0" b="0"/>
+      </a:effectRef>
+      <a:fontRef idx="minor"/>
+    </dgm:style>
+  </dgm:styleLbl>
+  <dgm:styleLbl name="dkBgShp">
+    <dgm:scene3d>
+      <a:camera prst="orthographicFront"/>
+      <a:lightRig rig="threePt" dir="t"/>
+    </dgm:scene3d>
+    <dgm:txPr/>
+    <dgm:style>
+      <a:lnRef idx="0">
+        <a:scrgbClr r="0" g="0" b="0"/>
+      </a:lnRef>
+      <a:fillRef idx="1">
+        <a:scrgbClr r="0" g="0" b="0"/>
+      </a:fillRef>
+      <a:effectRef idx="0">
+        <a:scrgbClr r="0" g="0" b="0"/>
+      </a:effectRef>
+      <a:fontRef idx="minor"/>
+    </dgm:style>
+  </dgm:styleLbl>
+  <dgm:styleLbl name="fgAcc0">
+    <dgm:scene3d>
+      <a:camera prst="orthographicFront"/>
+      <a:lightRig rig="threePt" dir="t"/>
+    </dgm:scene3d>
+    <dgm:txPr/>
+    <dgm:style>
+      <a:lnRef idx="2">
+        <a:scrgbClr r="0" g="0" b="0"/>
+      </a:lnRef>
+      <a:fillRef idx="1">
+        <a:scrgbClr r="0" g="0" b="0"/>
+      </a:fillRef>
+      <a:effectRef idx="0">
+        <a:scrgbClr r="0" g="0" b="0"/>
+      </a:effectRef>
+      <a:fontRef idx="minor"/>
+    </dgm:style>
+  </dgm:styleLbl>
+  <dgm:styleLbl name="fgAcc1">
+    <dgm:scene3d>
+      <a:camera prst="orthographicFront"/>
+      <a:lightRig rig="threePt" dir="t"/>
+    </dgm:scene3d>
+    <dgm:txPr/>
+    <dgm:style>
+      <a:lnRef idx="2">
+        <a:scrgbClr r="0" g="0" b="0"/>
+      </a:lnRef>
+      <a:fillRef idx="1">
+        <a:scrgbClr r="0" g="0" b="0"/>
+      </a:fillRef>
+      <a:effectRef idx="0">
+        <a:scrgbClr r="0" g="0" b="0"/>
+      </a:effectRef>
+      <a:fontRef idx="minor"/>
+    </dgm:style>
+  </dgm:styleLbl>
+  <dgm:styleLbl name="fgAcc2">
+    <dgm:scene3d>
+      <a:camera prst="orthographicFront"/>
+      <a:lightRig rig="threePt" dir="t"/>
+    </dgm:scene3d>
+    <dgm:txPr/>
+    <dgm:style>
+      <a:lnRef idx="2">
+        <a:scrgbClr r="0" g="0" b="0"/>
+      </a:lnRef>
+      <a:fillRef idx="1">
+        <a:scrgbClr r="0" g="0" b="0"/>
+      </a:fillRef>
+      <a:effectRef idx="0">
+        <a:scrgbClr r="0" g="0" b="0"/>
+      </a:effectRef>
+      <a:fontRef idx="minor"/>
+    </dgm:style>
+  </dgm:styleLbl>
+  <dgm:styleLbl name="fgAcc3">
+    <dgm:scene3d>
+      <a:camera prst="orthographicFront"/>
+      <a:lightRig rig="threePt" dir="t"/>
+    </dgm:scene3d>
+    <dgm:txPr/>
+    <dgm:style>
+      <a:lnRef idx="2">
+        <a:scrgbClr r="0" g="0" b="0"/>
+      </a:lnRef>
+      <a:fillRef idx="1">
+        <a:scrgbClr r="0" g="0" b="0"/>
+      </a:fillRef>
+      <a:effectRef idx="0">
+        <a:scrgbClr r="0" g="0" b="0"/>
+      </a:effectRef>
+      <a:fontRef idx="minor"/>
+    </dgm:style>
+  </dgm:styleLbl>
+  <dgm:styleLbl name="fgAcc4">
+    <dgm:scene3d>
+      <a:camera prst="orthographicFront"/>
+      <a:lightRig rig="threePt" dir="t"/>
+    </dgm:scene3d>
+    <dgm:txPr/>
+    <dgm:style>
+      <a:lnRef idx="2">
+        <a:scrgbClr r="0" g="0" b="0"/>
+      </a:lnRef>
+      <a:fillRef idx="1">
+        <a:scrgbClr r="0" g="0" b="0"/>
+      </a:fillRef>
+      <a:effectRef idx="0">
+        <a:scrgbClr r="0" g="0" b="0"/>
+      </a:effectRef>
+      <a:fontRef idx="minor"/>
+    </dgm:style>
+  </dgm:styleLbl>
+  <dgm:styleLbl name="fgAccFollowNode1">
+    <dgm:scene3d>
+      <a:camera prst="orthographicFront"/>
+      <a:lightRig rig="threePt" dir="t"/>
+    </dgm:scene3d>
+    <dgm:txPr/>
+    <dgm:style>
+      <a:lnRef idx="2">
+        <a:scrgbClr r="0" g="0" b="0"/>
+      </a:lnRef>
+      <a:fillRef idx="1">
+        <a:scrgbClr r="0" g="0" b="0"/>
+      </a:fillRef>
+      <a:effectRef idx="0">
+        <a:scrgbClr r="0" g="0" b="0"/>
+      </a:effectRef>
+      <a:fontRef idx="minor"/>
+    </dgm:style>
+  </dgm:styleLbl>
+  <dgm:styleLbl name="fgImgPlace1">
+    <dgm:scene3d>
+      <a:camera prst="orthographicFront"/>
+      <a:lightRig rig="threePt" dir="t"/>
+    </dgm:scene3d>
+    <dgm:txPr/>
+    <dgm:style>
+      <a:lnRef idx="2">
+        <a:scrgbClr r="0" g="0" b="0"/>
+      </a:lnRef>
+      <a:fillRef idx="1">
+        <a:scrgbClr r="0" g="0" b="0"/>
+      </a:fillRef>
+      <a:effectRef idx="0">
+        <a:scrgbClr r="0" g="0" b="0"/>
+      </a:effectRef>
+      <a:fontRef idx="minor"/>
+    </dgm:style>
+  </dgm:styleLbl>
+  <dgm:styleLbl name="fgShp">
+    <dgm:scene3d>
+      <a:camera prst="orthographicFront"/>
+      <a:lightRig rig="threePt" dir="t"/>
+    </dgm:scene3d>
+    <dgm:txPr/>
+    <dgm:style>
+      <a:lnRef idx="2">
+        <a:scrgbClr r="0" g="0" b="0"/>
+      </a:lnRef>
+      <a:fillRef idx="1">
+        <a:scrgbClr r="0" g="0" b="0"/>
+      </a:fillRef>
+      <a:effectRef idx="0">
+        <a:scrgbClr r="0" g="0" b="0"/>
+      </a:effectRef>
+      <a:fontRef idx="minor"/>
+    </dgm:style>
+  </dgm:styleLbl>
+  <dgm:styleLbl name="fgSibTrans2D1">
+    <dgm:scene3d>
+      <a:camera prst="orthographicFront"/>
+      <a:lightRig rig="threePt" dir="t"/>
+    </dgm:scene3d>
+    <dgm:txPr/>
+    <dgm:style>
+      <a:lnRef idx="0">
         <a:scrgbClr r="0" g="0" b="0"/>
       </a:lnRef>
       <a:fillRef idx="1">
@@ -1815,7 +2287,6 @@
       <a:camera prst="orthographicFront"/>
       <a:lightRig rig="threePt" dir="t"/>
     </dgm:scene3d>
-    <dgm:sp3d/>
     <dgm:txPr/>
     <dgm:style>
       <a:lnRef idx="2">
@@ -1832,34 +2303,11 @@
       </a:fontRef>
     </dgm:style>
   </dgm:styleLbl>
-  <dgm:styleLbl name="vennNode1">
+  <dgm:styleLbl name="node0">
     <dgm:scene3d>
       <a:camera prst="orthographicFront"/>
       <a:lightRig rig="threePt" dir="t"/>
     </dgm:scene3d>
-    <dgm:sp3d/>
-    <dgm:txPr/>
-    <dgm:style>
-      <a:lnRef idx="2">
-        <a:scrgbClr r="0" g="0" b="0"/>
-      </a:lnRef>
-      <a:fillRef idx="1">
-        <a:scrgbClr r="0" g="0" b="0"/>
-      </a:fillRef>
-      <a:effectRef idx="0">
-        <a:scrgbClr r="0" g="0" b="0"/>
-      </a:effectRef>
-      <a:fontRef idx="minor">
-        <a:schemeClr val="tx1"/>
-      </a:fontRef>
-    </dgm:style>
-  </dgm:styleLbl>
-  <dgm:styleLbl name="alignNode1">
-    <dgm:scene3d>
-      <a:camera prst="orthographicFront"/>
-      <a:lightRig rig="threePt" dir="t"/>
-    </dgm:scene3d>
-    <dgm:sp3d/>
     <dgm:txPr/>
     <dgm:style>
       <a:lnRef idx="2">
@@ -1881,7 +2329,6 @@
       <a:camera prst="orthographicFront"/>
       <a:lightRig rig="threePt" dir="t"/>
     </dgm:scene3d>
-    <dgm:sp3d/>
     <dgm:txPr/>
     <dgm:style>
       <a:lnRef idx="2">
@@ -1903,7 +2350,6 @@
       <a:camera prst="orthographicFront"/>
       <a:lightRig rig="threePt" dir="t"/>
     </dgm:scene3d>
-    <dgm:sp3d/>
     <dgm:txPr/>
     <dgm:style>
       <a:lnRef idx="2">
@@ -1925,7 +2371,6 @@
       <a:camera prst="orthographicFront"/>
       <a:lightRig rig="threePt" dir="t"/>
     </dgm:scene3d>
-    <dgm:sp3d/>
     <dgm:txPr/>
     <dgm:style>
       <a:lnRef idx="2">
@@ -1947,7 +2392,6 @@
       <a:camera prst="orthographicFront"/>
       <a:lightRig rig="threePt" dir="t"/>
     </dgm:scene3d>
-    <dgm:sp3d/>
     <dgm:txPr/>
     <dgm:style>
       <a:lnRef idx="2">
@@ -1964,141 +2408,14 @@
       </a:fontRef>
     </dgm:style>
   </dgm:styleLbl>
-  <dgm:styleLbl name="fgImgPlace1">
+  <dgm:styleLbl name="parChTrans1D1">
     <dgm:scene3d>
       <a:camera prst="orthographicFront"/>
       <a:lightRig rig="threePt" dir="t"/>
     </dgm:scene3d>
-    <dgm:sp3d/>
     <dgm:txPr/>
     <dgm:style>
       <a:lnRef idx="2">
-        <a:scrgbClr r="0" g="0" b="0"/>
-      </a:lnRef>
-      <a:fillRef idx="1">
-        <a:scrgbClr r="0" g="0" b="0"/>
-      </a:fillRef>
-      <a:effectRef idx="0">
-        <a:scrgbClr r="0" g="0" b="0"/>
-      </a:effectRef>
-      <a:fontRef idx="minor"/>
-    </dgm:style>
-  </dgm:styleLbl>
-  <dgm:styleLbl name="alignImgPlace1">
-    <dgm:scene3d>
-      <a:camera prst="orthographicFront"/>
-      <a:lightRig rig="threePt" dir="t"/>
-    </dgm:scene3d>
-    <dgm:sp3d/>
-    <dgm:txPr/>
-    <dgm:style>
-      <a:lnRef idx="2">
-        <a:scrgbClr r="0" g="0" b="0"/>
-      </a:lnRef>
-      <a:fillRef idx="1">
-        <a:scrgbClr r="0" g="0" b="0"/>
-      </a:fillRef>
-      <a:effectRef idx="0">
-        <a:scrgbClr r="0" g="0" b="0"/>
-      </a:effectRef>
-      <a:fontRef idx="minor"/>
-    </dgm:style>
-  </dgm:styleLbl>
-  <dgm:styleLbl name="bgImgPlace1">
-    <dgm:scene3d>
-      <a:camera prst="orthographicFront"/>
-      <a:lightRig rig="threePt" dir="t"/>
-    </dgm:scene3d>
-    <dgm:sp3d/>
-    <dgm:txPr/>
-    <dgm:style>
-      <a:lnRef idx="2">
-        <a:scrgbClr r="0" g="0" b="0"/>
-      </a:lnRef>
-      <a:fillRef idx="1">
-        <a:scrgbClr r="0" g="0" b="0"/>
-      </a:fillRef>
-      <a:effectRef idx="0">
-        <a:scrgbClr r="0" g="0" b="0"/>
-      </a:effectRef>
-      <a:fontRef idx="minor"/>
-    </dgm:style>
-  </dgm:styleLbl>
-  <dgm:styleLbl name="sibTrans2D1">
-    <dgm:scene3d>
-      <a:camera prst="orthographicFront"/>
-      <a:lightRig rig="threePt" dir="t"/>
-    </dgm:scene3d>
-    <dgm:sp3d/>
-    <dgm:txPr/>
-    <dgm:style>
-      <a:lnRef idx="0">
-        <a:scrgbClr r="0" g="0" b="0"/>
-      </a:lnRef>
-      <a:fillRef idx="1">
-        <a:scrgbClr r="0" g="0" b="0"/>
-      </a:fillRef>
-      <a:effectRef idx="0">
-        <a:scrgbClr r="0" g="0" b="0"/>
-      </a:effectRef>
-      <a:fontRef idx="minor">
-        <a:schemeClr val="lt1"/>
-      </a:fontRef>
-    </dgm:style>
-  </dgm:styleLbl>
-  <dgm:styleLbl name="fgSibTrans2D1">
-    <dgm:scene3d>
-      <a:camera prst="orthographicFront"/>
-      <a:lightRig rig="threePt" dir="t"/>
-    </dgm:scene3d>
-    <dgm:sp3d/>
-    <dgm:txPr/>
-    <dgm:style>
-      <a:lnRef idx="0">
-        <a:scrgbClr r="0" g="0" b="0"/>
-      </a:lnRef>
-      <a:fillRef idx="1">
-        <a:scrgbClr r="0" g="0" b="0"/>
-      </a:fillRef>
-      <a:effectRef idx="0">
-        <a:scrgbClr r="0" g="0" b="0"/>
-      </a:effectRef>
-      <a:fontRef idx="minor">
-        <a:schemeClr val="lt1"/>
-      </a:fontRef>
-    </dgm:style>
-  </dgm:styleLbl>
-  <dgm:styleLbl name="bgSibTrans2D1">
-    <dgm:scene3d>
-      <a:camera prst="orthographicFront"/>
-      <a:lightRig rig="threePt" dir="t"/>
-    </dgm:scene3d>
-    <dgm:sp3d/>
-    <dgm:txPr/>
-    <dgm:style>
-      <a:lnRef idx="0">
-        <a:scrgbClr r="0" g="0" b="0"/>
-      </a:lnRef>
-      <a:fillRef idx="1">
-        <a:scrgbClr r="0" g="0" b="0"/>
-      </a:fillRef>
-      <a:effectRef idx="0">
-        <a:scrgbClr r="0" g="0" b="0"/>
-      </a:effectRef>
-      <a:fontRef idx="minor">
-        <a:schemeClr val="lt1"/>
-      </a:fontRef>
-    </dgm:style>
-  </dgm:styleLbl>
-  <dgm:styleLbl name="sibTrans1D1">
-    <dgm:scene3d>
-      <a:camera prst="orthographicFront"/>
-      <a:lightRig rig="threePt" dir="t"/>
-    </dgm:scene3d>
-    <dgm:sp3d/>
-    <dgm:txPr/>
-    <dgm:style>
-      <a:lnRef idx="1">
         <a:scrgbClr r="0" g="0" b="0"/>
       </a:lnRef>
       <a:fillRef idx="0">
@@ -2110,18 +2427,17 @@
       <a:fontRef idx="minor"/>
     </dgm:style>
   </dgm:styleLbl>
-  <dgm:styleLbl name="callout">
+  <dgm:styleLbl name="parChTrans1D2">
     <dgm:scene3d>
       <a:camera prst="orthographicFront"/>
       <a:lightRig rig="threePt" dir="t"/>
     </dgm:scene3d>
-    <dgm:sp3d/>
     <dgm:txPr/>
     <dgm:style>
       <a:lnRef idx="2">
         <a:scrgbClr r="0" g="0" b="0"/>
       </a:lnRef>
-      <a:fillRef idx="1">
+      <a:fillRef idx="0">
         <a:scrgbClr r="0" g="0" b="0"/>
       </a:fillRef>
       <a:effectRef idx="0">
@@ -2130,114 +2446,42 @@
       <a:fontRef idx="minor"/>
     </dgm:style>
   </dgm:styleLbl>
-  <dgm:styleLbl name="asst0">
+  <dgm:styleLbl name="parChTrans1D3">
     <dgm:scene3d>
       <a:camera prst="orthographicFront"/>
       <a:lightRig rig="threePt" dir="t"/>
     </dgm:scene3d>
-    <dgm:sp3d/>
     <dgm:txPr/>
     <dgm:style>
       <a:lnRef idx="2">
         <a:scrgbClr r="0" g="0" b="0"/>
       </a:lnRef>
-      <a:fillRef idx="1">
+      <a:fillRef idx="0">
         <a:scrgbClr r="0" g="0" b="0"/>
       </a:fillRef>
       <a:effectRef idx="0">
         <a:scrgbClr r="0" g="0" b="0"/>
       </a:effectRef>
-      <a:fontRef idx="minor">
-        <a:schemeClr val="lt1"/>
-      </a:fontRef>
+      <a:fontRef idx="minor"/>
     </dgm:style>
   </dgm:styleLbl>
-  <dgm:styleLbl name="asst1">
+  <dgm:styleLbl name="parChTrans1D4">
     <dgm:scene3d>
       <a:camera prst="orthographicFront"/>
       <a:lightRig rig="threePt" dir="t"/>
     </dgm:scene3d>
-    <dgm:sp3d/>
     <dgm:txPr/>
     <dgm:style>
       <a:lnRef idx="2">
         <a:scrgbClr r="0" g="0" b="0"/>
       </a:lnRef>
-      <a:fillRef idx="1">
+      <a:fillRef idx="0">
         <a:scrgbClr r="0" g="0" b="0"/>
       </a:fillRef>
       <a:effectRef idx="0">
         <a:scrgbClr r="0" g="0" b="0"/>
       </a:effectRef>
-      <a:fontRef idx="minor">
-        <a:schemeClr val="lt1"/>
-      </a:fontRef>
-    </dgm:style>
-  </dgm:styleLbl>
-  <dgm:styleLbl name="asst2">
-    <dgm:scene3d>
-      <a:camera prst="orthographicFront"/>
-      <a:lightRig rig="threePt" dir="t"/>
-    </dgm:scene3d>
-    <dgm:sp3d/>
-    <dgm:txPr/>
-    <dgm:style>
-      <a:lnRef idx="2">
-        <a:scrgbClr r="0" g="0" b="0"/>
-      </a:lnRef>
-      <a:fillRef idx="1">
-        <a:scrgbClr r="0" g="0" b="0"/>
-      </a:fillRef>
-      <a:effectRef idx="0">
-        <a:scrgbClr r="0" g="0" b="0"/>
-      </a:effectRef>
-      <a:fontRef idx="minor">
-        <a:schemeClr val="lt1"/>
-      </a:fontRef>
-    </dgm:style>
-  </dgm:styleLbl>
-  <dgm:styleLbl name="asst3">
-    <dgm:scene3d>
-      <a:camera prst="orthographicFront"/>
-      <a:lightRig rig="threePt" dir="t"/>
-    </dgm:scene3d>
-    <dgm:sp3d/>
-    <dgm:txPr/>
-    <dgm:style>
-      <a:lnRef idx="2">
-        <a:scrgbClr r="0" g="0" b="0"/>
-      </a:lnRef>
-      <a:fillRef idx="1">
-        <a:scrgbClr r="0" g="0" b="0"/>
-      </a:fillRef>
-      <a:effectRef idx="0">
-        <a:scrgbClr r="0" g="0" b="0"/>
-      </a:effectRef>
-      <a:fontRef idx="minor">
-        <a:schemeClr val="lt1"/>
-      </a:fontRef>
-    </dgm:style>
-  </dgm:styleLbl>
-  <dgm:styleLbl name="asst4">
-    <dgm:scene3d>
-      <a:camera prst="orthographicFront"/>
-      <a:lightRig rig="threePt" dir="t"/>
-    </dgm:scene3d>
-    <dgm:sp3d/>
-    <dgm:txPr/>
-    <dgm:style>
-      <a:lnRef idx="2">
-        <a:scrgbClr r="0" g="0" b="0"/>
-      </a:lnRef>
-      <a:fillRef idx="1">
-        <a:scrgbClr r="0" g="0" b="0"/>
-      </a:fillRef>
-      <a:effectRef idx="0">
-        <a:scrgbClr r="0" g="0" b="0"/>
-      </a:effectRef>
-      <a:fontRef idx="minor">
-        <a:schemeClr val="lt1"/>
-      </a:fontRef>
+      <a:fontRef idx="minor"/>
     </dgm:style>
   </dgm:styleLbl>
   <dgm:styleLbl name="parChTrans2D1">
@@ -2245,7 +2489,6 @@
       <a:camera prst="orthographicFront"/>
       <a:lightRig rig="threePt" dir="t"/>
     </dgm:scene3d>
-    <dgm:sp3d/>
     <dgm:txPr/>
     <dgm:style>
       <a:lnRef idx="2">
@@ -2267,7 +2510,6 @@
       <a:camera prst="orthographicFront"/>
       <a:lightRig rig="threePt" dir="t"/>
     </dgm:scene3d>
-    <dgm:sp3d/>
     <dgm:txPr/>
     <dgm:style>
       <a:lnRef idx="2">
@@ -2289,7 +2531,6 @@
       <a:camera prst="orthographicFront"/>
       <a:lightRig rig="threePt" dir="t"/>
     </dgm:scene3d>
-    <dgm:sp3d/>
     <dgm:txPr/>
     <dgm:style>
       <a:lnRef idx="2">
@@ -2311,7 +2552,6 @@
       <a:camera prst="orthographicFront"/>
       <a:lightRig rig="threePt" dir="t"/>
     </dgm:scene3d>
-    <dgm:sp3d/>
     <dgm:txPr/>
     <dgm:style>
       <a:lnRef idx="2">
@@ -2328,15 +2568,14 @@
       </a:fontRef>
     </dgm:style>
   </dgm:styleLbl>
-  <dgm:styleLbl name="parChTrans1D1">
+  <dgm:styleLbl name="revTx">
     <dgm:scene3d>
       <a:camera prst="orthographicFront"/>
       <a:lightRig rig="threePt" dir="t"/>
     </dgm:scene3d>
-    <dgm:sp3d/>
     <dgm:txPr/>
     <dgm:style>
-      <a:lnRef idx="2">
+      <a:lnRef idx="0">
         <a:scrgbClr r="0" g="0" b="0"/>
       </a:lnRef>
       <a:fillRef idx="0">
@@ -2348,15 +2587,14 @@
       <a:fontRef idx="minor"/>
     </dgm:style>
   </dgm:styleLbl>
-  <dgm:styleLbl name="parChTrans1D2">
+  <dgm:styleLbl name="sibTrans1D1">
     <dgm:scene3d>
       <a:camera prst="orthographicFront"/>
       <a:lightRig rig="threePt" dir="t"/>
     </dgm:scene3d>
-    <dgm:sp3d/>
     <dgm:txPr/>
     <dgm:style>
-      <a:lnRef idx="2">
+      <a:lnRef idx="1">
         <a:scrgbClr r="0" g="0" b="0"/>
       </a:lnRef>
       <a:fillRef idx="0">
@@ -2368,52 +2606,32 @@
       <a:fontRef idx="minor"/>
     </dgm:style>
   </dgm:styleLbl>
-  <dgm:styleLbl name="parChTrans1D3">
+  <dgm:styleLbl name="sibTrans2D1">
     <dgm:scene3d>
       <a:camera prst="orthographicFront"/>
       <a:lightRig rig="threePt" dir="t"/>
     </dgm:scene3d>
-    <dgm:sp3d/>
     <dgm:txPr/>
     <dgm:style>
-      <a:lnRef idx="2">
+      <a:lnRef idx="0">
         <a:scrgbClr r="0" g="0" b="0"/>
       </a:lnRef>
-      <a:fillRef idx="0">
+      <a:fillRef idx="1">
         <a:scrgbClr r="0" g="0" b="0"/>
       </a:fillRef>
       <a:effectRef idx="0">
         <a:scrgbClr r="0" g="0" b="0"/>
       </a:effectRef>
-      <a:fontRef idx="minor"/>
+      <a:fontRef idx="minor">
+        <a:schemeClr val="lt1"/>
+      </a:fontRef>
     </dgm:style>
   </dgm:styleLbl>
-  <dgm:styleLbl name="parChTrans1D4">
+  <dgm:styleLbl name="solidAlignAcc1">
     <dgm:scene3d>
       <a:camera prst="orthographicFront"/>
       <a:lightRig rig="threePt" dir="t"/>
     </dgm:scene3d>
-    <dgm:sp3d/>
-    <dgm:txPr/>
-    <dgm:style>
-      <a:lnRef idx="2">
-        <a:scrgbClr r="0" g="0" b="0"/>
-      </a:lnRef>
-      <a:fillRef idx="0">
-        <a:scrgbClr r="0" g="0" b="0"/>
-      </a:fillRef>
-      <a:effectRef idx="0">
-        <a:scrgbClr r="0" g="0" b="0"/>
-      </a:effectRef>
-      <a:fontRef idx="minor"/>
-    </dgm:style>
-  </dgm:styleLbl>
-  <dgm:styleLbl name="fgAcc1">
-    <dgm:scene3d>
-      <a:camera prst="orthographicFront"/>
-      <a:lightRig rig="threePt" dir="t"/>
-    </dgm:scene3d>
-    <dgm:sp3d/>
     <dgm:txPr/>
     <dgm:style>
       <a:lnRef idx="2">
@@ -2428,12 +2646,11 @@
       <a:fontRef idx="minor"/>
     </dgm:style>
   </dgm:styleLbl>
-  <dgm:styleLbl name="conFgAcc1">
+  <dgm:styleLbl name="solidBgAcc1">
     <dgm:scene3d>
       <a:camera prst="orthographicFront"/>
       <a:lightRig rig="threePt" dir="t"/>
     </dgm:scene3d>
-    <dgm:sp3d/>
     <dgm:txPr/>
     <dgm:style>
       <a:lnRef idx="2">
@@ -2448,12 +2665,11 @@
       <a:fontRef idx="minor"/>
     </dgm:style>
   </dgm:styleLbl>
-  <dgm:styleLbl name="alignAcc1">
+  <dgm:styleLbl name="solidFgAcc1">
     <dgm:scene3d>
       <a:camera prst="orthographicFront"/>
       <a:lightRig rig="threePt" dir="t"/>
     </dgm:scene3d>
-    <dgm:sp3d/>
     <dgm:txPr/>
     <dgm:style>
       <a:lnRef idx="2">
@@ -2473,270 +2689,9 @@
       <a:camera prst="orthographicFront"/>
       <a:lightRig rig="threePt" dir="t"/>
     </dgm:scene3d>
-    <dgm:sp3d/>
     <dgm:txPr/>
     <dgm:style>
       <a:lnRef idx="1">
-        <a:scrgbClr r="0" g="0" b="0"/>
-      </a:lnRef>
-      <a:fillRef idx="1">
-        <a:scrgbClr r="0" g="0" b="0"/>
-      </a:fillRef>
-      <a:effectRef idx="0">
-        <a:scrgbClr r="0" g="0" b="0"/>
-      </a:effectRef>
-      <a:fontRef idx="minor"/>
-    </dgm:style>
-  </dgm:styleLbl>
-  <dgm:styleLbl name="bgAcc1">
-    <dgm:scene3d>
-      <a:camera prst="orthographicFront"/>
-      <a:lightRig rig="threePt" dir="t"/>
-    </dgm:scene3d>
-    <dgm:sp3d/>
-    <dgm:txPr/>
-    <dgm:style>
-      <a:lnRef idx="2">
-        <a:scrgbClr r="0" g="0" b="0"/>
-      </a:lnRef>
-      <a:fillRef idx="1">
-        <a:scrgbClr r="0" g="0" b="0"/>
-      </a:fillRef>
-      <a:effectRef idx="0">
-        <a:scrgbClr r="0" g="0" b="0"/>
-      </a:effectRef>
-      <a:fontRef idx="minor"/>
-    </dgm:style>
-  </dgm:styleLbl>
-  <dgm:styleLbl name="solidFgAcc1">
-    <dgm:scene3d>
-      <a:camera prst="orthographicFront"/>
-      <a:lightRig rig="threePt" dir="t"/>
-    </dgm:scene3d>
-    <dgm:sp3d/>
-    <dgm:txPr/>
-    <dgm:style>
-      <a:lnRef idx="2">
-        <a:scrgbClr r="0" g="0" b="0"/>
-      </a:lnRef>
-      <a:fillRef idx="1">
-        <a:scrgbClr r="0" g="0" b="0"/>
-      </a:fillRef>
-      <a:effectRef idx="0">
-        <a:scrgbClr r="0" g="0" b="0"/>
-      </a:effectRef>
-      <a:fontRef idx="minor"/>
-    </dgm:style>
-  </dgm:styleLbl>
-  <dgm:styleLbl name="solidAlignAcc1">
-    <dgm:scene3d>
-      <a:camera prst="orthographicFront"/>
-      <a:lightRig rig="threePt" dir="t"/>
-    </dgm:scene3d>
-    <dgm:sp3d/>
-    <dgm:txPr/>
-    <dgm:style>
-      <a:lnRef idx="2">
-        <a:scrgbClr r="0" g="0" b="0"/>
-      </a:lnRef>
-      <a:fillRef idx="1">
-        <a:scrgbClr r="0" g="0" b="0"/>
-      </a:fillRef>
-      <a:effectRef idx="0">
-        <a:scrgbClr r="0" g="0" b="0"/>
-      </a:effectRef>
-      <a:fontRef idx="minor"/>
-    </dgm:style>
-  </dgm:styleLbl>
-  <dgm:styleLbl name="solidBgAcc1">
-    <dgm:scene3d>
-      <a:camera prst="orthographicFront"/>
-      <a:lightRig rig="threePt" dir="t"/>
-    </dgm:scene3d>
-    <dgm:sp3d/>
-    <dgm:txPr/>
-    <dgm:style>
-      <a:lnRef idx="2">
-        <a:scrgbClr r="0" g="0" b="0"/>
-      </a:lnRef>
-      <a:fillRef idx="1">
-        <a:scrgbClr r="0" g="0" b="0"/>
-      </a:fillRef>
-      <a:effectRef idx="0">
-        <a:scrgbClr r="0" g="0" b="0"/>
-      </a:effectRef>
-      <a:fontRef idx="minor"/>
-    </dgm:style>
-  </dgm:styleLbl>
-  <dgm:styleLbl name="fgAccFollowNode1">
-    <dgm:scene3d>
-      <a:camera prst="orthographicFront"/>
-      <a:lightRig rig="threePt" dir="t"/>
-    </dgm:scene3d>
-    <dgm:sp3d/>
-    <dgm:txPr/>
-    <dgm:style>
-      <a:lnRef idx="2">
-        <a:scrgbClr r="0" g="0" b="0"/>
-      </a:lnRef>
-      <a:fillRef idx="1">
-        <a:scrgbClr r="0" g="0" b="0"/>
-      </a:fillRef>
-      <a:effectRef idx="0">
-        <a:scrgbClr r="0" g="0" b="0"/>
-      </a:effectRef>
-      <a:fontRef idx="minor"/>
-    </dgm:style>
-  </dgm:styleLbl>
-  <dgm:styleLbl name="alignAccFollowNode1">
-    <dgm:scene3d>
-      <a:camera prst="orthographicFront"/>
-      <a:lightRig rig="threePt" dir="t"/>
-    </dgm:scene3d>
-    <dgm:sp3d/>
-    <dgm:txPr/>
-    <dgm:style>
-      <a:lnRef idx="2">
-        <a:scrgbClr r="0" g="0" b="0"/>
-      </a:lnRef>
-      <a:fillRef idx="1">
-        <a:scrgbClr r="0" g="0" b="0"/>
-      </a:fillRef>
-      <a:effectRef idx="0">
-        <a:scrgbClr r="0" g="0" b="0"/>
-      </a:effectRef>
-      <a:fontRef idx="minor"/>
-    </dgm:style>
-  </dgm:styleLbl>
-  <dgm:styleLbl name="bgAccFollowNode1">
-    <dgm:scene3d>
-      <a:camera prst="orthographicFront"/>
-      <a:lightRig rig="threePt" dir="t"/>
-    </dgm:scene3d>
-    <dgm:sp3d/>
-    <dgm:txPr/>
-    <dgm:style>
-      <a:lnRef idx="2">
-        <a:scrgbClr r="0" g="0" b="0"/>
-      </a:lnRef>
-      <a:fillRef idx="1">
-        <a:scrgbClr r="0" g="0" b="0"/>
-      </a:fillRef>
-      <a:effectRef idx="0">
-        <a:scrgbClr r="0" g="0" b="0"/>
-      </a:effectRef>
-      <a:fontRef idx="minor"/>
-    </dgm:style>
-  </dgm:styleLbl>
-  <dgm:styleLbl name="fgAcc0">
-    <dgm:scene3d>
-      <a:camera prst="orthographicFront"/>
-      <a:lightRig rig="threePt" dir="t"/>
-    </dgm:scene3d>
-    <dgm:sp3d/>
-    <dgm:txPr/>
-    <dgm:style>
-      <a:lnRef idx="2">
-        <a:scrgbClr r="0" g="0" b="0"/>
-      </a:lnRef>
-      <a:fillRef idx="1">
-        <a:scrgbClr r="0" g="0" b="0"/>
-      </a:fillRef>
-      <a:effectRef idx="0">
-        <a:scrgbClr r="0" g="0" b="0"/>
-      </a:effectRef>
-      <a:fontRef idx="minor"/>
-    </dgm:style>
-  </dgm:styleLbl>
-  <dgm:styleLbl name="fgAcc2">
-    <dgm:scene3d>
-      <a:camera prst="orthographicFront"/>
-      <a:lightRig rig="threePt" dir="t"/>
-    </dgm:scene3d>
-    <dgm:sp3d/>
-    <dgm:txPr/>
-    <dgm:style>
-      <a:lnRef idx="2">
-        <a:scrgbClr r="0" g="0" b="0"/>
-      </a:lnRef>
-      <a:fillRef idx="1">
-        <a:scrgbClr r="0" g="0" b="0"/>
-      </a:fillRef>
-      <a:effectRef idx="0">
-        <a:scrgbClr r="0" g="0" b="0"/>
-      </a:effectRef>
-      <a:fontRef idx="minor"/>
-    </dgm:style>
-  </dgm:styleLbl>
-  <dgm:styleLbl name="fgAcc3">
-    <dgm:scene3d>
-      <a:camera prst="orthographicFront"/>
-      <a:lightRig rig="threePt" dir="t"/>
-    </dgm:scene3d>
-    <dgm:sp3d/>
-    <dgm:txPr/>
-    <dgm:style>
-      <a:lnRef idx="2">
-        <a:scrgbClr r="0" g="0" b="0"/>
-      </a:lnRef>
-      <a:fillRef idx="1">
-        <a:scrgbClr r="0" g="0" b="0"/>
-      </a:fillRef>
-      <a:effectRef idx="0">
-        <a:scrgbClr r="0" g="0" b="0"/>
-      </a:effectRef>
-      <a:fontRef idx="minor"/>
-    </dgm:style>
-  </dgm:styleLbl>
-  <dgm:styleLbl name="fgAcc4">
-    <dgm:scene3d>
-      <a:camera prst="orthographicFront"/>
-      <a:lightRig rig="threePt" dir="t"/>
-    </dgm:scene3d>
-    <dgm:sp3d/>
-    <dgm:txPr/>
-    <dgm:style>
-      <a:lnRef idx="2">
-        <a:scrgbClr r="0" g="0" b="0"/>
-      </a:lnRef>
-      <a:fillRef idx="1">
-        <a:scrgbClr r="0" g="0" b="0"/>
-      </a:fillRef>
-      <a:effectRef idx="0">
-        <a:scrgbClr r="0" g="0" b="0"/>
-      </a:effectRef>
-      <a:fontRef idx="minor"/>
-    </dgm:style>
-  </dgm:styleLbl>
-  <dgm:styleLbl name="bgShp">
-    <dgm:scene3d>
-      <a:camera prst="orthographicFront"/>
-      <a:lightRig rig="threePt" dir="t"/>
-    </dgm:scene3d>
-    <dgm:sp3d/>
-    <dgm:txPr/>
-    <dgm:style>
-      <a:lnRef idx="0">
-        <a:scrgbClr r="0" g="0" b="0"/>
-      </a:lnRef>
-      <a:fillRef idx="1">
-        <a:scrgbClr r="0" g="0" b="0"/>
-      </a:fillRef>
-      <a:effectRef idx="0">
-        <a:scrgbClr r="0" g="0" b="0"/>
-      </a:effectRef>
-      <a:fontRef idx="minor"/>
-    </dgm:style>
-  </dgm:styleLbl>
-  <dgm:styleLbl name="dkBgShp">
-    <dgm:scene3d>
-      <a:camera prst="orthographicFront"/>
-      <a:lightRig rig="threePt" dir="t"/>
-    </dgm:scene3d>
-    <dgm:sp3d/>
-    <dgm:txPr/>
-    <dgm:style>
-      <a:lnRef idx="0">
         <a:scrgbClr r="0" g="0" b="0"/>
       </a:lnRef>
       <a:fillRef idx="1">
@@ -2753,7 +2708,6 @@
       <a:camera prst="orthographicFront"/>
       <a:lightRig rig="threePt" dir="t"/>
     </dgm:scene3d>
-    <dgm:sp3d/>
     <dgm:txPr/>
     <dgm:style>
       <a:lnRef idx="0">
@@ -2768,12 +2722,11 @@
       <a:fontRef idx="minor"/>
     </dgm:style>
   </dgm:styleLbl>
-  <dgm:styleLbl name="fgShp">
+  <dgm:styleLbl name="vennNode1">
     <dgm:scene3d>
       <a:camera prst="orthographicFront"/>
       <a:lightRig rig="threePt" dir="t"/>
     </dgm:scene3d>
-    <dgm:sp3d/>
     <dgm:txPr/>
     <dgm:style>
       <a:lnRef idx="2">
@@ -2785,27 +2738,9 @@
       <a:effectRef idx="0">
         <a:scrgbClr r="0" g="0" b="0"/>
       </a:effectRef>
-      <a:fontRef idx="minor"/>
-    </dgm:style>
-  </dgm:styleLbl>
-  <dgm:styleLbl name="revTx">
-    <dgm:scene3d>
-      <a:camera prst="orthographicFront"/>
-      <a:lightRig rig="threePt" dir="t"/>
-    </dgm:scene3d>
-    <dgm:sp3d/>
-    <dgm:txPr/>
-    <dgm:style>
-      <a:lnRef idx="0">
-        <a:scrgbClr r="0" g="0" b="0"/>
-      </a:lnRef>
-      <a:fillRef idx="0">
-        <a:scrgbClr r="0" g="0" b="0"/>
-      </a:fillRef>
-      <a:effectRef idx="0">
-        <a:scrgbClr r="0" g="0" b="0"/>
-      </a:effectRef>
-      <a:fontRef idx="minor"/>
+      <a:fontRef idx="minor">
+        <a:schemeClr val="tx1"/>
+      </a:fontRef>
     </dgm:style>
   </dgm:styleLbl>
 </dgm:styleDef>
@@ -2893,7 +2828,6 @@
           <a:p>
             <a:fld id="{0F9B84EA-7D68-4D60-9CB1-D50884785D1C}" type="datetimeFigureOut">
               <a:rPr lang="zh-CN" altLang="en-US" smtClean="0"/>
-              <a:t>2023/10/28</a:t>
             </a:fld>
             <a:endParaRPr lang="zh-CN" altLang="en-US"/>
           </a:p>
@@ -2959,18 +2893,12 @@
           <a:p>
             <a:fld id="{8D4E0FC9-F1F8-4FAE-9988-3BA365CFD46F}" type="slidenum">
               <a:rPr lang="zh-CN" altLang="en-US" smtClean="0"/>
-              <a:t>‹#›</a:t>
             </a:fld>
             <a:endParaRPr lang="zh-CN" altLang="en-US"/>
           </a:p>
         </p:txBody>
       </p:sp>
     </p:spTree>
-    <p:extLst>
-      <p:ext uri="{BB962C8B-B14F-4D97-AF65-F5344CB8AC3E}">
-        <p14:creationId xmlns:p14="http://schemas.microsoft.com/office/powerpoint/2010/main" val="1"/>
-      </p:ext>
-    </p:extLst>
   </p:cSld>
   <p:clrMap bg1="lt1" tx1="dk1" bg2="lt2" tx2="dk2" accent1="accent1" accent2="accent2" accent3="accent3" accent4="accent4" accent5="accent5" accent6="accent6" hlink="hlink" folHlink="folHlink"/>
 </p:handoutMaster>
@@ -3058,7 +2986,6 @@
           <a:p>
             <a:fld id="{D6C8D182-E4C8-4120-9249-FC9774456FFA}" type="datetimeFigureOut">
               <a:rPr lang="zh-CN" altLang="en-US" smtClean="0"/>
-              <a:t>2023/10/28</a:t>
             </a:fld>
             <a:endParaRPr lang="zh-CN" altLang="en-US"/>
           </a:p>
@@ -3125,6 +3052,7 @@
               <a:rPr lang="zh-CN" altLang="en-US"/>
               <a:t>编辑母版文本样式</a:t>
             </a:r>
+            <a:endParaRPr lang="zh-CN" altLang="en-US"/>
           </a:p>
           <a:p>
             <a:pPr lvl="1"/>
@@ -3132,6 +3060,7 @@
               <a:rPr lang="zh-CN" altLang="en-US"/>
               <a:t>第二级</a:t>
             </a:r>
+            <a:endParaRPr lang="zh-CN" altLang="en-US"/>
           </a:p>
           <a:p>
             <a:pPr lvl="2"/>
@@ -3139,6 +3068,7 @@
               <a:rPr lang="zh-CN" altLang="en-US"/>
               <a:t>第三级</a:t>
             </a:r>
+            <a:endParaRPr lang="zh-CN" altLang="en-US"/>
           </a:p>
           <a:p>
             <a:pPr lvl="3"/>
@@ -3146,6 +3076,7 @@
               <a:rPr lang="zh-CN" altLang="en-US"/>
               <a:t>第四级</a:t>
             </a:r>
+            <a:endParaRPr lang="zh-CN" altLang="en-US"/>
           </a:p>
           <a:p>
             <a:pPr lvl="4"/>
@@ -3153,6 +3084,7 @@
               <a:rPr lang="zh-CN" altLang="en-US"/>
               <a:t>第五级</a:t>
             </a:r>
+            <a:endParaRPr lang="zh-CN" altLang="en-US"/>
           </a:p>
         </p:txBody>
       </p:sp>
@@ -3216,7 +3148,6 @@
           <a:p>
             <a:fld id="{85D0DACE-38E0-42D2-9336-2B707D34BC6D}" type="slidenum">
               <a:rPr lang="zh-CN" altLang="en-US" smtClean="0"/>
-              <a:t>‹#›</a:t>
             </a:fld>
             <a:endParaRPr lang="zh-CN" altLang="en-US"/>
           </a:p>
@@ -3425,11 +3356,6 @@
         </p:txBody>
       </p:sp>
     </p:spTree>
-    <p:extLst>
-      <p:ext uri="{BB962C8B-B14F-4D97-AF65-F5344CB8AC3E}">
-        <p14:creationId xmlns:p14="http://schemas.microsoft.com/office/powerpoint/2010/main" val="1470030978"/>
-      </p:ext>
-    </p:extLst>
   </p:cSld>
   <p:clrMapOvr>
     <a:masterClrMapping/>
@@ -3486,11 +3412,6 @@
         </p:txBody>
       </p:sp>
     </p:spTree>
-    <p:extLst>
-      <p:ext uri="{BB962C8B-B14F-4D97-AF65-F5344CB8AC3E}">
-        <p14:creationId xmlns:p14="http://schemas.microsoft.com/office/powerpoint/2010/main" val="3700002322"/>
-      </p:ext>
-    </p:extLst>
   </p:cSld>
   <p:clrMapOvr>
     <a:masterClrMapping/>
@@ -3547,11 +3468,6 @@
         </p:txBody>
       </p:sp>
     </p:spTree>
-    <p:extLst>
-      <p:ext uri="{BB962C8B-B14F-4D97-AF65-F5344CB8AC3E}">
-        <p14:creationId xmlns:p14="http://schemas.microsoft.com/office/powerpoint/2010/main" val="4269975498"/>
-      </p:ext>
-    </p:extLst>
   </p:cSld>
   <p:clrMapOvr>
     <a:masterClrMapping/>
@@ -3608,11 +3524,6 @@
         </p:txBody>
       </p:sp>
     </p:spTree>
-    <p:extLst>
-      <p:ext uri="{BB962C8B-B14F-4D97-AF65-F5344CB8AC3E}">
-        <p14:creationId xmlns:p14="http://schemas.microsoft.com/office/powerpoint/2010/main" val="1052645102"/>
-      </p:ext>
-    </p:extLst>
   </p:cSld>
   <p:clrMapOvr>
     <a:masterClrMapping/>
@@ -3669,11 +3580,6 @@
         </p:txBody>
       </p:sp>
     </p:spTree>
-    <p:extLst>
-      <p:ext uri="{BB962C8B-B14F-4D97-AF65-F5344CB8AC3E}">
-        <p14:creationId xmlns:p14="http://schemas.microsoft.com/office/powerpoint/2010/main" val="1045973199"/>
-      </p:ext>
-    </p:extLst>
   </p:cSld>
   <p:clrMapOvr>
     <a:masterClrMapping/>
@@ -3726,6 +3632,7 @@
               <a:rPr lang="en-US"/>
               <a:t>Click to edit Master title style</a:t>
             </a:r>
+            <a:endParaRPr lang="en-US"/>
           </a:p>
         </p:txBody>
       </p:sp>
@@ -3790,6 +3697,7 @@
               <a:rPr lang="en-US"/>
               <a:t>Click to edit Master subtitle style</a:t>
             </a:r>
+            <a:endParaRPr lang="en-US"/>
           </a:p>
         </p:txBody>
       </p:sp>
@@ -3810,7 +3718,6 @@
           <a:p>
             <a:fld id="{760FBDFE-C587-4B4C-A407-44438C67B59E}" type="datetimeFigureOut">
               <a:rPr lang="zh-CN" altLang="en-US" smtClean="0"/>
-              <a:t>2023/10/28</a:t>
             </a:fld>
             <a:endParaRPr lang="zh-CN" altLang="en-US"/>
           </a:p>
@@ -3852,7 +3759,6 @@
           <a:p>
             <a:fld id="{49AE70B2-8BF9-45C0-BB95-33D1B9D3A854}" type="slidenum">
               <a:rPr lang="zh-CN" altLang="en-US" smtClean="0"/>
-              <a:t>‹#›</a:t>
             </a:fld>
             <a:endParaRPr lang="zh-CN" altLang="en-US"/>
           </a:p>
@@ -3903,6 +3809,7 @@
               <a:rPr lang="en-US"/>
               <a:t>Click to edit Master title style</a:t>
             </a:r>
+            <a:endParaRPr lang="en-US"/>
           </a:p>
         </p:txBody>
       </p:sp>
@@ -3926,6 +3833,7 @@
               <a:rPr lang="en-US"/>
               <a:t>Click to edit Master text styles</a:t>
             </a:r>
+            <a:endParaRPr lang="en-US"/>
           </a:p>
           <a:p>
             <a:pPr lvl="1"/>
@@ -3933,6 +3841,7 @@
               <a:rPr lang="en-US"/>
               <a:t>Second level</a:t>
             </a:r>
+            <a:endParaRPr lang="en-US"/>
           </a:p>
           <a:p>
             <a:pPr lvl="2"/>
@@ -3940,6 +3849,7 @@
               <a:rPr lang="en-US"/>
               <a:t>Third level</a:t>
             </a:r>
+            <a:endParaRPr lang="en-US"/>
           </a:p>
           <a:p>
             <a:pPr lvl="3"/>
@@ -3947,6 +3857,7 @@
               <a:rPr lang="en-US"/>
               <a:t>Fourth level</a:t>
             </a:r>
+            <a:endParaRPr lang="en-US"/>
           </a:p>
           <a:p>
             <a:pPr lvl="4"/>
@@ -3954,6 +3865,7 @@
               <a:rPr lang="en-US"/>
               <a:t>Fifth level</a:t>
             </a:r>
+            <a:endParaRPr lang="en-US"/>
           </a:p>
         </p:txBody>
       </p:sp>
@@ -4099,7 +4011,6 @@
                 <a:ea typeface="SimSun" pitchFamily="2" charset="-122"/>
                 <a:cs typeface="+mn-cs"/>
               </a:rPr>
-              <a:t>‹#›</a:t>
             </a:fld>
             <a:endParaRPr kumimoji="0" lang="en-US" altLang="zh-CN" sz="1400" b="0" i="0" u="none" strike="noStrike" kern="1200" cap="none" spc="0" normalizeH="0" baseline="0" noProof="0">
               <a:ln>
@@ -4168,6 +4079,7 @@
               <a:rPr lang="en-US"/>
               <a:t>Click to edit Master title style</a:t>
             </a:r>
+            <a:endParaRPr lang="en-US"/>
           </a:p>
         </p:txBody>
       </p:sp>
@@ -4196,6 +4108,7 @@
               <a:rPr lang="en-US"/>
               <a:t>Click to edit Master text styles</a:t>
             </a:r>
+            <a:endParaRPr lang="en-US"/>
           </a:p>
           <a:p>
             <a:pPr lvl="1"/>
@@ -4203,6 +4116,7 @@
               <a:rPr lang="en-US"/>
               <a:t>Second level</a:t>
             </a:r>
+            <a:endParaRPr lang="en-US"/>
           </a:p>
           <a:p>
             <a:pPr lvl="2"/>
@@ -4210,6 +4124,7 @@
               <a:rPr lang="en-US"/>
               <a:t>Third level</a:t>
             </a:r>
+            <a:endParaRPr lang="en-US"/>
           </a:p>
           <a:p>
             <a:pPr lvl="3"/>
@@ -4217,6 +4132,7 @@
               <a:rPr lang="en-US"/>
               <a:t>Fourth level</a:t>
             </a:r>
+            <a:endParaRPr lang="en-US"/>
           </a:p>
           <a:p>
             <a:pPr lvl="4"/>
@@ -4224,6 +4140,7 @@
               <a:rPr lang="en-US"/>
               <a:t>Fifth level</a:t>
             </a:r>
+            <a:endParaRPr lang="en-US"/>
           </a:p>
         </p:txBody>
       </p:sp>
@@ -4244,7 +4161,6 @@
           <a:p>
             <a:fld id="{760FBDFE-C587-4B4C-A407-44438C67B59E}" type="datetimeFigureOut">
               <a:rPr lang="zh-CN" altLang="en-US" smtClean="0"/>
-              <a:t>2023/10/28</a:t>
             </a:fld>
             <a:endParaRPr lang="zh-CN" altLang="en-US"/>
           </a:p>
@@ -4286,7 +4202,6 @@
           <a:p>
             <a:fld id="{49AE70B2-8BF9-45C0-BB95-33D1B9D3A854}" type="slidenum">
               <a:rPr lang="zh-CN" altLang="en-US" smtClean="0"/>
-              <a:t>‹#›</a:t>
             </a:fld>
             <a:endParaRPr lang="zh-CN" altLang="en-US"/>
           </a:p>
@@ -4337,6 +4252,7 @@
               <a:rPr lang="en-US"/>
               <a:t>Click to edit Master title style</a:t>
             </a:r>
+            <a:endParaRPr lang="en-US"/>
           </a:p>
         </p:txBody>
       </p:sp>
@@ -4360,6 +4276,7 @@
               <a:rPr lang="en-US"/>
               <a:t>Click to edit Master text styles</a:t>
             </a:r>
+            <a:endParaRPr lang="en-US"/>
           </a:p>
           <a:p>
             <a:pPr lvl="1"/>
@@ -4367,6 +4284,7 @@
               <a:rPr lang="en-US"/>
               <a:t>Second level</a:t>
             </a:r>
+            <a:endParaRPr lang="en-US"/>
           </a:p>
           <a:p>
             <a:pPr lvl="2"/>
@@ -4374,6 +4292,7 @@
               <a:rPr lang="en-US"/>
               <a:t>Third level</a:t>
             </a:r>
+            <a:endParaRPr lang="en-US"/>
           </a:p>
           <a:p>
             <a:pPr lvl="3"/>
@@ -4381,6 +4300,7 @@
               <a:rPr lang="en-US"/>
               <a:t>Fourth level</a:t>
             </a:r>
+            <a:endParaRPr lang="en-US"/>
           </a:p>
           <a:p>
             <a:pPr lvl="4"/>
@@ -4388,6 +4308,7 @@
               <a:rPr lang="en-US"/>
               <a:t>Fifth level</a:t>
             </a:r>
+            <a:endParaRPr lang="en-US"/>
           </a:p>
         </p:txBody>
       </p:sp>
@@ -4408,7 +4329,6 @@
           <a:p>
             <a:fld id="{760FBDFE-C587-4B4C-A407-44438C67B59E}" type="datetimeFigureOut">
               <a:rPr lang="zh-CN" altLang="en-US" smtClean="0"/>
-              <a:t>2023/10/28</a:t>
             </a:fld>
             <a:endParaRPr lang="zh-CN" altLang="en-US"/>
           </a:p>
@@ -4450,7 +4370,6 @@
           <a:p>
             <a:fld id="{49AE70B2-8BF9-45C0-BB95-33D1B9D3A854}" type="slidenum">
               <a:rPr lang="zh-CN" altLang="en-US" smtClean="0"/>
-              <a:t>‹#›</a:t>
             </a:fld>
             <a:endParaRPr lang="zh-CN" altLang="en-US"/>
           </a:p>
@@ -4510,6 +4429,7 @@
               <a:rPr lang="en-US"/>
               <a:t>Click to edit Master title style</a:t>
             </a:r>
+            <a:endParaRPr lang="en-US"/>
           </a:p>
         </p:txBody>
       </p:sp>
@@ -4629,6 +4549,7 @@
               <a:rPr lang="en-US"/>
               <a:t>Click to edit Master text styles</a:t>
             </a:r>
+            <a:endParaRPr lang="en-US"/>
           </a:p>
         </p:txBody>
       </p:sp>
@@ -4649,7 +4570,6 @@
           <a:p>
             <a:fld id="{760FBDFE-C587-4B4C-A407-44438C67B59E}" type="datetimeFigureOut">
               <a:rPr lang="zh-CN" altLang="en-US" smtClean="0"/>
-              <a:t>2023/10/28</a:t>
             </a:fld>
             <a:endParaRPr lang="zh-CN" altLang="en-US"/>
           </a:p>
@@ -4691,7 +4611,6 @@
           <a:p>
             <a:fld id="{49AE70B2-8BF9-45C0-BB95-33D1B9D3A854}" type="slidenum">
               <a:rPr lang="zh-CN" altLang="en-US" smtClean="0"/>
-              <a:t>‹#›</a:t>
             </a:fld>
             <a:endParaRPr lang="zh-CN" altLang="en-US"/>
           </a:p>
@@ -4742,6 +4661,7 @@
               <a:rPr lang="en-US"/>
               <a:t>Click to edit Master title style</a:t>
             </a:r>
+            <a:endParaRPr lang="en-US"/>
           </a:p>
         </p:txBody>
       </p:sp>
@@ -4770,6 +4690,7 @@
               <a:rPr lang="en-US"/>
               <a:t>Click to edit Master text styles</a:t>
             </a:r>
+            <a:endParaRPr lang="en-US"/>
           </a:p>
           <a:p>
             <a:pPr lvl="1"/>
@@ -4777,6 +4698,7 @@
               <a:rPr lang="en-US"/>
               <a:t>Second level</a:t>
             </a:r>
+            <a:endParaRPr lang="en-US"/>
           </a:p>
           <a:p>
             <a:pPr lvl="2"/>
@@ -4784,6 +4706,7 @@
               <a:rPr lang="en-US"/>
               <a:t>Third level</a:t>
             </a:r>
+            <a:endParaRPr lang="en-US"/>
           </a:p>
           <a:p>
             <a:pPr lvl="3"/>
@@ -4791,6 +4714,7 @@
               <a:rPr lang="en-US"/>
               <a:t>Fourth level</a:t>
             </a:r>
+            <a:endParaRPr lang="en-US"/>
           </a:p>
           <a:p>
             <a:pPr lvl="4"/>
@@ -4798,6 +4722,7 @@
               <a:rPr lang="en-US"/>
               <a:t>Fifth level</a:t>
             </a:r>
+            <a:endParaRPr lang="en-US"/>
           </a:p>
         </p:txBody>
       </p:sp>
@@ -4826,6 +4751,7 @@
               <a:rPr lang="en-US"/>
               <a:t>Click to edit Master text styles</a:t>
             </a:r>
+            <a:endParaRPr lang="en-US"/>
           </a:p>
           <a:p>
             <a:pPr lvl="1"/>
@@ -4833,6 +4759,7 @@
               <a:rPr lang="en-US"/>
               <a:t>Second level</a:t>
             </a:r>
+            <a:endParaRPr lang="en-US"/>
           </a:p>
           <a:p>
             <a:pPr lvl="2"/>
@@ -4840,6 +4767,7 @@
               <a:rPr lang="en-US"/>
               <a:t>Third level</a:t>
             </a:r>
+            <a:endParaRPr lang="en-US"/>
           </a:p>
           <a:p>
             <a:pPr lvl="3"/>
@@ -4847,6 +4775,7 @@
               <a:rPr lang="en-US"/>
               <a:t>Fourth level</a:t>
             </a:r>
+            <a:endParaRPr lang="en-US"/>
           </a:p>
           <a:p>
             <a:pPr lvl="4"/>
@@ -4854,6 +4783,7 @@
               <a:rPr lang="en-US"/>
               <a:t>Fifth level</a:t>
             </a:r>
+            <a:endParaRPr lang="en-US"/>
           </a:p>
         </p:txBody>
       </p:sp>
@@ -4874,7 +4804,6 @@
           <a:p>
             <a:fld id="{760FBDFE-C587-4B4C-A407-44438C67B59E}" type="datetimeFigureOut">
               <a:rPr lang="zh-CN" altLang="en-US" smtClean="0"/>
-              <a:t>2023/10/28</a:t>
             </a:fld>
             <a:endParaRPr lang="zh-CN" altLang="en-US"/>
           </a:p>
@@ -4916,7 +4845,6 @@
           <a:p>
             <a:fld id="{49AE70B2-8BF9-45C0-BB95-33D1B9D3A854}" type="slidenum">
               <a:rPr lang="zh-CN" altLang="en-US" smtClean="0"/>
-              <a:t>‹#›</a:t>
             </a:fld>
             <a:endParaRPr lang="zh-CN" altLang="en-US"/>
           </a:p>
@@ -4972,6 +4900,7 @@
               <a:rPr lang="en-US"/>
               <a:t>Click to edit Master title style</a:t>
             </a:r>
+            <a:endParaRPr lang="en-US"/>
           </a:p>
         </p:txBody>
       </p:sp>
@@ -5037,6 +4966,7 @@
               <a:rPr lang="en-US"/>
               <a:t>Click to edit Master text styles</a:t>
             </a:r>
+            <a:endParaRPr lang="en-US"/>
           </a:p>
         </p:txBody>
       </p:sp>
@@ -5065,6 +4995,7 @@
               <a:rPr lang="en-US"/>
               <a:t>Click to edit Master text styles</a:t>
             </a:r>
+            <a:endParaRPr lang="en-US"/>
           </a:p>
           <a:p>
             <a:pPr lvl="1"/>
@@ -5072,6 +5003,7 @@
               <a:rPr lang="en-US"/>
               <a:t>Second level</a:t>
             </a:r>
+            <a:endParaRPr lang="en-US"/>
           </a:p>
           <a:p>
             <a:pPr lvl="2"/>
@@ -5079,6 +5011,7 @@
               <a:rPr lang="en-US"/>
               <a:t>Third level</a:t>
             </a:r>
+            <a:endParaRPr lang="en-US"/>
           </a:p>
           <a:p>
             <a:pPr lvl="3"/>
@@ -5086,6 +5019,7 @@
               <a:rPr lang="en-US"/>
               <a:t>Fourth level</a:t>
             </a:r>
+            <a:endParaRPr lang="en-US"/>
           </a:p>
           <a:p>
             <a:pPr lvl="4"/>
@@ -5093,6 +5027,7 @@
               <a:rPr lang="en-US"/>
               <a:t>Fifth level</a:t>
             </a:r>
+            <a:endParaRPr lang="en-US"/>
           </a:p>
         </p:txBody>
       </p:sp>
@@ -5158,6 +5093,7 @@
               <a:rPr lang="en-US"/>
               <a:t>Click to edit Master text styles</a:t>
             </a:r>
+            <a:endParaRPr lang="en-US"/>
           </a:p>
         </p:txBody>
       </p:sp>
@@ -5186,6 +5122,7 @@
               <a:rPr lang="en-US"/>
               <a:t>Click to edit Master text styles</a:t>
             </a:r>
+            <a:endParaRPr lang="en-US"/>
           </a:p>
           <a:p>
             <a:pPr lvl="1"/>
@@ -5193,6 +5130,7 @@
               <a:rPr lang="en-US"/>
               <a:t>Second level</a:t>
             </a:r>
+            <a:endParaRPr lang="en-US"/>
           </a:p>
           <a:p>
             <a:pPr lvl="2"/>
@@ -5200,6 +5138,7 @@
               <a:rPr lang="en-US"/>
               <a:t>Third level</a:t>
             </a:r>
+            <a:endParaRPr lang="en-US"/>
           </a:p>
           <a:p>
             <a:pPr lvl="3"/>
@@ -5207,6 +5146,7 @@
               <a:rPr lang="en-US"/>
               <a:t>Fourth level</a:t>
             </a:r>
+            <a:endParaRPr lang="en-US"/>
           </a:p>
           <a:p>
             <a:pPr lvl="4"/>
@@ -5214,6 +5154,7 @@
               <a:rPr lang="en-US"/>
               <a:t>Fifth level</a:t>
             </a:r>
+            <a:endParaRPr lang="en-US"/>
           </a:p>
         </p:txBody>
       </p:sp>
@@ -5234,7 +5175,6 @@
           <a:p>
             <a:fld id="{760FBDFE-C587-4B4C-A407-44438C67B59E}" type="datetimeFigureOut">
               <a:rPr lang="zh-CN" altLang="en-US" smtClean="0"/>
-              <a:t>2023/10/28</a:t>
             </a:fld>
             <a:endParaRPr lang="zh-CN" altLang="en-US"/>
           </a:p>
@@ -5276,7 +5216,6 @@
           <a:p>
             <a:fld id="{49AE70B2-8BF9-45C0-BB95-33D1B9D3A854}" type="slidenum">
               <a:rPr lang="zh-CN" altLang="en-US" smtClean="0"/>
-              <a:t>‹#›</a:t>
             </a:fld>
             <a:endParaRPr lang="zh-CN" altLang="en-US"/>
           </a:p>
@@ -5327,6 +5266,7 @@
               <a:rPr lang="en-US"/>
               <a:t>Click to edit Master title style</a:t>
             </a:r>
+            <a:endParaRPr lang="en-US"/>
           </a:p>
         </p:txBody>
       </p:sp>
@@ -5347,7 +5287,6 @@
           <a:p>
             <a:fld id="{760FBDFE-C587-4B4C-A407-44438C67B59E}" type="datetimeFigureOut">
               <a:rPr lang="zh-CN" altLang="en-US" smtClean="0"/>
-              <a:t>2023/10/28</a:t>
             </a:fld>
             <a:endParaRPr lang="zh-CN" altLang="en-US"/>
           </a:p>
@@ -5389,7 +5328,6 @@
           <a:p>
             <a:fld id="{49AE70B2-8BF9-45C0-BB95-33D1B9D3A854}" type="slidenum">
               <a:rPr lang="zh-CN" altLang="en-US" smtClean="0"/>
-              <a:t>‹#›</a:t>
             </a:fld>
             <a:endParaRPr lang="zh-CN" altLang="en-US"/>
           </a:p>
@@ -5438,7 +5376,6 @@
           <a:p>
             <a:fld id="{760FBDFE-C587-4B4C-A407-44438C67B59E}" type="datetimeFigureOut">
               <a:rPr lang="zh-CN" altLang="en-US" smtClean="0"/>
-              <a:t>2023/10/28</a:t>
             </a:fld>
             <a:endParaRPr lang="zh-CN" altLang="en-US"/>
           </a:p>
@@ -5480,7 +5417,6 @@
           <a:p>
             <a:fld id="{49AE70B2-8BF9-45C0-BB95-33D1B9D3A854}" type="slidenum">
               <a:rPr lang="zh-CN" altLang="en-US" smtClean="0"/>
-              <a:t>‹#›</a:t>
             </a:fld>
             <a:endParaRPr lang="zh-CN" altLang="en-US"/>
           </a:p>
@@ -5540,6 +5476,7 @@
               <a:rPr lang="en-US"/>
               <a:t>Click to edit Master title style</a:t>
             </a:r>
+            <a:endParaRPr lang="en-US"/>
           </a:p>
         </p:txBody>
       </p:sp>
@@ -5596,6 +5533,7 @@
               <a:rPr lang="en-US"/>
               <a:t>Click to edit Master text styles</a:t>
             </a:r>
+            <a:endParaRPr lang="en-US"/>
           </a:p>
           <a:p>
             <a:pPr lvl="1"/>
@@ -5603,6 +5541,7 @@
               <a:rPr lang="en-US"/>
               <a:t>Second level</a:t>
             </a:r>
+            <a:endParaRPr lang="en-US"/>
           </a:p>
           <a:p>
             <a:pPr lvl="2"/>
@@ -5610,6 +5549,7 @@
               <a:rPr lang="en-US"/>
               <a:t>Third level</a:t>
             </a:r>
+            <a:endParaRPr lang="en-US"/>
           </a:p>
           <a:p>
             <a:pPr lvl="3"/>
@@ -5617,6 +5557,7 @@
               <a:rPr lang="en-US"/>
               <a:t>Fourth level</a:t>
             </a:r>
+            <a:endParaRPr lang="en-US"/>
           </a:p>
           <a:p>
             <a:pPr lvl="4"/>
@@ -5624,6 +5565,7 @@
               <a:rPr lang="en-US"/>
               <a:t>Fifth level</a:t>
             </a:r>
+            <a:endParaRPr lang="en-US"/>
           </a:p>
         </p:txBody>
       </p:sp>
@@ -5689,6 +5631,7 @@
               <a:rPr lang="en-US"/>
               <a:t>Click to edit Master text styles</a:t>
             </a:r>
+            <a:endParaRPr lang="en-US"/>
           </a:p>
         </p:txBody>
       </p:sp>
@@ -5834,7 +5777,6 @@
                 <a:ea typeface="SimSun" pitchFamily="2" charset="-122"/>
                 <a:cs typeface="+mn-cs"/>
               </a:rPr>
-              <a:t>‹#›</a:t>
             </a:fld>
             <a:endParaRPr kumimoji="0" lang="en-US" altLang="zh-CN" sz="1400" b="0" i="0" u="none" strike="noStrike" kern="1200" cap="none" spc="0" normalizeH="0" baseline="0" noProof="0">
               <a:ln>
@@ -5907,6 +5849,7 @@
               <a:rPr lang="en-US"/>
               <a:t>Click to edit Master title style</a:t>
             </a:r>
+            <a:endParaRPr lang="en-US"/>
           </a:p>
         </p:txBody>
       </p:sp>
@@ -6033,6 +5976,7 @@
               <a:rPr lang="en-US"/>
               <a:t>Click to edit Master text styles</a:t>
             </a:r>
+            <a:endParaRPr lang="en-US"/>
           </a:p>
         </p:txBody>
       </p:sp>
@@ -6053,7 +5997,6 @@
           <a:p>
             <a:fld id="{9EFD9D74-47D9-4702-A33C-335B63B48DBF}" type="datetimeFigureOut">
               <a:rPr lang="zh-CN" altLang="en-US" smtClean="0"/>
-              <a:t>2023/10/28</a:t>
             </a:fld>
             <a:endParaRPr lang="zh-CN" altLang="en-US" dirty="0"/>
           </a:p>
@@ -6095,7 +6038,6 @@
           <a:p>
             <a:fld id="{FABC47A4-756D-490B-A52F-7D9E2C9FC05F}" type="slidenum">
               <a:rPr lang="zh-CN" altLang="en-US" smtClean="0"/>
-              <a:t>‹#›</a:t>
             </a:fld>
             <a:endParaRPr lang="zh-CN" altLang="en-US"/>
           </a:p>
@@ -6292,7 +6234,6 @@
           <a:p>
             <a:fld id="{760FBDFE-C587-4B4C-A407-44438C67B59E}" type="datetimeFigureOut">
               <a:rPr lang="zh-CN" altLang="en-US" smtClean="0"/>
-              <a:t>2023/10/28</a:t>
             </a:fld>
             <a:endParaRPr lang="zh-CN" altLang="en-US"/>
           </a:p>
@@ -6366,7 +6307,6 @@
           <a:p>
             <a:fld id="{49AE70B2-8BF9-45C0-BB95-33D1B9D3A854}" type="slidenum">
               <a:rPr lang="zh-CN" altLang="en-US" smtClean="0"/>
-              <a:t>‹#›</a:t>
             </a:fld>
             <a:endParaRPr lang="zh-CN" altLang="en-US"/>
           </a:p>
@@ -6833,6 +6773,10 @@
               </a:rPr>
               <a:t>Data Science Committee</a:t>
             </a:r>
+            <a:endParaRPr lang="en-US" altLang="ug-CN">
+              <a:latin typeface="Ubuntu" panose="020B0504030602030204" charset="0"/>
+              <a:cs typeface="Ubuntu" panose="020B0504030602030204" charset="0"/>
+            </a:endParaRPr>
           </a:p>
         </p:txBody>
       </p:sp>
@@ -6883,7 +6827,7 @@
           <p:nvPr/>
         </p:nvPicPr>
         <p:blipFill>
-          <a:blip r:embed="rId2"/>
+          <a:blip r:embed="rId1"/>
           <a:stretch>
             <a:fillRect/>
           </a:stretch>
@@ -7112,6 +7056,10 @@
               </a:rPr>
               <a:t>Prepared by: Ashraf Abdulkhaliq	</a:t>
             </a:r>
+            <a:endParaRPr lang="en-US" altLang="zh-CN">
+              <a:latin typeface="Ubuntu" panose="020B0504030602030204" charset="0"/>
+              <a:cs typeface="Ubuntu" panose="020B0504030602030204" charset="0"/>
+            </a:endParaRPr>
           </a:p>
         </p:txBody>
       </p:sp>
@@ -7142,20 +7090,14 @@
       </p:grpSpPr>
       <p:pic>
         <p:nvPicPr>
-          <p:cNvPr id="3" name="Picture 2" descr="A screenshot of a diagram&#10;&#10;Description automatically generated">
-            <a:extLst>
-              <a:ext uri="{FF2B5EF4-FFF2-40B4-BE49-F238E27FC236}">
-                <a16:creationId xmlns:a16="http://schemas.microsoft.com/office/drawing/2014/main" id="{9AA1BB7F-8F38-6C7F-87FD-7B9A3F5BFB8E}"/>
-              </a:ext>
-            </a:extLst>
-          </p:cNvPr>
+          <p:cNvPr id="3" name="Picture 2" descr="A screenshot of a diagram&#10;&#10;Description automatically generated"/>
           <p:cNvPicPr>
             <a:picLocks noChangeAspect="1"/>
           </p:cNvPicPr>
           <p:nvPr/>
         </p:nvPicPr>
         <p:blipFill>
-          <a:blip r:embed="rId2">
+          <a:blip r:embed="rId1">
             <a:extLst>
               <a:ext uri="{28A0092B-C50C-407E-A947-70E740481C1C}">
                 <a14:useLocalDpi xmlns:a14="http://schemas.microsoft.com/office/drawing/2010/main" val="0"/>
@@ -7177,17 +7119,12 @@
         </p:spPr>
       </p:pic>
     </p:spTree>
-    <p:extLst>
-      <p:ext uri="{BB962C8B-B14F-4D97-AF65-F5344CB8AC3E}">
-        <p14:creationId xmlns:p14="http://schemas.microsoft.com/office/powerpoint/2010/main" val="2538143548"/>
-      </p:ext>
-    </p:extLst>
   </p:cSld>
   <p:clrMapOvr>
     <a:masterClrMapping/>
   </p:clrMapOvr>
-  <mc:AlternateContent xmlns:mc="http://schemas.openxmlformats.org/markup-compatibility/2006">
-    <mc:Choice xmlns:p159="http://schemas.microsoft.com/office/powerpoint/2015/09/main" Requires="p159">
+  <mc:AlternateContent xmlns:mc="http://schemas.openxmlformats.org/markup-compatibility/2006" xmlns:p159="http://schemas.microsoft.com/office/powerpoint/2015/09/main">
+    <mc:Choice Requires="p159">
       <p:transition xmlns:p14="http://schemas.microsoft.com/office/powerpoint/2010/main" spd="slow" p14:dur="2000">
         <p159:morph option="byObject"/>
       </p:transition>
@@ -7255,18 +7192,16 @@
               </a:rPr>
               <a:t>)</a:t>
             </a:r>
+            <a:endParaRPr lang="en-US" dirty="0">
+              <a:latin typeface="Ubuntu" panose="020B0504030602030204" charset="0"/>
+              <a:cs typeface="Ubuntu" panose="020B0504030602030204" charset="0"/>
+            </a:endParaRPr>
           </a:p>
         </p:txBody>
       </p:sp>
       <p:sp>
         <p:nvSpPr>
-          <p:cNvPr id="4" name="Text Placeholder 3">
-            <a:extLst>
-              <a:ext uri="{FF2B5EF4-FFF2-40B4-BE49-F238E27FC236}">
-                <a16:creationId xmlns:a16="http://schemas.microsoft.com/office/drawing/2014/main" id="{3FFC16E5-B9D0-8A1C-16E5-936495183247}"/>
-              </a:ext>
-            </a:extLst>
-          </p:cNvPr>
+          <p:cNvPr id="4" name="Text Placeholder 3"/>
           <p:cNvSpPr>
             <a:spLocks noGrp="1"/>
           </p:cNvSpPr>
@@ -7286,22 +7221,19 @@
           <a:p>
             <a:r>
               <a:rPr lang="en-US" sz="2400" dirty="0">
-                <a:latin typeface="Ubuntu" panose="020B0504030602030204" pitchFamily="34" charset="0"/>
+                <a:latin typeface="Ubuntu" panose="020B0504030602030204" charset="0"/>
               </a:rPr>
               <a:t>Qualitative Data</a:t>
             </a:r>
+            <a:endParaRPr lang="en-US" sz="2400" dirty="0">
+              <a:latin typeface="Ubuntu" panose="020B0504030602030204" charset="0"/>
+            </a:endParaRPr>
           </a:p>
         </p:txBody>
       </p:sp>
       <p:sp>
         <p:nvSpPr>
-          <p:cNvPr id="5" name="Content Placeholder 4">
-            <a:extLst>
-              <a:ext uri="{FF2B5EF4-FFF2-40B4-BE49-F238E27FC236}">
-                <a16:creationId xmlns:a16="http://schemas.microsoft.com/office/drawing/2014/main" id="{CB67A4D0-377E-BEC1-1446-EE98CABF4E28}"/>
-              </a:ext>
-            </a:extLst>
-          </p:cNvPr>
+          <p:cNvPr id="5" name="Content Placeholder 4"/>
           <p:cNvSpPr>
             <a:spLocks noGrp="1"/>
           </p:cNvSpPr>
@@ -7324,16 +7256,19 @@
             </a:pPr>
             <a:r>
               <a:rPr lang="en-US" sz="1600" b="1" dirty="0">
-                <a:latin typeface="Ubuntu" panose="020B0504030602030204" pitchFamily="34" charset="0"/>
+                <a:latin typeface="Ubuntu" panose="020B0504030602030204" charset="0"/>
               </a:rPr>
               <a:t>1. Nominal Data: </a:t>
             </a:r>
             <a:r>
               <a:rPr lang="en-US" sz="1600" dirty="0">
-                <a:latin typeface="Ubuntu" panose="020B0504030602030204" pitchFamily="34" charset="0"/>
+                <a:latin typeface="Ubuntu" panose="020B0504030602030204" charset="0"/>
               </a:rPr>
               <a:t>Consists of categories or labels with no inherent order or ranking.</a:t>
             </a:r>
+            <a:endParaRPr lang="en-US" sz="1600" dirty="0">
+              <a:latin typeface="Ubuntu" panose="020B0504030602030204" charset="0"/>
+            </a:endParaRPr>
           </a:p>
           <a:p>
             <a:pPr marL="0" indent="0">
@@ -7341,10 +7276,13 @@
             </a:pPr>
             <a:r>
               <a:rPr lang="en-US" sz="1600" b="1" dirty="0">
-                <a:latin typeface="Ubuntu" panose="020B0504030602030204" pitchFamily="34" charset="0"/>
+                <a:latin typeface="Ubuntu" panose="020B0504030602030204" charset="0"/>
               </a:rPr>
               <a:t>- Example:</a:t>
             </a:r>
+            <a:endParaRPr lang="en-US" sz="1600" b="1" dirty="0">
+              <a:latin typeface="Ubuntu" panose="020B0504030602030204" charset="0"/>
+            </a:endParaRPr>
           </a:p>
           <a:p>
             <a:pPr>
@@ -7353,10 +7291,13 @@
             </a:pPr>
             <a:r>
               <a:rPr lang="en-US" sz="1600" dirty="0">
-                <a:latin typeface="Ubuntu" panose="020B0504030602030204" pitchFamily="34" charset="0"/>
+                <a:latin typeface="Ubuntu" panose="020B0504030602030204" charset="0"/>
               </a:rPr>
               <a:t>Categories like blue, green, brown, and hazel represent nominal data.</a:t>
             </a:r>
+            <a:endParaRPr lang="en-US" sz="1600" dirty="0">
+              <a:latin typeface="Ubuntu" panose="020B0504030602030204" charset="0"/>
+            </a:endParaRPr>
           </a:p>
           <a:p>
             <a:pPr>
@@ -7365,10 +7306,13 @@
             </a:pPr>
             <a:r>
               <a:rPr lang="en-US" sz="1600" dirty="0">
-                <a:latin typeface="Ubuntu" panose="020B0504030602030204" pitchFamily="34" charset="0"/>
+                <a:latin typeface="Ubuntu" panose="020B0504030602030204" charset="0"/>
               </a:rPr>
               <a:t>Categories like apple, banana, orange, and grape are nominal data.</a:t>
             </a:r>
+            <a:endParaRPr lang="en-US" sz="1600" dirty="0">
+              <a:latin typeface="Ubuntu" panose="020B0504030602030204" charset="0"/>
+            </a:endParaRPr>
           </a:p>
           <a:p>
             <a:pPr marL="0" indent="0">
@@ -7376,16 +7320,19 @@
             </a:pPr>
             <a:r>
               <a:rPr lang="en-US" sz="1600" b="1" dirty="0">
-                <a:latin typeface="Ubuntu" panose="020B0504030602030204" pitchFamily="34" charset="0"/>
+                <a:latin typeface="Ubuntu" panose="020B0504030602030204" charset="0"/>
               </a:rPr>
               <a:t>2. Ordinal Data: </a:t>
             </a:r>
             <a:r>
               <a:rPr lang="en-US" sz="1600" dirty="0">
-                <a:latin typeface="Ubuntu" panose="020B0504030602030204" pitchFamily="34" charset="0"/>
+                <a:latin typeface="Ubuntu" panose="020B0504030602030204" charset="0"/>
               </a:rPr>
               <a:t>Categories with a natural order or ranking, but the differences between categories are not necessarily equal or well-defined.</a:t>
             </a:r>
+            <a:endParaRPr lang="en-US" sz="1600" dirty="0">
+              <a:latin typeface="Ubuntu" panose="020B0504030602030204" charset="0"/>
+            </a:endParaRPr>
           </a:p>
           <a:p>
             <a:pPr marL="0" indent="0">
@@ -7393,28 +7340,25 @@
             </a:pPr>
             <a:r>
               <a:rPr lang="en-US" sz="1600" b="1" dirty="0">
-                <a:latin typeface="Ubuntu" panose="020B0504030602030204" pitchFamily="34" charset="0"/>
+                <a:latin typeface="Ubuntu" panose="020B0504030602030204" charset="0"/>
               </a:rPr>
               <a:t>- Example: </a:t>
             </a:r>
             <a:r>
               <a:rPr lang="en-US" sz="1600" dirty="0">
-                <a:latin typeface="Ubuntu" panose="020B0504030602030204" pitchFamily="34" charset="0"/>
+                <a:latin typeface="Ubuntu" panose="020B0504030602030204" charset="0"/>
               </a:rPr>
               <a:t>Education Level: Categories like "high school," "bachelor's degree," "master's degree" represent ordinal data because they have a ranking but the difference in educational attainment between these categories is not uniform.</a:t>
             </a:r>
+            <a:endParaRPr lang="en-US" sz="1600" dirty="0">
+              <a:latin typeface="Ubuntu" panose="020B0504030602030204" charset="0"/>
+            </a:endParaRPr>
           </a:p>
         </p:txBody>
       </p:sp>
       <p:sp>
         <p:nvSpPr>
-          <p:cNvPr id="6" name="Text Placeholder 5">
-            <a:extLst>
-              <a:ext uri="{FF2B5EF4-FFF2-40B4-BE49-F238E27FC236}">
-                <a16:creationId xmlns:a16="http://schemas.microsoft.com/office/drawing/2014/main" id="{508D01FD-B181-F165-3724-468888480113}"/>
-              </a:ext>
-            </a:extLst>
-          </p:cNvPr>
+          <p:cNvPr id="6" name="Text Placeholder 5"/>
           <p:cNvSpPr>
             <a:spLocks noGrp="1"/>
           </p:cNvSpPr>
@@ -7434,22 +7378,19 @@
           <a:p>
             <a:r>
               <a:rPr lang="en-US" sz="2400" dirty="0">
-                <a:latin typeface="Ubuntu" panose="020B0504030602030204" pitchFamily="34" charset="0"/>
+                <a:latin typeface="Ubuntu" panose="020B0504030602030204" charset="0"/>
               </a:rPr>
               <a:t>Quantitative Data</a:t>
             </a:r>
+            <a:endParaRPr lang="en-US" sz="2400" dirty="0">
+              <a:latin typeface="Ubuntu" panose="020B0504030602030204" charset="0"/>
+            </a:endParaRPr>
           </a:p>
         </p:txBody>
       </p:sp>
       <p:sp>
         <p:nvSpPr>
-          <p:cNvPr id="7" name="Content Placeholder 6">
-            <a:extLst>
-              <a:ext uri="{FF2B5EF4-FFF2-40B4-BE49-F238E27FC236}">
-                <a16:creationId xmlns:a16="http://schemas.microsoft.com/office/drawing/2014/main" id="{7CBB5EB2-4411-D4E8-650C-9E7BCA24C1BF}"/>
-              </a:ext>
-            </a:extLst>
-          </p:cNvPr>
+          <p:cNvPr id="7" name="Content Placeholder 6"/>
           <p:cNvSpPr>
             <a:spLocks noGrp="1"/>
           </p:cNvSpPr>
@@ -7481,7 +7422,6 @@
               <a:buSzTx/>
               <a:buFontTx/>
               <a:buNone/>
-              <a:tabLst/>
               <a:defRPr/>
             </a:pPr>
             <a:r>
@@ -7495,7 +7435,7 @@
                 <a:effectLst/>
                 <a:uLnTx/>
                 <a:uFillTx/>
-                <a:latin typeface="Ubuntu" panose="020B0504030602030204" pitchFamily="34" charset="0"/>
+                <a:latin typeface="Ubuntu" panose="020B0504030602030204" charset="0"/>
                 <a:cs typeface="+mn-cs"/>
               </a:rPr>
               <a:t>1. Continuous Data: </a:t>
@@ -7511,11 +7451,24 @@
                 <a:effectLst/>
                 <a:uLnTx/>
                 <a:uFillTx/>
-                <a:latin typeface="Ubuntu" panose="020B0504030602030204" pitchFamily="34" charset="0"/>
+                <a:latin typeface="Ubuntu" panose="020B0504030602030204" charset="0"/>
                 <a:cs typeface="+mn-cs"/>
               </a:rPr>
               <a:t>Any value within a range and often involves measurements with infinite possibilities.</a:t>
             </a:r>
+            <a:endParaRPr kumimoji="0" lang="en-US" sz="1600" b="0" i="0" u="none" strike="noStrike" kern="1200" cap="none" spc="0" normalizeH="0" baseline="0" noProof="0" dirty="0">
+              <a:ln>
+                <a:noFill/>
+              </a:ln>
+              <a:solidFill>
+                <a:srgbClr val="000000"/>
+              </a:solidFill>
+              <a:effectLst/>
+              <a:uLnTx/>
+              <a:uFillTx/>
+              <a:latin typeface="Ubuntu" panose="020B0504030602030204" charset="0"/>
+              <a:cs typeface="+mn-cs"/>
+            </a:endParaRPr>
           </a:p>
           <a:p>
             <a:pPr marL="0" marR="0" lvl="0" indent="0" algn="l" defTabSz="914400" eaLnBrk="1" fontAlgn="base" latinLnBrk="0" hangingPunct="1">
@@ -7532,7 +7485,6 @@
               <a:buSzTx/>
               <a:buFontTx/>
               <a:buNone/>
-              <a:tabLst/>
               <a:defRPr/>
             </a:pPr>
             <a:r>
@@ -7546,11 +7498,24 @@
                 <a:effectLst/>
                 <a:uLnTx/>
                 <a:uFillTx/>
-                <a:latin typeface="Ubuntu" panose="020B0504030602030204" pitchFamily="34" charset="0"/>
+                <a:latin typeface="Ubuntu" panose="020B0504030602030204" charset="0"/>
                 <a:cs typeface="+mn-cs"/>
               </a:rPr>
               <a:t>- Example:</a:t>
             </a:r>
+            <a:endParaRPr kumimoji="0" lang="en-US" sz="1600" b="1" i="0" u="none" strike="noStrike" kern="1200" cap="none" spc="0" normalizeH="0" baseline="0" noProof="0" dirty="0">
+              <a:ln>
+                <a:noFill/>
+              </a:ln>
+              <a:solidFill>
+                <a:srgbClr val="000000"/>
+              </a:solidFill>
+              <a:effectLst/>
+              <a:uLnTx/>
+              <a:uFillTx/>
+              <a:latin typeface="Ubuntu" panose="020B0504030602030204" charset="0"/>
+              <a:cs typeface="+mn-cs"/>
+            </a:endParaRPr>
           </a:p>
           <a:p>
             <a:pPr marL="342900" marR="0" lvl="0" indent="-342900" algn="l" defTabSz="914400" eaLnBrk="1" fontAlgn="base" latinLnBrk="0" hangingPunct="1">
@@ -7567,7 +7532,6 @@
               <a:buSzTx/>
               <a:buFont typeface="+mj-lt"/>
               <a:buAutoNum type="arabicPeriod"/>
-              <a:tabLst/>
               <a:defRPr/>
             </a:pPr>
             <a:r>
@@ -7581,11 +7545,24 @@
                 <a:effectLst/>
                 <a:uLnTx/>
                 <a:uFillTx/>
-                <a:latin typeface="Ubuntu" panose="020B0504030602030204" pitchFamily="34" charset="0"/>
+                <a:latin typeface="Ubuntu" panose="020B0504030602030204" charset="0"/>
                 <a:cs typeface="+mn-cs"/>
               </a:rPr>
               <a:t>Heights of individuals can vary within a continuous range, such as 162.5 cm, 173.2 cm, or 185.7 cm.</a:t>
             </a:r>
+            <a:endParaRPr kumimoji="0" lang="en-US" sz="1600" b="0" i="0" u="none" strike="noStrike" kern="1200" cap="none" spc="0" normalizeH="0" baseline="0" noProof="0" dirty="0">
+              <a:ln>
+                <a:noFill/>
+              </a:ln>
+              <a:solidFill>
+                <a:srgbClr val="000000"/>
+              </a:solidFill>
+              <a:effectLst/>
+              <a:uLnTx/>
+              <a:uFillTx/>
+              <a:latin typeface="Ubuntu" panose="020B0504030602030204" charset="0"/>
+              <a:cs typeface="+mn-cs"/>
+            </a:endParaRPr>
           </a:p>
           <a:p>
             <a:pPr marL="342900" marR="0" lvl="0" indent="-342900" algn="l" defTabSz="914400" eaLnBrk="1" fontAlgn="base" latinLnBrk="0" hangingPunct="1">
@@ -7602,7 +7579,6 @@
               <a:buSzTx/>
               <a:buFont typeface="+mj-lt"/>
               <a:buAutoNum type="arabicPeriod"/>
-              <a:tabLst/>
               <a:defRPr/>
             </a:pPr>
             <a:r>
@@ -7616,11 +7592,24 @@
                 <a:effectLst/>
                 <a:uLnTx/>
                 <a:uFillTx/>
-                <a:latin typeface="Ubuntu" panose="020B0504030602030204" pitchFamily="34" charset="0"/>
+                <a:latin typeface="Ubuntu" panose="020B0504030602030204" charset="0"/>
                 <a:cs typeface="+mn-cs"/>
               </a:rPr>
               <a:t>Temperature readings can have infinite decimal places, such as 23.5°C or 35.2°C.</a:t>
             </a:r>
+            <a:endParaRPr kumimoji="0" lang="en-US" sz="1600" b="0" i="0" u="none" strike="noStrike" kern="1200" cap="none" spc="0" normalizeH="0" baseline="0" noProof="0" dirty="0">
+              <a:ln>
+                <a:noFill/>
+              </a:ln>
+              <a:solidFill>
+                <a:srgbClr val="000000"/>
+              </a:solidFill>
+              <a:effectLst/>
+              <a:uLnTx/>
+              <a:uFillTx/>
+              <a:latin typeface="Ubuntu" panose="020B0504030602030204" charset="0"/>
+              <a:cs typeface="+mn-cs"/>
+            </a:endParaRPr>
           </a:p>
           <a:p>
             <a:pPr marL="0" marR="0" lvl="0" indent="0" algn="l" defTabSz="914400" eaLnBrk="1" fontAlgn="base" latinLnBrk="0" hangingPunct="1">
@@ -7637,7 +7626,6 @@
               <a:buSzTx/>
               <a:buFontTx/>
               <a:buNone/>
-              <a:tabLst/>
               <a:defRPr/>
             </a:pPr>
             <a:r>
@@ -7651,7 +7639,7 @@
                 <a:effectLst/>
                 <a:uLnTx/>
                 <a:uFillTx/>
-                <a:latin typeface="Ubuntu" panose="020B0504030602030204" pitchFamily="34" charset="0"/>
+                <a:latin typeface="Ubuntu" panose="020B0504030602030204" charset="0"/>
                 <a:cs typeface="+mn-cs"/>
               </a:rPr>
               <a:t>2. Discrete Data: </a:t>
@@ -7667,11 +7655,24 @@
                 <a:effectLst/>
                 <a:uLnTx/>
                 <a:uFillTx/>
-                <a:latin typeface="Ubuntu" panose="020B0504030602030204" pitchFamily="34" charset="0"/>
+                <a:latin typeface="Ubuntu" panose="020B0504030602030204" charset="0"/>
                 <a:cs typeface="+mn-cs"/>
               </a:rPr>
               <a:t>Discrete data consists of countable values that are typically whole numbers.</a:t>
             </a:r>
+            <a:endParaRPr kumimoji="0" lang="en-US" sz="1600" b="0" i="0" u="none" strike="noStrike" kern="1200" cap="none" spc="0" normalizeH="0" baseline="0" noProof="0" dirty="0">
+              <a:ln>
+                <a:noFill/>
+              </a:ln>
+              <a:solidFill>
+                <a:srgbClr val="000000"/>
+              </a:solidFill>
+              <a:effectLst/>
+              <a:uLnTx/>
+              <a:uFillTx/>
+              <a:latin typeface="Ubuntu" panose="020B0504030602030204" charset="0"/>
+              <a:cs typeface="+mn-cs"/>
+            </a:endParaRPr>
           </a:p>
           <a:p>
             <a:pPr marL="0" marR="0" lvl="0" indent="0" algn="l" defTabSz="914400" eaLnBrk="1" fontAlgn="base" latinLnBrk="0" hangingPunct="1">
@@ -7688,7 +7689,6 @@
               <a:buSzTx/>
               <a:buFontTx/>
               <a:buNone/>
-              <a:tabLst/>
               <a:defRPr/>
             </a:pPr>
             <a:r>
@@ -7702,11 +7702,24 @@
                 <a:effectLst/>
                 <a:uLnTx/>
                 <a:uFillTx/>
-                <a:latin typeface="Ubuntu" panose="020B0504030602030204" pitchFamily="34" charset="0"/>
+                <a:latin typeface="Ubuntu" panose="020B0504030602030204" charset="0"/>
                 <a:cs typeface="+mn-cs"/>
               </a:rPr>
               <a:t>- Example:</a:t>
             </a:r>
+            <a:endParaRPr kumimoji="0" lang="en-US" sz="1600" b="1" i="0" u="none" strike="noStrike" kern="1200" cap="none" spc="0" normalizeH="0" baseline="0" noProof="0" dirty="0">
+              <a:ln>
+                <a:noFill/>
+              </a:ln>
+              <a:solidFill>
+                <a:srgbClr val="000000"/>
+              </a:solidFill>
+              <a:effectLst/>
+              <a:uLnTx/>
+              <a:uFillTx/>
+              <a:latin typeface="Ubuntu" panose="020B0504030602030204" charset="0"/>
+              <a:cs typeface="+mn-cs"/>
+            </a:endParaRPr>
           </a:p>
           <a:p>
             <a:pPr marL="342900" marR="0" lvl="0" indent="-342900" algn="l" defTabSz="914400" eaLnBrk="1" fontAlgn="base" latinLnBrk="0" hangingPunct="1">
@@ -7723,7 +7736,6 @@
               <a:buSzTx/>
               <a:buFontTx/>
               <a:buAutoNum type="arabicPeriod"/>
-              <a:tabLst/>
               <a:defRPr/>
             </a:pPr>
             <a:r>
@@ -7737,11 +7749,24 @@
                 <a:effectLst/>
                 <a:uLnTx/>
                 <a:uFillTx/>
-                <a:latin typeface="Ubuntu" panose="020B0504030602030204" pitchFamily="34" charset="0"/>
+                <a:latin typeface="Ubuntu" panose="020B0504030602030204" charset="0"/>
                 <a:cs typeface="+mn-cs"/>
               </a:rPr>
               <a:t>Number of students in a classroom (e.g., 25, 30, 40) is a discrete.</a:t>
             </a:r>
+            <a:endParaRPr kumimoji="0" lang="en-US" sz="1600" b="0" i="0" u="none" strike="noStrike" kern="1200" cap="none" spc="0" normalizeH="0" baseline="0" noProof="0" dirty="0">
+              <a:ln>
+                <a:noFill/>
+              </a:ln>
+              <a:solidFill>
+                <a:srgbClr val="000000"/>
+              </a:solidFill>
+              <a:effectLst/>
+              <a:uLnTx/>
+              <a:uFillTx/>
+              <a:latin typeface="Ubuntu" panose="020B0504030602030204" charset="0"/>
+              <a:cs typeface="+mn-cs"/>
+            </a:endParaRPr>
           </a:p>
           <a:p>
             <a:pPr marL="342900" marR="0" lvl="0" indent="-342900" algn="l" defTabSz="914400" eaLnBrk="1" fontAlgn="base" latinLnBrk="0" hangingPunct="1">
@@ -7758,7 +7783,6 @@
               <a:buSzTx/>
               <a:buFontTx/>
               <a:buAutoNum type="arabicPeriod"/>
-              <a:tabLst/>
               <a:defRPr/>
             </a:pPr>
             <a:r>
@@ -7772,11 +7796,24 @@
                 <a:effectLst/>
                 <a:uLnTx/>
                 <a:uFillTx/>
-                <a:latin typeface="Ubuntu" panose="020B0504030602030204" pitchFamily="34" charset="0"/>
+                <a:latin typeface="Ubuntu" panose="020B0504030602030204" charset="0"/>
                 <a:cs typeface="+mn-cs"/>
               </a:rPr>
               <a:t>Count of cars in a parking lot (e.g., 100, 150, 200) is discrete.</a:t>
             </a:r>
+            <a:endParaRPr kumimoji="0" lang="en-US" sz="1600" b="0" i="0" u="none" strike="noStrike" kern="1200" cap="none" spc="0" normalizeH="0" baseline="0" noProof="0" dirty="0">
+              <a:ln>
+                <a:noFill/>
+              </a:ln>
+              <a:solidFill>
+                <a:srgbClr val="000000"/>
+              </a:solidFill>
+              <a:effectLst/>
+              <a:uLnTx/>
+              <a:uFillTx/>
+              <a:latin typeface="Ubuntu" panose="020B0504030602030204" charset="0"/>
+              <a:cs typeface="+mn-cs"/>
+            </a:endParaRPr>
           </a:p>
           <a:p>
             <a:pPr marL="0" indent="0">
@@ -7787,17 +7824,12 @@
         </p:txBody>
       </p:sp>
     </p:spTree>
-    <p:extLst>
-      <p:ext uri="{BB962C8B-B14F-4D97-AF65-F5344CB8AC3E}">
-        <p14:creationId xmlns:p14="http://schemas.microsoft.com/office/powerpoint/2010/main" val="111593095"/>
-      </p:ext>
-    </p:extLst>
   </p:cSld>
   <p:clrMapOvr>
     <a:masterClrMapping/>
   </p:clrMapOvr>
-  <mc:AlternateContent xmlns:mc="http://schemas.openxmlformats.org/markup-compatibility/2006">
-    <mc:Choice xmlns:p159="http://schemas.microsoft.com/office/powerpoint/2015/09/main" Requires="p159">
+  <mc:AlternateContent xmlns:mc="http://schemas.openxmlformats.org/markup-compatibility/2006" xmlns:p159="http://schemas.microsoft.com/office/powerpoint/2015/09/main">
+    <mc:Choice Requires="p159">
       <p:transition xmlns:p14="http://schemas.microsoft.com/office/powerpoint/2010/main" spd="slow" p14:dur="2000">
         <p159:morph option="byObject"/>
       </p:transition>
@@ -8671,6 +8703,10 @@
               </a:rPr>
               <a:t>Outline</a:t>
             </a:r>
+            <a:endParaRPr lang="en-US">
+              <a:latin typeface="Ubuntu" panose="020B0504030602030204" charset="0"/>
+              <a:cs typeface="Ubuntu" panose="020B0504030602030204" charset="0"/>
+            </a:endParaRPr>
           </a:p>
         </p:txBody>
       </p:sp>
@@ -8705,6 +8741,15 @@
               </a:rPr>
               <a:t>Intro to Statistics </a:t>
             </a:r>
+            <a:endParaRPr lang="en-US" sz="2400" dirty="0">
+              <a:solidFill>
+                <a:schemeClr val="bg1">
+                  <a:lumMod val="65000"/>
+                </a:schemeClr>
+              </a:solidFill>
+              <a:latin typeface="Ubuntu" panose="020B0504030602030204" charset="0"/>
+              <a:cs typeface="Ubuntu" panose="020B0504030602030204" charset="0"/>
+            </a:endParaRPr>
           </a:p>
           <a:p>
             <a:pPr marL="457200" indent="-457200" algn="l">
@@ -8723,6 +8768,15 @@
               </a:rPr>
               <a:t>Types of Data</a:t>
             </a:r>
+            <a:endParaRPr lang="en-US" sz="2400" dirty="0">
+              <a:solidFill>
+                <a:schemeClr val="bg1">
+                  <a:lumMod val="65000"/>
+                </a:schemeClr>
+              </a:solidFill>
+              <a:latin typeface="Ubuntu" panose="020B0504030602030204" charset="0"/>
+              <a:cs typeface="Ubuntu" panose="020B0504030602030204" charset="0"/>
+            </a:endParaRPr>
           </a:p>
           <a:p>
             <a:pPr marL="457200" indent="-457200" algn="l">
@@ -8736,6 +8790,10 @@
               </a:rPr>
               <a:t>Measure Data Quality using Statistics</a:t>
             </a:r>
+            <a:endParaRPr lang="en-US" sz="2400" dirty="0">
+              <a:latin typeface="Ubuntu" panose="020B0504030602030204" charset="0"/>
+              <a:cs typeface="Ubuntu" panose="020B0504030602030204" charset="0"/>
+            </a:endParaRPr>
           </a:p>
           <a:p>
             <a:pPr marL="457200" indent="-457200" algn="l">
@@ -8794,20 +8852,15 @@
         </p:txBody>
       </p:sp>
     </p:spTree>
-    <p:extLst>
-      <p:ext uri="{BB962C8B-B14F-4D97-AF65-F5344CB8AC3E}">
-        <p14:creationId xmlns:p14="http://schemas.microsoft.com/office/powerpoint/2010/main" val="2285536964"/>
-      </p:ext>
-    </p:extLst>
   </p:cSld>
   <p:clrMapOvr>
     <a:masterClrMapping/>
   </p:clrMapOvr>
-  <mc:AlternateContent xmlns:mc="http://schemas.openxmlformats.org/markup-compatibility/2006" xmlns:p14="http://schemas.microsoft.com/office/powerpoint/2010/main">
-    <mc:Choice Requires="p14">
+  <mc:AlternateContent xmlns:mc="http://schemas.openxmlformats.org/markup-compatibility/2006">
+    <mc:Choice xmlns:p14="http://schemas.microsoft.com/office/powerpoint/2010/main" Requires="p14">
       <p:transition spd="slow" p14:dur="1200"/>
     </mc:Choice>
-    <mc:Fallback xmlns="">
+    <mc:Fallback>
       <p:transition spd="slow"/>
     </mc:Fallback>
   </mc:AlternateContent>
@@ -8863,13 +8916,7 @@
       </p:sp>
       <p:sp>
         <p:nvSpPr>
-          <p:cNvPr id="4" name="Text Placeholder 3">
-            <a:extLst>
-              <a:ext uri="{FF2B5EF4-FFF2-40B4-BE49-F238E27FC236}">
-                <a16:creationId xmlns:a16="http://schemas.microsoft.com/office/drawing/2014/main" id="{3FFC16E5-B9D0-8A1C-16E5-936495183247}"/>
-              </a:ext>
-            </a:extLst>
-          </p:cNvPr>
+          <p:cNvPr id="4" name="Text Placeholder 3"/>
           <p:cNvSpPr>
             <a:spLocks noGrp="1"/>
           </p:cNvSpPr>
@@ -8889,22 +8936,19 @@
           <a:p>
             <a:r>
               <a:rPr lang="en-US" sz="2400" dirty="0">
-                <a:latin typeface="Ubuntu" panose="020B0504030602030204" pitchFamily="34" charset="0"/>
+                <a:latin typeface="Ubuntu" panose="020B0504030602030204" charset="0"/>
               </a:rPr>
               <a:t>Descriptive Statistics </a:t>
             </a:r>
+            <a:endParaRPr lang="en-US" sz="2400" dirty="0">
+              <a:latin typeface="Ubuntu" panose="020B0504030602030204" charset="0"/>
+            </a:endParaRPr>
           </a:p>
         </p:txBody>
       </p:sp>
       <p:sp>
         <p:nvSpPr>
-          <p:cNvPr id="5" name="Content Placeholder 4">
-            <a:extLst>
-              <a:ext uri="{FF2B5EF4-FFF2-40B4-BE49-F238E27FC236}">
-                <a16:creationId xmlns:a16="http://schemas.microsoft.com/office/drawing/2014/main" id="{CB67A4D0-377E-BEC1-1446-EE98CABF4E28}"/>
-              </a:ext>
-            </a:extLst>
-          </p:cNvPr>
+          <p:cNvPr id="5" name="Content Placeholder 4"/>
           <p:cNvSpPr>
             <a:spLocks noGrp="1"/>
           </p:cNvSpPr>
@@ -8932,6 +8976,10 @@
               </a:rPr>
               <a:t>Focus on summarizing and describing the properties of sample and population data.</a:t>
             </a:r>
+            <a:endParaRPr lang="en-US" sz="1800" dirty="0">
+              <a:latin typeface="Ubuntu" panose="020B0504030602030204" charset="0"/>
+              <a:cs typeface="Ubuntu" panose="020B0504030602030204" charset="0"/>
+            </a:endParaRPr>
           </a:p>
           <a:p>
             <a:pPr marL="0" indent="0" algn="l">
@@ -8944,6 +8992,10 @@
               </a:rPr>
               <a:t>Common tools:</a:t>
             </a:r>
+            <a:endParaRPr lang="en-US" sz="1800" b="1" dirty="0">
+              <a:latin typeface="Ubuntu" panose="020B0504030602030204" charset="0"/>
+              <a:cs typeface="Ubuntu" panose="020B0504030602030204" charset="0"/>
+            </a:endParaRPr>
           </a:p>
           <a:p>
             <a:r>
@@ -8953,6 +9005,10 @@
               </a:rPr>
               <a:t>Central tendency (mean, median, mode)</a:t>
             </a:r>
+            <a:endParaRPr lang="en-US" sz="1800" dirty="0">
+              <a:latin typeface="Ubuntu" panose="020B0504030602030204" charset="0"/>
+              <a:cs typeface="Ubuntu" panose="020B0504030602030204" charset="0"/>
+            </a:endParaRPr>
           </a:p>
           <a:p>
             <a:r>
@@ -8962,6 +9018,10 @@
               </a:rPr>
               <a:t>Variability (range, variance, …) </a:t>
             </a:r>
+            <a:endParaRPr lang="en-US" sz="1800" dirty="0">
+              <a:latin typeface="Ubuntu" panose="020B0504030602030204" charset="0"/>
+              <a:cs typeface="Ubuntu" panose="020B0504030602030204" charset="0"/>
+            </a:endParaRPr>
           </a:p>
           <a:p>
             <a:r>
@@ -8971,6 +9031,10 @@
               </a:rPr>
               <a:t>Data distribution</a:t>
             </a:r>
+            <a:endParaRPr lang="en-US" sz="1800" dirty="0">
+              <a:latin typeface="Ubuntu" panose="020B0504030602030204" charset="0"/>
+              <a:cs typeface="Ubuntu" panose="020B0504030602030204" charset="0"/>
+            </a:endParaRPr>
           </a:p>
           <a:p>
             <a:r>
@@ -8980,18 +9044,16 @@
               </a:rPr>
               <a:t>Skewness </a:t>
             </a:r>
+            <a:endParaRPr lang="en-US" sz="1800" dirty="0">
+              <a:latin typeface="Ubuntu" panose="020B0504030602030204" charset="0"/>
+              <a:cs typeface="Ubuntu" panose="020B0504030602030204" charset="0"/>
+            </a:endParaRPr>
           </a:p>
         </p:txBody>
       </p:sp>
       <p:sp>
         <p:nvSpPr>
-          <p:cNvPr id="6" name="Text Placeholder 5">
-            <a:extLst>
-              <a:ext uri="{FF2B5EF4-FFF2-40B4-BE49-F238E27FC236}">
-                <a16:creationId xmlns:a16="http://schemas.microsoft.com/office/drawing/2014/main" id="{508D01FD-B181-F165-3724-468888480113}"/>
-              </a:ext>
-            </a:extLst>
-          </p:cNvPr>
+          <p:cNvPr id="6" name="Text Placeholder 5"/>
           <p:cNvSpPr>
             <a:spLocks noGrp="1"/>
           </p:cNvSpPr>
@@ -9011,22 +9073,19 @@
           <a:p>
             <a:r>
               <a:rPr lang="en-US" sz="2400" dirty="0">
-                <a:latin typeface="Ubuntu" panose="020B0504030602030204" pitchFamily="34" charset="0"/>
+                <a:latin typeface="Ubuntu" panose="020B0504030602030204" charset="0"/>
               </a:rPr>
               <a:t>Inferential Statistics</a:t>
             </a:r>
+            <a:endParaRPr lang="en-US" sz="2400" dirty="0">
+              <a:latin typeface="Ubuntu" panose="020B0504030602030204" charset="0"/>
+            </a:endParaRPr>
           </a:p>
         </p:txBody>
       </p:sp>
       <p:sp>
         <p:nvSpPr>
-          <p:cNvPr id="7" name="Content Placeholder 6">
-            <a:extLst>
-              <a:ext uri="{FF2B5EF4-FFF2-40B4-BE49-F238E27FC236}">
-                <a16:creationId xmlns:a16="http://schemas.microsoft.com/office/drawing/2014/main" id="{7CBB5EB2-4411-D4E8-650C-9E7BCA24C1BF}"/>
-              </a:ext>
-            </a:extLst>
-          </p:cNvPr>
+          <p:cNvPr id="7" name="Content Placeholder 6"/>
           <p:cNvSpPr>
             <a:spLocks noGrp="1"/>
           </p:cNvSpPr>
@@ -9096,6 +9155,10 @@
               </a:rPr>
               <a:t> to larger groups or making predictions. </a:t>
             </a:r>
+            <a:endParaRPr lang="en-US" sz="1800" dirty="0">
+              <a:latin typeface="Ubuntu" panose="020B0504030602030204" charset="0"/>
+              <a:cs typeface="Ubuntu" panose="020B0504030602030204" charset="0"/>
+            </a:endParaRPr>
           </a:p>
           <a:p>
             <a:pPr marL="0" indent="0" algn="l">
@@ -9108,6 +9171,10 @@
               </a:rPr>
               <a:t>Common tools:</a:t>
             </a:r>
+            <a:endParaRPr lang="en-US" sz="1800" b="1" dirty="0">
+              <a:latin typeface="Ubuntu" panose="020B0504030602030204" charset="0"/>
+              <a:cs typeface="Ubuntu" panose="020B0504030602030204" charset="0"/>
+            </a:endParaRPr>
           </a:p>
           <a:p>
             <a:r>
@@ -9117,6 +9184,10 @@
               </a:rPr>
               <a:t>Hypothesis testing</a:t>
             </a:r>
+            <a:endParaRPr lang="en-US" sz="1800" dirty="0">
+              <a:latin typeface="Ubuntu" panose="020B0504030602030204" charset="0"/>
+              <a:cs typeface="Ubuntu" panose="020B0504030602030204" charset="0"/>
+            </a:endParaRPr>
           </a:p>
           <a:p>
             <a:r>
@@ -9126,21 +9197,20 @@
               </a:rPr>
               <a:t>Regression Analysis</a:t>
             </a:r>
+            <a:endParaRPr lang="en-US" sz="1800" dirty="0">
+              <a:latin typeface="Ubuntu" panose="020B0504030602030204" charset="0"/>
+              <a:cs typeface="Ubuntu" panose="020B0504030602030204" charset="0"/>
+            </a:endParaRPr>
           </a:p>
         </p:txBody>
       </p:sp>
     </p:spTree>
-    <p:extLst>
-      <p:ext uri="{BB962C8B-B14F-4D97-AF65-F5344CB8AC3E}">
-        <p14:creationId xmlns:p14="http://schemas.microsoft.com/office/powerpoint/2010/main" val="3280391421"/>
-      </p:ext>
-    </p:extLst>
   </p:cSld>
   <p:clrMapOvr>
     <a:masterClrMapping/>
   </p:clrMapOvr>
-  <mc:AlternateContent xmlns:mc="http://schemas.openxmlformats.org/markup-compatibility/2006">
-    <mc:Choice xmlns:p159="http://schemas.microsoft.com/office/powerpoint/2015/09/main" Requires="p159">
+  <mc:AlternateContent xmlns:mc="http://schemas.openxmlformats.org/markup-compatibility/2006" xmlns:p159="http://schemas.microsoft.com/office/powerpoint/2015/09/main">
+    <mc:Choice Requires="p159">
       <p:transition xmlns:p14="http://schemas.microsoft.com/office/powerpoint/2010/main" spd="slow" p14:dur="2000">
         <p159:morph option="byObject"/>
       </p:transition>
@@ -9832,6 +9902,10 @@
               </a:rPr>
               <a:t>)</a:t>
             </a:r>
+            <a:endParaRPr lang="en-US" dirty="0">
+              <a:latin typeface="Ubuntu" panose="020B0504030602030204" charset="0"/>
+              <a:cs typeface="Ubuntu" panose="020B0504030602030204" charset="0"/>
+            </a:endParaRPr>
           </a:p>
         </p:txBody>
       </p:sp>
@@ -9874,6 +9948,10 @@
                   </a:rPr>
                   <a:t>Measure of Central Tendency</a:t>
                 </a:r>
+                <a:endParaRPr lang="en-US" sz="2400" dirty="0">
+                  <a:latin typeface="Ubuntu" panose="020B0504030602030204" charset="0"/>
+                  <a:cs typeface="Ubuntu" panose="020B0504030602030204" charset="0"/>
+                </a:endParaRPr>
               </a:p>
               <a:p>
                 <a:r>
@@ -9883,6 +9961,10 @@
                   </a:rPr>
                   <a:t>Mean: average of data, suited for continues data with no outliers</a:t>
                 </a:r>
+                <a:endParaRPr lang="en-US" sz="2400" dirty="0">
+                  <a:latin typeface="Ubuntu" panose="020B0504030602030204" charset="0"/>
+                  <a:cs typeface="Ubuntu" panose="020B0504030602030204" charset="0"/>
+                </a:endParaRPr>
               </a:p>
               <a:p>
                 <a:pPr marL="0" indent="0">
@@ -9965,6 +10047,10 @@
                   </a:rPr>
                   <a:t>Median: middle value of order data, suited for continues data with outliers</a:t>
                 </a:r>
+                <a:endParaRPr lang="en-US" sz="2400" dirty="0">
+                  <a:latin typeface="Ubuntu" panose="020B0504030602030204" charset="0"/>
+                  <a:cs typeface="Ubuntu" panose="020B0504030602030204" charset="0"/>
+                </a:endParaRPr>
               </a:p>
               <a:p>
                 <a:pPr marL="0" indent="0" algn="ctr">
@@ -10016,6 +10102,10 @@
                   </a:rPr>
                   <a:t>Mode: most frequent data, suited for categorical data both (ordinal and nominal)</a:t>
                 </a:r>
+                <a:endParaRPr lang="en-US" sz="2400" dirty="0">
+                  <a:latin typeface="Ubuntu" panose="020B0504030602030204" charset="0"/>
+                  <a:cs typeface="Ubuntu" panose="020B0504030602030204" charset="0"/>
+                </a:endParaRPr>
               </a:p>
               <a:p>
                 <a:pPr marL="0" indent="0">
@@ -10034,7 +10124,7 @@
             <p:nvSpPr>
               <p:cNvPr id="3" name="Content Placeholder 2"/>
               <p:cNvSpPr>
-                <a:spLocks noGrp="1" noRot="1" noChangeAspect="1" noMove="1" noResize="1" noEditPoints="1" noAdjustHandles="1" noChangeArrowheads="1" noChangeShapeType="1" noTextEdit="1"/>
+                <a:spLocks noRot="1" noChangeAspect="1" noMove="1" noResize="1" noEditPoints="1" noAdjustHandles="1" noChangeArrowheads="1" noChangeShapeType="1" noTextEdit="1"/>
               </p:cNvSpPr>
               <p:nvPr>
                 <p:ph idx="1"/>
@@ -10045,10 +10135,10 @@
                 <a:off x="609600" y="1600200"/>
                 <a:ext cx="10972800" cy="4525963"/>
               </a:xfrm>
-              <a:blipFill>
-                <a:blip r:embed="rId2"/>
+              <a:blipFill rotWithShape="1">
+                <a:blip r:embed="rId1"/>
                 <a:stretch>
-                  <a:fillRect l="-833" t="-1078"/>
+                  <a:fillRect b="7"/>
                 </a:stretch>
               </a:blipFill>
             </p:spPr>
@@ -10057,7 +10147,7 @@
               <a:lstStyle/>
               <a:p>
                 <a:r>
-                  <a:rPr lang="en-US">
+                  <a:rPr lang="en-US" altLang="en-US">
                     <a:noFill/>
                   </a:rPr>
                   <a:t> </a:t>
@@ -10068,17 +10158,12 @@
         </mc:Fallback>
       </mc:AlternateContent>
     </p:spTree>
-    <p:extLst>
-      <p:ext uri="{BB962C8B-B14F-4D97-AF65-F5344CB8AC3E}">
-        <p14:creationId xmlns:p14="http://schemas.microsoft.com/office/powerpoint/2010/main" val="284103698"/>
-      </p:ext>
-    </p:extLst>
   </p:cSld>
   <p:clrMapOvr>
     <a:masterClrMapping/>
   </p:clrMapOvr>
-  <mc:AlternateContent xmlns:mc="http://schemas.openxmlformats.org/markup-compatibility/2006">
-    <mc:Choice xmlns:p159="http://schemas.microsoft.com/office/powerpoint/2015/09/main" Requires="p159">
+  <mc:AlternateContent xmlns:mc="http://schemas.openxmlformats.org/markup-compatibility/2006" xmlns:p159="http://schemas.microsoft.com/office/powerpoint/2015/09/main">
+    <mc:Choice Requires="p159">
       <p:transition xmlns:p14="http://schemas.microsoft.com/office/powerpoint/2010/main" spd="slow" p14:dur="2000">
         <p159:morph option="byObject"/>
       </p:transition>
@@ -10473,6 +10558,10 @@
               </a:rPr>
               <a:t>)</a:t>
             </a:r>
+            <a:endParaRPr lang="en-US" dirty="0">
+              <a:latin typeface="Ubuntu" panose="020B0504030602030204" charset="0"/>
+              <a:cs typeface="Ubuntu" panose="020B0504030602030204" charset="0"/>
+            </a:endParaRPr>
           </a:p>
         </p:txBody>
       </p:sp>
@@ -10515,6 +10604,10 @@
                   </a:rPr>
                   <a:t>Measure of Variance</a:t>
                 </a:r>
+                <a:endParaRPr lang="en-US" sz="2400" dirty="0">
+                  <a:latin typeface="Ubuntu" panose="020B0504030602030204" charset="0"/>
+                  <a:cs typeface="Ubuntu" panose="020B0504030602030204" charset="0"/>
+                </a:endParaRPr>
               </a:p>
               <a:p>
                 <a:r>
@@ -10524,6 +10617,10 @@
                   </a:rPr>
                   <a:t>Range = Max - Min</a:t>
                 </a:r>
+                <a:endParaRPr lang="en-US" sz="2400" dirty="0">
+                  <a:latin typeface="Ubuntu" panose="020B0504030602030204" charset="0"/>
+                  <a:cs typeface="Ubuntu" panose="020B0504030602030204" charset="0"/>
+                </a:endParaRPr>
               </a:p>
               <a:p>
                 <a:r>
@@ -10533,6 +10630,10 @@
                   </a:rPr>
                   <a:t>Interquartile Range = Q3 – Q1</a:t>
                 </a:r>
+                <a:endParaRPr lang="en-US" sz="2400" dirty="0">
+                  <a:latin typeface="Ubuntu" panose="020B0504030602030204" charset="0"/>
+                  <a:cs typeface="Ubuntu" panose="020B0504030602030204" charset="0"/>
+                </a:endParaRPr>
               </a:p>
               <a:p>
                 <a:r>
@@ -10781,7 +10882,7 @@
             <p:nvSpPr>
               <p:cNvPr id="3" name="Content Placeholder 2"/>
               <p:cNvSpPr>
-                <a:spLocks noGrp="1" noRot="1" noChangeAspect="1" noMove="1" noResize="1" noEditPoints="1" noAdjustHandles="1" noChangeArrowheads="1" noChangeShapeType="1" noTextEdit="1"/>
+                <a:spLocks noRot="1" noChangeAspect="1" noMove="1" noResize="1" noEditPoints="1" noAdjustHandles="1" noChangeArrowheads="1" noChangeShapeType="1" noTextEdit="1"/>
               </p:cNvSpPr>
               <p:nvPr>
                 <p:ph idx="1"/>
@@ -10792,10 +10893,10 @@
                 <a:off x="609600" y="1600200"/>
                 <a:ext cx="10972800" cy="4525963"/>
               </a:xfrm>
-              <a:blipFill>
-                <a:blip r:embed="rId2"/>
+              <a:blipFill rotWithShape="1">
+                <a:blip r:embed="rId1"/>
                 <a:stretch>
-                  <a:fillRect l="-833" t="-1078"/>
+                  <a:fillRect b="7"/>
                 </a:stretch>
               </a:blipFill>
             </p:spPr>
@@ -10804,7 +10905,7 @@
               <a:lstStyle/>
               <a:p>
                 <a:r>
-                  <a:rPr lang="en-US">
+                  <a:rPr lang="en-US" altLang="en-US">
                     <a:noFill/>
                   </a:rPr>
                   <a:t> </a:t>
@@ -10816,20 +10917,14 @@
       </mc:AlternateContent>
       <p:pic>
         <p:nvPicPr>
-          <p:cNvPr id="9" name="Picture 8" descr="A diagram of a normal curve&#10;&#10;Description automatically generated">
-            <a:extLst>
-              <a:ext uri="{FF2B5EF4-FFF2-40B4-BE49-F238E27FC236}">
-                <a16:creationId xmlns:a16="http://schemas.microsoft.com/office/drawing/2014/main" id="{30EA05F3-74BC-924E-9B25-3E80172FA060}"/>
-              </a:ext>
-            </a:extLst>
-          </p:cNvPr>
+          <p:cNvPr id="9" name="Picture 8" descr="A diagram of a normal curve&#10;&#10;Description automatically generated"/>
           <p:cNvPicPr>
             <a:picLocks noChangeAspect="1"/>
           </p:cNvPicPr>
           <p:nvPr/>
         </p:nvPicPr>
         <p:blipFill>
-          <a:blip r:embed="rId3">
+          <a:blip r:embed="rId2">
             <a:extLst>
               <a:ext uri="{28A0092B-C50C-407E-A947-70E740481C1C}">
                 <a14:useLocalDpi xmlns:a14="http://schemas.microsoft.com/office/drawing/2010/main" val="0"/>
@@ -10851,17 +10946,12 @@
         </p:spPr>
       </p:pic>
     </p:spTree>
-    <p:extLst>
-      <p:ext uri="{BB962C8B-B14F-4D97-AF65-F5344CB8AC3E}">
-        <p14:creationId xmlns:p14="http://schemas.microsoft.com/office/powerpoint/2010/main" val="179579576"/>
-      </p:ext>
-    </p:extLst>
   </p:cSld>
   <p:clrMapOvr>
     <a:masterClrMapping/>
   </p:clrMapOvr>
-  <mc:AlternateContent xmlns:mc="http://schemas.openxmlformats.org/markup-compatibility/2006">
-    <mc:Choice xmlns:p159="http://schemas.microsoft.com/office/powerpoint/2015/09/main" Requires="p159">
+  <mc:AlternateContent xmlns:mc="http://schemas.openxmlformats.org/markup-compatibility/2006" xmlns:p159="http://schemas.microsoft.com/office/powerpoint/2015/09/main">
+    <mc:Choice Requires="p159">
       <p:transition xmlns:p14="http://schemas.microsoft.com/office/powerpoint/2010/main" spd="slow" p14:dur="2000">
         <p159:morph option="byObject"/>
       </p:transition>
@@ -11252,6 +11342,10 @@
               </a:rPr>
               <a:t>)</a:t>
             </a:r>
+            <a:endParaRPr lang="en-US" dirty="0">
+              <a:latin typeface="Ubuntu" panose="020B0504030602030204" charset="0"/>
+              <a:cs typeface="Ubuntu" panose="020B0504030602030204" charset="0"/>
+            </a:endParaRPr>
           </a:p>
         </p:txBody>
       </p:sp>
@@ -11292,25 +11386,23 @@
               </a:rPr>
               <a:t>Skewness</a:t>
             </a:r>
+            <a:endParaRPr lang="en-US" sz="2400" dirty="0">
+              <a:latin typeface="Ubuntu" panose="020B0504030602030204" charset="0"/>
+              <a:cs typeface="Ubuntu" panose="020B0504030602030204" charset="0"/>
+            </a:endParaRPr>
           </a:p>
         </p:txBody>
       </p:sp>
       <p:pic>
         <p:nvPicPr>
-          <p:cNvPr id="5" name="Picture 4" descr="A diagram of a normal distribution&#10;&#10;Description automatically generated">
-            <a:extLst>
-              <a:ext uri="{FF2B5EF4-FFF2-40B4-BE49-F238E27FC236}">
-                <a16:creationId xmlns:a16="http://schemas.microsoft.com/office/drawing/2014/main" id="{6B812E33-80F2-3D2C-B72B-7CC53903126B}"/>
-              </a:ext>
-            </a:extLst>
-          </p:cNvPr>
+          <p:cNvPr id="5" name="Picture 4" descr="A diagram of a normal distribution&#10;&#10;Description automatically generated"/>
           <p:cNvPicPr>
             <a:picLocks noChangeAspect="1"/>
           </p:cNvPicPr>
           <p:nvPr/>
         </p:nvPicPr>
         <p:blipFill>
-          <a:blip r:embed="rId2">
+          <a:blip r:embed="rId1">
             <a:extLst>
               <a:ext uri="{28A0092B-C50C-407E-A947-70E740481C1C}">
                 <a14:useLocalDpi xmlns:a14="http://schemas.microsoft.com/office/drawing/2010/main" val="0"/>
@@ -11332,17 +11424,12 @@
         </p:spPr>
       </p:pic>
     </p:spTree>
-    <p:extLst>
-      <p:ext uri="{BB962C8B-B14F-4D97-AF65-F5344CB8AC3E}">
-        <p14:creationId xmlns:p14="http://schemas.microsoft.com/office/powerpoint/2010/main" val="1025049100"/>
-      </p:ext>
-    </p:extLst>
   </p:cSld>
   <p:clrMapOvr>
     <a:masterClrMapping/>
   </p:clrMapOvr>
-  <mc:AlternateContent xmlns:mc="http://schemas.openxmlformats.org/markup-compatibility/2006">
-    <mc:Choice xmlns:p159="http://schemas.microsoft.com/office/powerpoint/2015/09/main" Requires="p159">
+  <mc:AlternateContent xmlns:mc="http://schemas.openxmlformats.org/markup-compatibility/2006" xmlns:p159="http://schemas.microsoft.com/office/powerpoint/2015/09/main">
+    <mc:Choice Requires="p159">
       <p:transition xmlns:p14="http://schemas.microsoft.com/office/powerpoint/2010/main" spd="slow" p14:dur="2000">
         <p159:morph option="byObject"/>
       </p:transition>
@@ -11396,6 +11483,10 @@
               </a:rPr>
               <a:t>Exercise </a:t>
             </a:r>
+            <a:endParaRPr lang="en-US" dirty="0">
+              <a:latin typeface="Ubuntu" panose="020B0504030602030204" charset="0"/>
+              <a:cs typeface="Ubuntu" panose="020B0504030602030204" charset="0"/>
+            </a:endParaRPr>
           </a:p>
         </p:txBody>
       </p:sp>
@@ -11431,6 +11522,10 @@
                   </a:rPr>
                   <a:t>Calculate descriptive statistics for this sample data represents the ages of a group of individuals:</a:t>
                 </a:r>
+                <a:endParaRPr lang="en-US" sz="2400" dirty="0">
+                  <a:latin typeface="Ubuntu" panose="020B0504030602030204" charset="0"/>
+                  <a:cs typeface="Ubuntu" panose="020B0504030602030204" charset="0"/>
+                </a:endParaRPr>
               </a:p>
               <a:p>
                 <a:pPr marL="0" indent="0" algn="ctr">
@@ -11443,6 +11538,10 @@
                   </a:rPr>
                   <a:t>Age: 25, 32, 28, 45, 21, 30, 36, 40, 22, 29</a:t>
                 </a:r>
+                <a:endParaRPr lang="en-US" sz="2400" dirty="0">
+                  <a:latin typeface="Ubuntu" panose="020B0504030602030204" charset="0"/>
+                  <a:cs typeface="Ubuntu" panose="020B0504030602030204" charset="0"/>
+                </a:endParaRPr>
               </a:p>
               <a:p>
                 <a:r>
@@ -11524,6 +11623,10 @@
                   </a:rPr>
                   <a:t>Median</a:t>
                 </a:r>
+                <a:endParaRPr lang="en-US" sz="2400" dirty="0">
+                  <a:latin typeface="Ubuntu" panose="020B0504030602030204" charset="0"/>
+                  <a:cs typeface="Ubuntu" panose="020B0504030602030204" charset="0"/>
+                </a:endParaRPr>
               </a:p>
               <a:p>
                 <a:r>
@@ -11533,6 +11636,10 @@
                   </a:rPr>
                   <a:t>Mode</a:t>
                 </a:r>
+                <a:endParaRPr lang="en-US" sz="2400" dirty="0">
+                  <a:latin typeface="Ubuntu" panose="020B0504030602030204" charset="0"/>
+                  <a:cs typeface="Ubuntu" panose="020B0504030602030204" charset="0"/>
+                </a:endParaRPr>
               </a:p>
               <a:p>
                 <a:r>
@@ -11542,6 +11649,10 @@
                   </a:rPr>
                   <a:t>Range</a:t>
                 </a:r>
+                <a:endParaRPr lang="en-US" sz="2400" dirty="0">
+                  <a:latin typeface="Ubuntu" panose="020B0504030602030204" charset="0"/>
+                  <a:cs typeface="Ubuntu" panose="020B0504030602030204" charset="0"/>
+                </a:endParaRPr>
               </a:p>
               <a:p>
                 <a:r>
@@ -11722,6 +11833,10 @@
                   </a:rPr>
                   <a:t>Standard Deviation</a:t>
                 </a:r>
+                <a:endParaRPr lang="en-US" sz="2400" dirty="0">
+                  <a:latin typeface="Ubuntu" panose="020B0504030602030204" charset="0"/>
+                  <a:cs typeface="Ubuntu" panose="020B0504030602030204" charset="0"/>
+                </a:endParaRPr>
               </a:p>
             </p:txBody>
           </p:sp>
@@ -11731,7 +11846,7 @@
             <p:nvSpPr>
               <p:cNvPr id="3" name="Content Placeholder 2"/>
               <p:cNvSpPr>
-                <a:spLocks noGrp="1" noRot="1" noChangeAspect="1" noMove="1" noResize="1" noEditPoints="1" noAdjustHandles="1" noChangeArrowheads="1" noChangeShapeType="1" noTextEdit="1"/>
+                <a:spLocks noRot="1" noChangeAspect="1" noMove="1" noResize="1" noEditPoints="1" noAdjustHandles="1" noChangeArrowheads="1" noChangeShapeType="1" noTextEdit="1"/>
               </p:cNvSpPr>
               <p:nvPr>
                 <p:ph idx="1"/>
@@ -11742,10 +11857,10 @@
                 <a:off x="609600" y="1600200"/>
                 <a:ext cx="10972800" cy="4525963"/>
               </a:xfrm>
-              <a:blipFill>
-                <a:blip r:embed="rId2"/>
+              <a:blipFill rotWithShape="1">
+                <a:blip r:embed="rId1"/>
                 <a:stretch>
-                  <a:fillRect l="-833" t="-1078"/>
+                  <a:fillRect b="7"/>
                 </a:stretch>
               </a:blipFill>
             </p:spPr>
@@ -11754,7 +11869,7 @@
               <a:lstStyle/>
               <a:p>
                 <a:r>
-                  <a:rPr lang="en-US">
+                  <a:rPr lang="en-US" altLang="en-US">
                     <a:noFill/>
                   </a:rPr>
                   <a:t> </a:t>
@@ -11765,17 +11880,12 @@
         </mc:Fallback>
       </mc:AlternateContent>
     </p:spTree>
-    <p:extLst>
-      <p:ext uri="{BB962C8B-B14F-4D97-AF65-F5344CB8AC3E}">
-        <p14:creationId xmlns:p14="http://schemas.microsoft.com/office/powerpoint/2010/main" val="1549202243"/>
-      </p:ext>
-    </p:extLst>
   </p:cSld>
   <p:clrMapOvr>
     <a:masterClrMapping/>
   </p:clrMapOvr>
-  <mc:AlternateContent xmlns:mc="http://schemas.openxmlformats.org/markup-compatibility/2006">
-    <mc:Choice xmlns:p159="http://schemas.microsoft.com/office/powerpoint/2015/09/main" Requires="p159">
+  <mc:AlternateContent xmlns:mc="http://schemas.openxmlformats.org/markup-compatibility/2006" xmlns:p159="http://schemas.microsoft.com/office/powerpoint/2015/09/main">
+    <mc:Choice Requires="p159">
       <p:transition xmlns:p14="http://schemas.microsoft.com/office/powerpoint/2010/main" spd="slow" p14:dur="2000">
         <p159:morph option="byObject"/>
       </p:transition>
@@ -11829,6 +11939,10 @@
               </a:rPr>
               <a:t>Exercise (solved) </a:t>
             </a:r>
+            <a:endParaRPr lang="en-US" dirty="0">
+              <a:latin typeface="Ubuntu" panose="020B0504030602030204" charset="0"/>
+              <a:cs typeface="Ubuntu" panose="020B0504030602030204" charset="0"/>
+            </a:endParaRPr>
           </a:p>
         </p:txBody>
       </p:sp>
@@ -11864,6 +11978,10 @@
                   </a:rPr>
                   <a:t>Calculate descriptive statistics for this sample data represents the ages of a group of individuals:</a:t>
                 </a:r>
+                <a:endParaRPr lang="en-US" sz="2400" dirty="0">
+                  <a:latin typeface="Ubuntu" panose="020B0504030602030204" charset="0"/>
+                  <a:cs typeface="Ubuntu" panose="020B0504030602030204" charset="0"/>
+                </a:endParaRPr>
               </a:p>
               <a:p>
                 <a:pPr marL="0" indent="0" algn="ctr">
@@ -11876,6 +11994,10 @@
                   </a:rPr>
                   <a:t>Age: 25, 32, 28, 45, 21, 30, 36, 40, 22, 29</a:t>
                 </a:r>
+                <a:endParaRPr lang="en-US" sz="2400" dirty="0">
+                  <a:latin typeface="Ubuntu" panose="020B0504030602030204" charset="0"/>
+                  <a:cs typeface="Ubuntu" panose="020B0504030602030204" charset="0"/>
+                </a:endParaRPr>
               </a:p>
               <a:p>
                 <a:r>
@@ -11885,6 +12007,10 @@
                   </a:rPr>
                   <a:t>Mean = 30.8</a:t>
                 </a:r>
+                <a:endParaRPr lang="en-US" sz="2400" dirty="0">
+                  <a:latin typeface="Ubuntu" panose="020B0504030602030204" charset="0"/>
+                  <a:cs typeface="Ubuntu" panose="020B0504030602030204" charset="0"/>
+                </a:endParaRPr>
               </a:p>
               <a:p>
                 <a:r>
@@ -11892,8 +12018,12 @@
                     <a:latin typeface="Ubuntu" panose="020B0504030602030204" charset="0"/>
                     <a:cs typeface="Ubuntu" panose="020B0504030602030204" charset="0"/>
                   </a:rPr>
-                  <a:t>Median = 30</a:t>
+                  <a:t>Median = 29.5</a:t>
                 </a:r>
+                <a:endParaRPr lang="en-US" sz="2400" dirty="0">
+                  <a:latin typeface="Ubuntu" panose="020B0504030602030204" charset="0"/>
+                  <a:cs typeface="Ubuntu" panose="020B0504030602030204" charset="0"/>
+                </a:endParaRPr>
               </a:p>
               <a:p>
                 <a:r>
@@ -11903,6 +12033,10 @@
                   </a:rPr>
                   <a:t>Mode = Ø</a:t>
                 </a:r>
+                <a:endParaRPr lang="en-US" sz="2400" dirty="0">
+                  <a:latin typeface="Ubuntu" panose="020B0504030602030204" charset="0"/>
+                  <a:cs typeface="Ubuntu" panose="020B0504030602030204" charset="0"/>
+                </a:endParaRPr>
               </a:p>
               <a:p>
                 <a:r>
@@ -11912,6 +12046,10 @@
                   </a:rPr>
                   <a:t>Range = 24</a:t>
                 </a:r>
+                <a:endParaRPr lang="en-US" sz="2400" dirty="0">
+                  <a:latin typeface="Ubuntu" panose="020B0504030602030204" charset="0"/>
+                  <a:cs typeface="Ubuntu" panose="020B0504030602030204" charset="0"/>
+                </a:endParaRPr>
               </a:p>
               <a:p>
                 <a:r>
@@ -11926,7 +12064,14 @@
                     <a:latin typeface="Ubuntu" panose="020B0504030602030204" charset="0"/>
                     <a:cs typeface="Ubuntu" panose="020B0504030602030204" charset="0"/>
                   </a:rPr>
-                  <a:t> [(25 - 30.8)^2 + (32 - 30.8)^2 + ... + (29 - 30.8)^2] / (n - 1) = 50.2</a:t>
+                  <a:t> [(25 - 30.8)^2 + (32 - 30.8)^2 + ... + (29 - 30.8)^2] / (n - 1) = 5</a:t>
+                </a:r>
+                <a:r>
+                  <a:rPr lang="en-US" altLang="pt-BR" sz="2400" dirty="0">
+                    <a:latin typeface="Ubuntu" panose="020B0504030602030204" charset="0"/>
+                    <a:cs typeface="Ubuntu" panose="020B0504030602030204" charset="0"/>
+                  </a:rPr>
+                  <a:t>3.36</a:t>
                 </a:r>
                 <a:endParaRPr lang="en-US" sz="2400" dirty="0">
                   <a:latin typeface="Ubuntu" panose="020B0504030602030204" charset="0"/>
@@ -11958,7 +12103,7 @@
                           <a:rPr lang="en-US" sz="2400" b="0" i="1" smtClean="0">
                             <a:latin typeface="Cambria Math" panose="02040503050406030204" pitchFamily="18" charset="0"/>
                           </a:rPr>
-                          <m:t>50</m:t>
+                          <m:t>53</m:t>
                         </m:r>
                         <m:r>
                           <a:rPr lang="en-US" sz="2400" b="0" i="1" smtClean="0">
@@ -11970,7 +12115,7 @@
                           <a:rPr lang="en-US" sz="2400" b="0" i="1" smtClean="0">
                             <a:latin typeface="Cambria Math" panose="02040503050406030204" pitchFamily="18" charset="0"/>
                           </a:rPr>
-                          <m:t>2</m:t>
+                          <m:t>36</m:t>
                         </m:r>
                       </m:e>
                     </m:rad>
@@ -11996,7 +12141,7 @@
                       <a:rPr lang="en-US" sz="2400" b="0" i="1" smtClean="0">
                         <a:latin typeface="Cambria Math" panose="02040503050406030204" pitchFamily="18" charset="0"/>
                       </a:rPr>
-                      <m:t>08</m:t>
+                      <m:t>3</m:t>
                     </m:r>
                   </m:oMath>
                 </a14:m>
@@ -12013,7 +12158,7 @@
             <p:nvSpPr>
               <p:cNvPr id="3" name="Content Placeholder 2"/>
               <p:cNvSpPr>
-                <a:spLocks noGrp="1" noRot="1" noChangeAspect="1" noMove="1" noResize="1" noEditPoints="1" noAdjustHandles="1" noChangeArrowheads="1" noChangeShapeType="1" noTextEdit="1"/>
+                <a:spLocks noRot="1" noChangeAspect="1" noMove="1" noResize="1" noEditPoints="1" noAdjustHandles="1" noChangeArrowheads="1" noChangeShapeType="1" noTextEdit="1"/>
               </p:cNvSpPr>
               <p:nvPr>
                 <p:ph idx="1"/>
@@ -12024,10 +12169,10 @@
                 <a:off x="609600" y="1600200"/>
                 <a:ext cx="10972800" cy="4525963"/>
               </a:xfrm>
-              <a:blipFill>
-                <a:blip r:embed="rId2"/>
+              <a:blipFill rotWithShape="1">
+                <a:blip r:embed="rId1"/>
                 <a:stretch>
-                  <a:fillRect l="-833" t="-1078"/>
+                  <a:fillRect b="7"/>
                 </a:stretch>
               </a:blipFill>
             </p:spPr>
@@ -12036,7 +12181,7 @@
               <a:lstStyle/>
               <a:p>
                 <a:r>
-                  <a:rPr lang="en-US">
+                  <a:rPr lang="en-US" altLang="en-US">
                     <a:noFill/>
                   </a:rPr>
                   <a:t> </a:t>
@@ -12047,11 +12192,6 @@
         </mc:Fallback>
       </mc:AlternateContent>
     </p:spTree>
-    <p:extLst>
-      <p:ext uri="{BB962C8B-B14F-4D97-AF65-F5344CB8AC3E}">
-        <p14:creationId xmlns:p14="http://schemas.microsoft.com/office/powerpoint/2010/main" val="606629449"/>
-      </p:ext>
-    </p:extLst>
   </p:cSld>
   <p:clrMapOvr>
     <a:masterClrMapping/>
@@ -12099,6 +12239,10 @@
               </a:rPr>
               <a:t>Outline</a:t>
             </a:r>
+            <a:endParaRPr lang="en-US">
+              <a:latin typeface="Ubuntu" panose="020B0504030602030204" charset="0"/>
+              <a:cs typeface="Ubuntu" panose="020B0504030602030204" charset="0"/>
+            </a:endParaRPr>
           </a:p>
         </p:txBody>
       </p:sp>
@@ -12133,6 +12277,15 @@
               </a:rPr>
               <a:t>Intro to Statistics </a:t>
             </a:r>
+            <a:endParaRPr lang="en-US" sz="2400" dirty="0">
+              <a:solidFill>
+                <a:schemeClr val="bg1">
+                  <a:lumMod val="65000"/>
+                </a:schemeClr>
+              </a:solidFill>
+              <a:latin typeface="Ubuntu" panose="020B0504030602030204" charset="0"/>
+              <a:cs typeface="Ubuntu" panose="020B0504030602030204" charset="0"/>
+            </a:endParaRPr>
           </a:p>
           <a:p>
             <a:pPr marL="457200" indent="-457200" algn="l">
@@ -12151,6 +12304,15 @@
               </a:rPr>
               <a:t>Types of Data</a:t>
             </a:r>
+            <a:endParaRPr lang="en-US" sz="2400" dirty="0">
+              <a:solidFill>
+                <a:schemeClr val="bg1">
+                  <a:lumMod val="65000"/>
+                </a:schemeClr>
+              </a:solidFill>
+              <a:latin typeface="Ubuntu" panose="020B0504030602030204" charset="0"/>
+              <a:cs typeface="Ubuntu" panose="020B0504030602030204" charset="0"/>
+            </a:endParaRPr>
           </a:p>
           <a:p>
             <a:pPr marL="457200" indent="-457200" algn="l">
@@ -12169,6 +12331,15 @@
               </a:rPr>
               <a:t>Measure Data Quality using Statistics</a:t>
             </a:r>
+            <a:endParaRPr lang="en-US" sz="2400" dirty="0">
+              <a:solidFill>
+                <a:schemeClr val="bg1">
+                  <a:lumMod val="65000"/>
+                </a:schemeClr>
+              </a:solidFill>
+              <a:latin typeface="Ubuntu" panose="020B0504030602030204" charset="0"/>
+              <a:cs typeface="Ubuntu" panose="020B0504030602030204" charset="0"/>
+            </a:endParaRPr>
           </a:p>
           <a:p>
             <a:pPr marL="457200" indent="-457200" algn="l">
@@ -12217,20 +12388,15 @@
         </p:txBody>
       </p:sp>
     </p:spTree>
-    <p:extLst>
-      <p:ext uri="{BB962C8B-B14F-4D97-AF65-F5344CB8AC3E}">
-        <p14:creationId xmlns:p14="http://schemas.microsoft.com/office/powerpoint/2010/main" val="4205158709"/>
-      </p:ext>
-    </p:extLst>
   </p:cSld>
   <p:clrMapOvr>
     <a:masterClrMapping/>
   </p:clrMapOvr>
-  <mc:AlternateContent xmlns:mc="http://schemas.openxmlformats.org/markup-compatibility/2006" xmlns:p14="http://schemas.microsoft.com/office/powerpoint/2010/main">
-    <mc:Choice Requires="p14">
+  <mc:AlternateContent xmlns:mc="http://schemas.openxmlformats.org/markup-compatibility/2006">
+    <mc:Choice xmlns:p14="http://schemas.microsoft.com/office/powerpoint/2010/main" Requires="p14">
       <p:transition spd="slow" p14:dur="1200"/>
     </mc:Choice>
-    <mc:Fallback xmlns="">
+    <mc:Fallback>
       <p:transition spd="slow"/>
     </mc:Fallback>
   </mc:AlternateContent>
@@ -12277,6 +12443,10 @@
               </a:rPr>
               <a:t>Outline</a:t>
             </a:r>
+            <a:endParaRPr lang="en-US">
+              <a:latin typeface="Ubuntu" panose="020B0504030602030204" charset="0"/>
+              <a:cs typeface="Ubuntu" panose="020B0504030602030204" charset="0"/>
+            </a:endParaRPr>
           </a:p>
         </p:txBody>
       </p:sp>
@@ -12306,6 +12476,10 @@
               </a:rPr>
               <a:t>Intro to Statistics </a:t>
             </a:r>
+            <a:endParaRPr lang="en-US" sz="2400" dirty="0">
+              <a:latin typeface="Ubuntu" panose="020B0504030602030204" charset="0"/>
+              <a:cs typeface="Ubuntu" panose="020B0504030602030204" charset="0"/>
+            </a:endParaRPr>
           </a:p>
           <a:p>
             <a:pPr marL="457200" indent="-457200" algn="l">
@@ -12319,6 +12493,10 @@
               </a:rPr>
               <a:t>Types of Data</a:t>
             </a:r>
+            <a:endParaRPr lang="en-US" sz="2400" dirty="0">
+              <a:latin typeface="Ubuntu" panose="020B0504030602030204" charset="0"/>
+              <a:cs typeface="Ubuntu" panose="020B0504030602030204" charset="0"/>
+            </a:endParaRPr>
           </a:p>
           <a:p>
             <a:pPr marL="457200" indent="-457200" algn="l">
@@ -12332,6 +12510,10 @@
               </a:rPr>
               <a:t>Measure Data Quality using Statistics</a:t>
             </a:r>
+            <a:endParaRPr lang="en-US" sz="2400" dirty="0">
+              <a:latin typeface="Ubuntu" panose="020B0504030602030204" charset="0"/>
+              <a:cs typeface="Ubuntu" panose="020B0504030602030204" charset="0"/>
+            </a:endParaRPr>
           </a:p>
           <a:p>
             <a:pPr marL="457200" indent="-457200" algn="l">
@@ -12374,11 +12556,11 @@
   <p:clrMapOvr>
     <a:masterClrMapping/>
   </p:clrMapOvr>
-  <mc:AlternateContent xmlns:mc="http://schemas.openxmlformats.org/markup-compatibility/2006" xmlns:p14="http://schemas.microsoft.com/office/powerpoint/2010/main">
-    <mc:Choice Requires="p14">
+  <mc:AlternateContent xmlns:mc="http://schemas.openxmlformats.org/markup-compatibility/2006">
+    <mc:Choice xmlns:p14="http://schemas.microsoft.com/office/powerpoint/2010/main" Requires="p14">
       <p:transition spd="slow" p14:dur="1200"/>
     </mc:Choice>
-    <mc:Fallback xmlns="">
+    <mc:Fallback>
       <p:transition spd="slow"/>
     </mc:Fallback>
   </mc:AlternateContent>
@@ -12425,6 +12607,10 @@
               </a:rPr>
               <a:t>Goal of Graphing data </a:t>
             </a:r>
+            <a:endParaRPr lang="en-US" dirty="0">
+              <a:latin typeface="Ubuntu" panose="020B0504030602030204" charset="0"/>
+              <a:cs typeface="Ubuntu" panose="020B0504030602030204" charset="0"/>
+            </a:endParaRPr>
           </a:p>
         </p:txBody>
       </p:sp>
@@ -12455,6 +12641,10 @@
               </a:rPr>
               <a:t>Presentation of Descriptive Statistics.</a:t>
             </a:r>
+            <a:endParaRPr lang="en-US" sz="2400" dirty="0">
+              <a:latin typeface="Ubuntu" panose="020B0504030602030204" charset="0"/>
+              <a:cs typeface="Ubuntu" panose="020B0504030602030204" charset="0"/>
+            </a:endParaRPr>
           </a:p>
           <a:p>
             <a:r>
@@ -12464,6 +12654,10 @@
               </a:rPr>
               <a:t>Presentation of Evidence.</a:t>
             </a:r>
+            <a:endParaRPr lang="en-US" sz="2400" dirty="0">
+              <a:latin typeface="Ubuntu" panose="020B0504030602030204" charset="0"/>
+              <a:cs typeface="Ubuntu" panose="020B0504030602030204" charset="0"/>
+            </a:endParaRPr>
           </a:p>
           <a:p>
             <a:r>
@@ -12473,6 +12667,10 @@
               </a:rPr>
               <a:t>Some people understand subject matter better with visual aids.</a:t>
             </a:r>
+            <a:endParaRPr lang="en-US" sz="2400" dirty="0">
+              <a:latin typeface="Ubuntu" panose="020B0504030602030204" charset="0"/>
+              <a:cs typeface="Ubuntu" panose="020B0504030602030204" charset="0"/>
+            </a:endParaRPr>
           </a:p>
           <a:p>
             <a:r>
@@ -12482,21 +12680,20 @@
               </a:rPr>
               <a:t>Provide a sense of the underlying data generating process (scatter-plots).</a:t>
             </a:r>
+            <a:endParaRPr lang="en-US" sz="2400" dirty="0">
+              <a:latin typeface="Ubuntu" panose="020B0504030602030204" charset="0"/>
+              <a:cs typeface="Ubuntu" panose="020B0504030602030204" charset="0"/>
+            </a:endParaRPr>
           </a:p>
         </p:txBody>
       </p:sp>
     </p:spTree>
-    <p:extLst>
-      <p:ext uri="{BB962C8B-B14F-4D97-AF65-F5344CB8AC3E}">
-        <p14:creationId xmlns:p14="http://schemas.microsoft.com/office/powerpoint/2010/main" val="2277496980"/>
-      </p:ext>
-    </p:extLst>
   </p:cSld>
   <p:clrMapOvr>
     <a:masterClrMapping/>
   </p:clrMapOvr>
-  <mc:AlternateContent xmlns:mc="http://schemas.openxmlformats.org/markup-compatibility/2006">
-    <mc:Choice xmlns:p159="http://schemas.microsoft.com/office/powerpoint/2015/09/main" Requires="p159">
+  <mc:AlternateContent xmlns:mc="http://schemas.openxmlformats.org/markup-compatibility/2006" xmlns:p159="http://schemas.microsoft.com/office/powerpoint/2015/09/main">
+    <mc:Choice Requires="p159">
       <p:transition xmlns:p14="http://schemas.microsoft.com/office/powerpoint/2010/main" spd="slow" p14:dur="2000">
         <p159:morph option="byObject"/>
       </p:transition>
@@ -12779,6 +12976,10 @@
               </a:rPr>
               <a:t>Graphing Data (Visualization)</a:t>
             </a:r>
+            <a:endParaRPr lang="en-US" dirty="0">
+              <a:latin typeface="Ubuntu" panose="020B0504030602030204" charset="0"/>
+              <a:cs typeface="Ubuntu" panose="020B0504030602030204" charset="0"/>
+            </a:endParaRPr>
           </a:p>
         </p:txBody>
       </p:sp>
@@ -12834,6 +13035,10 @@
               </a:rPr>
               <a:t>used to compare two or more values in a category and how multiple pieces of data relate to each other.</a:t>
             </a:r>
+            <a:endParaRPr lang="en-US" sz="2000" dirty="0">
+              <a:latin typeface="Ubuntu" panose="020B0504030602030204" charset="0"/>
+              <a:cs typeface="Ubuntu" panose="020B0504030602030204" charset="0"/>
+            </a:endParaRPr>
           </a:p>
           <a:p>
             <a:pPr marL="457200" indent="-457200">
@@ -12882,6 +13087,10 @@
               </a:rPr>
               <a:t>.</a:t>
             </a:r>
+            <a:endParaRPr lang="en-US" sz="2000" dirty="0">
+              <a:latin typeface="Ubuntu" panose="020B0504030602030204" charset="0"/>
+              <a:cs typeface="Ubuntu" panose="020B0504030602030204" charset="0"/>
+            </a:endParaRPr>
           </a:p>
           <a:p>
             <a:pPr marL="457200" indent="-457200">
@@ -12902,6 +13111,10 @@
               </a:rPr>
               <a:t>is used to show the relationship (correlation) between data points in a compact visual form.</a:t>
             </a:r>
+            <a:endParaRPr lang="en-US" sz="2000" dirty="0">
+              <a:latin typeface="Ubuntu" panose="020B0504030602030204" charset="0"/>
+              <a:cs typeface="Ubuntu" panose="020B0504030602030204" charset="0"/>
+            </a:endParaRPr>
           </a:p>
           <a:p>
             <a:pPr marL="457200" indent="-457200">
@@ -12946,6 +13159,10 @@
               </a:rPr>
               <a:t>is used to compare the parts of a whole.</a:t>
             </a:r>
+            <a:endParaRPr lang="en-US" sz="2000" dirty="0">
+              <a:latin typeface="Ubuntu" panose="020B0504030602030204" charset="0"/>
+              <a:cs typeface="Ubuntu" panose="020B0504030602030204" charset="0"/>
+            </a:endParaRPr>
           </a:p>
           <a:p>
             <a:pPr marL="457200" indent="-457200">
@@ -12966,6 +13183,10 @@
               </a:rPr>
               <a:t>is used to represent how data moves through different steps or stages in a process.</a:t>
             </a:r>
+            <a:endParaRPr lang="en-US" sz="2000" dirty="0">
+              <a:latin typeface="Ubuntu" panose="020B0504030602030204" charset="0"/>
+              <a:cs typeface="Ubuntu" panose="020B0504030602030204" charset="0"/>
+            </a:endParaRPr>
           </a:p>
           <a:p>
             <a:pPr marL="457200" indent="-457200">
@@ -12986,6 +13207,10 @@
               </a:rPr>
               <a:t>is used to represent data over a certain time or interval.</a:t>
             </a:r>
+            <a:endParaRPr lang="en-US" sz="2000" dirty="0">
+              <a:latin typeface="Ubuntu" panose="020B0504030602030204" charset="0"/>
+              <a:cs typeface="Ubuntu" panose="020B0504030602030204" charset="0"/>
+            </a:endParaRPr>
           </a:p>
           <a:p>
             <a:pPr marL="457200" indent="-457200">
@@ -13000,17 +13225,12 @@
         </p:txBody>
       </p:sp>
     </p:spTree>
-    <p:extLst>
-      <p:ext uri="{BB962C8B-B14F-4D97-AF65-F5344CB8AC3E}">
-        <p14:creationId xmlns:p14="http://schemas.microsoft.com/office/powerpoint/2010/main" val="1836897689"/>
-      </p:ext>
-    </p:extLst>
   </p:cSld>
   <p:clrMapOvr>
     <a:masterClrMapping/>
   </p:clrMapOvr>
-  <mc:AlternateContent xmlns:mc="http://schemas.openxmlformats.org/markup-compatibility/2006">
-    <mc:Choice xmlns:p159="http://schemas.microsoft.com/office/powerpoint/2015/09/main" Requires="p159">
+  <mc:AlternateContent xmlns:mc="http://schemas.openxmlformats.org/markup-compatibility/2006" xmlns:p159="http://schemas.microsoft.com/office/powerpoint/2015/09/main">
+    <mc:Choice Requires="p159">
       <p:transition xmlns:p14="http://schemas.microsoft.com/office/powerpoint/2010/main" spd="slow" p14:dur="2000">
         <p159:morph option="byObject"/>
       </p:transition>
@@ -13454,6 +13674,10 @@
               </a:rPr>
               <a:t>)</a:t>
             </a:r>
+            <a:endParaRPr lang="en-US" dirty="0">
+              <a:latin typeface="Ubuntu" panose="020B0504030602030204" charset="0"/>
+              <a:cs typeface="Ubuntu" panose="020B0504030602030204" charset="0"/>
+            </a:endParaRPr>
           </a:p>
         </p:txBody>
       </p:sp>
@@ -13508,25 +13732,23 @@
               </a:rPr>
               <a:t>used to compare two or more values in a category and how multiple pieces of data relate to each other.</a:t>
             </a:r>
+            <a:endParaRPr lang="en-US" sz="2400" dirty="0">
+              <a:latin typeface="Ubuntu" panose="020B0504030602030204" charset="0"/>
+              <a:cs typeface="Ubuntu" panose="020B0504030602030204" charset="0"/>
+            </a:endParaRPr>
           </a:p>
         </p:txBody>
       </p:sp>
       <p:pic>
         <p:nvPicPr>
-          <p:cNvPr id="7" name="Picture 6" descr="A screenshot of a graph&#10;&#10;Description automatically generated">
-            <a:extLst>
-              <a:ext uri="{FF2B5EF4-FFF2-40B4-BE49-F238E27FC236}">
-                <a16:creationId xmlns:a16="http://schemas.microsoft.com/office/drawing/2014/main" id="{1786F138-58F3-2E35-7C9A-8CC6A3295F00}"/>
-              </a:ext>
-            </a:extLst>
-          </p:cNvPr>
+          <p:cNvPr id="7" name="Picture 6" descr="A screenshot of a graph&#10;&#10;Description automatically generated"/>
           <p:cNvPicPr>
             <a:picLocks noChangeAspect="1"/>
           </p:cNvPicPr>
           <p:nvPr/>
         </p:nvPicPr>
         <p:blipFill>
-          <a:blip r:embed="rId2">
+          <a:blip r:embed="rId1">
             <a:extLst>
               <a:ext uri="{28A0092B-C50C-407E-A947-70E740481C1C}">
                 <a14:useLocalDpi xmlns:a14="http://schemas.microsoft.com/office/drawing/2010/main" val="0"/>
@@ -13548,17 +13770,12 @@
         </p:spPr>
       </p:pic>
     </p:spTree>
-    <p:extLst>
-      <p:ext uri="{BB962C8B-B14F-4D97-AF65-F5344CB8AC3E}">
-        <p14:creationId xmlns:p14="http://schemas.microsoft.com/office/powerpoint/2010/main" val="2020099297"/>
-      </p:ext>
-    </p:extLst>
   </p:cSld>
   <p:clrMapOvr>
     <a:masterClrMapping/>
   </p:clrMapOvr>
-  <mc:AlternateContent xmlns:mc="http://schemas.openxmlformats.org/markup-compatibility/2006">
-    <mc:Choice xmlns:p159="http://schemas.microsoft.com/office/powerpoint/2015/09/main" Requires="p159">
+  <mc:AlternateContent xmlns:mc="http://schemas.openxmlformats.org/markup-compatibility/2006" xmlns:p159="http://schemas.microsoft.com/office/powerpoint/2015/09/main">
+    <mc:Choice Requires="p159">
       <p:transition xmlns:p14="http://schemas.microsoft.com/office/powerpoint/2010/main" spd="slow" p14:dur="2000">
         <p159:morph option="byObject"/>
       </p:transition>
@@ -13626,6 +13843,10 @@
               </a:rPr>
               <a:t>)</a:t>
             </a:r>
+            <a:endParaRPr lang="en-US" dirty="0">
+              <a:latin typeface="Ubuntu" panose="020B0504030602030204" charset="0"/>
+              <a:cs typeface="Ubuntu" panose="020B0504030602030204" charset="0"/>
+            </a:endParaRPr>
           </a:p>
         </p:txBody>
       </p:sp>
@@ -13694,25 +13915,23 @@
               </a:rPr>
               <a:t>.</a:t>
             </a:r>
+            <a:endParaRPr lang="en-US" sz="2400" dirty="0">
+              <a:latin typeface="Ubuntu" panose="020B0504030602030204" charset="0"/>
+              <a:cs typeface="Ubuntu" panose="020B0504030602030204" charset="0"/>
+            </a:endParaRPr>
           </a:p>
         </p:txBody>
       </p:sp>
       <p:pic>
         <p:nvPicPr>
-          <p:cNvPr id="5" name="Picture 4" descr="A graph of different colored lines and numbers&#10;&#10;Description automatically generated">
-            <a:extLst>
-              <a:ext uri="{FF2B5EF4-FFF2-40B4-BE49-F238E27FC236}">
-                <a16:creationId xmlns:a16="http://schemas.microsoft.com/office/drawing/2014/main" id="{020944CA-0CA9-DA46-C618-E63B79E1CB71}"/>
-              </a:ext>
-            </a:extLst>
-          </p:cNvPr>
+          <p:cNvPr id="5" name="Picture 4" descr="A graph of different colored lines and numbers&#10;&#10;Description automatically generated"/>
           <p:cNvPicPr>
             <a:picLocks noChangeAspect="1"/>
           </p:cNvPicPr>
           <p:nvPr/>
         </p:nvPicPr>
         <p:blipFill>
-          <a:blip r:embed="rId2">
+          <a:blip r:embed="rId1">
             <a:extLst>
               <a:ext uri="{28A0092B-C50C-407E-A947-70E740481C1C}">
                 <a14:useLocalDpi xmlns:a14="http://schemas.microsoft.com/office/drawing/2010/main" val="0"/>
@@ -13734,17 +13953,12 @@
         </p:spPr>
       </p:pic>
     </p:spTree>
-    <p:extLst>
-      <p:ext uri="{BB962C8B-B14F-4D97-AF65-F5344CB8AC3E}">
-        <p14:creationId xmlns:p14="http://schemas.microsoft.com/office/powerpoint/2010/main" val="3740554422"/>
-      </p:ext>
-    </p:extLst>
   </p:cSld>
   <p:clrMapOvr>
     <a:masterClrMapping/>
   </p:clrMapOvr>
-  <mc:AlternateContent xmlns:mc="http://schemas.openxmlformats.org/markup-compatibility/2006">
-    <mc:Choice xmlns:p159="http://schemas.microsoft.com/office/powerpoint/2015/09/main" Requires="p159">
+  <mc:AlternateContent xmlns:mc="http://schemas.openxmlformats.org/markup-compatibility/2006" xmlns:p159="http://schemas.microsoft.com/office/powerpoint/2015/09/main">
+    <mc:Choice Requires="p159">
       <p:transition xmlns:p14="http://schemas.microsoft.com/office/powerpoint/2010/main" spd="slow" p14:dur="2000">
         <p159:morph option="byObject"/>
       </p:transition>
@@ -13812,6 +14026,10 @@
               </a:rPr>
               <a:t>)</a:t>
             </a:r>
+            <a:endParaRPr lang="en-US" dirty="0">
+              <a:latin typeface="Ubuntu" panose="020B0504030602030204" charset="0"/>
+              <a:cs typeface="Ubuntu" panose="020B0504030602030204" charset="0"/>
+            </a:endParaRPr>
           </a:p>
         </p:txBody>
       </p:sp>
@@ -13852,25 +14070,23 @@
               </a:rPr>
               <a:t>is used to show the relationship (correlation) between data points in a compact visual form.</a:t>
             </a:r>
+            <a:endParaRPr lang="en-US" sz="2400" dirty="0">
+              <a:latin typeface="Ubuntu" panose="020B0504030602030204" charset="0"/>
+              <a:cs typeface="Ubuntu" panose="020B0504030602030204" charset="0"/>
+            </a:endParaRPr>
           </a:p>
         </p:txBody>
       </p:sp>
       <p:pic>
         <p:nvPicPr>
-          <p:cNvPr id="8" name="Picture 7" descr="A graph with green dots&#10;&#10;Description automatically generated">
-            <a:extLst>
-              <a:ext uri="{FF2B5EF4-FFF2-40B4-BE49-F238E27FC236}">
-                <a16:creationId xmlns:a16="http://schemas.microsoft.com/office/drawing/2014/main" id="{C84ED5E0-215F-9376-4A44-907A9A9701AD}"/>
-              </a:ext>
-            </a:extLst>
-          </p:cNvPr>
+          <p:cNvPr id="8" name="Picture 7" descr="A graph with green dots&#10;&#10;Description automatically generated"/>
           <p:cNvPicPr>
             <a:picLocks noChangeAspect="1"/>
           </p:cNvPicPr>
           <p:nvPr/>
         </p:nvPicPr>
         <p:blipFill>
-          <a:blip r:embed="rId2" cstate="print">
+          <a:blip r:embed="rId1" cstate="print">
             <a:extLst>
               <a:ext uri="{28A0092B-C50C-407E-A947-70E740481C1C}">
                 <a14:useLocalDpi xmlns:a14="http://schemas.microsoft.com/office/drawing/2010/main" val="0"/>
@@ -13892,17 +14108,12 @@
         </p:spPr>
       </p:pic>
     </p:spTree>
-    <p:extLst>
-      <p:ext uri="{BB962C8B-B14F-4D97-AF65-F5344CB8AC3E}">
-        <p14:creationId xmlns:p14="http://schemas.microsoft.com/office/powerpoint/2010/main" val="2028324336"/>
-      </p:ext>
-    </p:extLst>
   </p:cSld>
   <p:clrMapOvr>
     <a:masterClrMapping/>
   </p:clrMapOvr>
-  <mc:AlternateContent xmlns:mc="http://schemas.openxmlformats.org/markup-compatibility/2006">
-    <mc:Choice xmlns:p159="http://schemas.microsoft.com/office/powerpoint/2015/09/main" Requires="p159">
+  <mc:AlternateContent xmlns:mc="http://schemas.openxmlformats.org/markup-compatibility/2006" xmlns:p159="http://schemas.microsoft.com/office/powerpoint/2015/09/main">
+    <mc:Choice Requires="p159">
       <p:transition xmlns:p14="http://schemas.microsoft.com/office/powerpoint/2010/main" spd="slow" p14:dur="2000">
         <p159:morph option="byObject"/>
       </p:transition>
@@ -13970,6 +14181,10 @@
               </a:rPr>
               <a:t>)</a:t>
             </a:r>
+            <a:endParaRPr lang="en-US" dirty="0">
+              <a:latin typeface="Ubuntu" panose="020B0504030602030204" charset="0"/>
+              <a:cs typeface="Ubuntu" panose="020B0504030602030204" charset="0"/>
+            </a:endParaRPr>
           </a:p>
         </p:txBody>
       </p:sp>
@@ -14010,25 +14225,23 @@
               </a:rPr>
               <a:t>is used to show the relationship (correlation) between data points in a compact visual form.</a:t>
             </a:r>
+            <a:endParaRPr lang="en-US" sz="2400" dirty="0">
+              <a:latin typeface="Ubuntu" panose="020B0504030602030204" charset="0"/>
+              <a:cs typeface="Ubuntu" panose="020B0504030602030204" charset="0"/>
+            </a:endParaRPr>
           </a:p>
         </p:txBody>
       </p:sp>
       <p:pic>
         <p:nvPicPr>
-          <p:cNvPr id="7" name="Picture 6">
-            <a:extLst>
-              <a:ext uri="{FF2B5EF4-FFF2-40B4-BE49-F238E27FC236}">
-                <a16:creationId xmlns:a16="http://schemas.microsoft.com/office/drawing/2014/main" id="{003C8792-C3B9-62C2-9557-40E246DC60DC}"/>
-              </a:ext>
-            </a:extLst>
-          </p:cNvPr>
+          <p:cNvPr id="7" name="Picture 6"/>
           <p:cNvPicPr>
             <a:picLocks noChangeAspect="1"/>
           </p:cNvPicPr>
           <p:nvPr/>
         </p:nvPicPr>
         <p:blipFill rotWithShape="1">
-          <a:blip r:embed="rId2">
+          <a:blip r:embed="rId1">
             <a:extLst>
               <a:ext uri="{28A0092B-C50C-407E-A947-70E740481C1C}">
                 <a14:useLocalDpi xmlns:a14="http://schemas.microsoft.com/office/drawing/2010/main" val="0"/>
@@ -14036,7 +14249,9 @@
             </a:extLst>
           </a:blip>
           <a:srcRect t="8149"/>
-          <a:stretch/>
+          <a:stretch>
+            <a:fillRect/>
+          </a:stretch>
         </p:blipFill>
         <p:spPr>
           <a:xfrm>
@@ -14049,17 +14264,12 @@
         </p:spPr>
       </p:pic>
     </p:spTree>
-    <p:extLst>
-      <p:ext uri="{BB962C8B-B14F-4D97-AF65-F5344CB8AC3E}">
-        <p14:creationId xmlns:p14="http://schemas.microsoft.com/office/powerpoint/2010/main" val="2311015500"/>
-      </p:ext>
-    </p:extLst>
   </p:cSld>
   <p:clrMapOvr>
     <a:masterClrMapping/>
   </p:clrMapOvr>
-  <mc:AlternateContent xmlns:mc="http://schemas.openxmlformats.org/markup-compatibility/2006">
-    <mc:Choice xmlns:p159="http://schemas.microsoft.com/office/powerpoint/2015/09/main" Requires="p159">
+  <mc:AlternateContent xmlns:mc="http://schemas.openxmlformats.org/markup-compatibility/2006" xmlns:p159="http://schemas.microsoft.com/office/powerpoint/2015/09/main">
+    <mc:Choice Requires="p159">
       <p:transition xmlns:p14="http://schemas.microsoft.com/office/powerpoint/2010/main" spd="slow" p14:dur="2000">
         <p159:morph option="byObject"/>
       </p:transition>
@@ -14127,6 +14337,10 @@
               </a:rPr>
               <a:t>)</a:t>
             </a:r>
+            <a:endParaRPr lang="en-US" dirty="0">
+              <a:latin typeface="Ubuntu" panose="020B0504030602030204" charset="0"/>
+              <a:cs typeface="Ubuntu" panose="020B0504030602030204" charset="0"/>
+            </a:endParaRPr>
           </a:p>
         </p:txBody>
       </p:sp>
@@ -14176,20 +14390,14 @@
       </p:sp>
       <p:pic>
         <p:nvPicPr>
-          <p:cNvPr id="5" name="Picture 4" descr="A diagram of a number of numbers and a red square&#10;&#10;Description automatically generated with medium confidence">
-            <a:extLst>
-              <a:ext uri="{FF2B5EF4-FFF2-40B4-BE49-F238E27FC236}">
-                <a16:creationId xmlns:a16="http://schemas.microsoft.com/office/drawing/2014/main" id="{C1495F2B-DA68-F7EB-14CD-D59C939616A9}"/>
-              </a:ext>
-            </a:extLst>
-          </p:cNvPr>
+          <p:cNvPr id="5" name="Picture 4" descr="A diagram of a number of numbers and a red square&#10;&#10;Description automatically generated with medium confidence"/>
           <p:cNvPicPr>
             <a:picLocks noChangeAspect="1"/>
           </p:cNvPicPr>
           <p:nvPr/>
         </p:nvPicPr>
         <p:blipFill>
-          <a:blip r:embed="rId2" cstate="print">
+          <a:blip r:embed="rId1" cstate="print">
             <a:extLst>
               <a:ext uri="{28A0092B-C50C-407E-A947-70E740481C1C}">
                 <a14:useLocalDpi xmlns:a14="http://schemas.microsoft.com/office/drawing/2010/main" val="0"/>
@@ -14211,17 +14419,12 @@
         </p:spPr>
       </p:pic>
     </p:spTree>
-    <p:extLst>
-      <p:ext uri="{BB962C8B-B14F-4D97-AF65-F5344CB8AC3E}">
-        <p14:creationId xmlns:p14="http://schemas.microsoft.com/office/powerpoint/2010/main" val="2342217012"/>
-      </p:ext>
-    </p:extLst>
   </p:cSld>
   <p:clrMapOvr>
     <a:masterClrMapping/>
   </p:clrMapOvr>
-  <mc:AlternateContent xmlns:mc="http://schemas.openxmlformats.org/markup-compatibility/2006">
-    <mc:Choice xmlns:p159="http://schemas.microsoft.com/office/powerpoint/2015/09/main" Requires="p159">
+  <mc:AlternateContent xmlns:mc="http://schemas.openxmlformats.org/markup-compatibility/2006" xmlns:p159="http://schemas.microsoft.com/office/powerpoint/2015/09/main">
+    <mc:Choice Requires="p159">
       <p:transition xmlns:p14="http://schemas.microsoft.com/office/powerpoint/2010/main" spd="slow" p14:dur="2000">
         <p159:morph option="byObject"/>
       </p:transition>
@@ -14289,6 +14492,10 @@
               </a:rPr>
               <a:t>)</a:t>
             </a:r>
+            <a:endParaRPr lang="en-US" dirty="0">
+              <a:latin typeface="Ubuntu" panose="020B0504030602030204" charset="0"/>
+              <a:cs typeface="Ubuntu" panose="020B0504030602030204" charset="0"/>
+            </a:endParaRPr>
           </a:p>
         </p:txBody>
       </p:sp>
@@ -14329,25 +14536,23 @@
               </a:rPr>
               <a:t>is used to compare the parts of a whole.</a:t>
             </a:r>
+            <a:endParaRPr lang="en-US" sz="2400" dirty="0">
+              <a:latin typeface="Ubuntu" panose="020B0504030602030204" charset="0"/>
+              <a:cs typeface="Ubuntu" panose="020B0504030602030204" charset="0"/>
+            </a:endParaRPr>
           </a:p>
         </p:txBody>
       </p:sp>
       <p:pic>
         <p:nvPicPr>
-          <p:cNvPr id="6" name="Picture 5" descr="A pie chart with numbers and text&#10;&#10;Description automatically generated">
-            <a:extLst>
-              <a:ext uri="{FF2B5EF4-FFF2-40B4-BE49-F238E27FC236}">
-                <a16:creationId xmlns:a16="http://schemas.microsoft.com/office/drawing/2014/main" id="{52814881-D16C-1FE7-723E-7035FB869A12}"/>
-              </a:ext>
-            </a:extLst>
-          </p:cNvPr>
+          <p:cNvPr id="6" name="Picture 5" descr="A pie chart with numbers and text&#10;&#10;Description automatically generated"/>
           <p:cNvPicPr>
             <a:picLocks noChangeAspect="1"/>
           </p:cNvPicPr>
           <p:nvPr/>
         </p:nvPicPr>
         <p:blipFill>
-          <a:blip r:embed="rId2">
+          <a:blip r:embed="rId1">
             <a:extLst>
               <a:ext uri="{28A0092B-C50C-407E-A947-70E740481C1C}">
                 <a14:useLocalDpi xmlns:a14="http://schemas.microsoft.com/office/drawing/2010/main" val="0"/>
@@ -14369,17 +14574,12 @@
         </p:spPr>
       </p:pic>
     </p:spTree>
-    <p:extLst>
-      <p:ext uri="{BB962C8B-B14F-4D97-AF65-F5344CB8AC3E}">
-        <p14:creationId xmlns:p14="http://schemas.microsoft.com/office/powerpoint/2010/main" val="3305884898"/>
-      </p:ext>
-    </p:extLst>
   </p:cSld>
   <p:clrMapOvr>
     <a:masterClrMapping/>
   </p:clrMapOvr>
-  <mc:AlternateContent xmlns:mc="http://schemas.openxmlformats.org/markup-compatibility/2006">
-    <mc:Choice xmlns:p159="http://schemas.microsoft.com/office/powerpoint/2015/09/main" Requires="p159">
+  <mc:AlternateContent xmlns:mc="http://schemas.openxmlformats.org/markup-compatibility/2006" xmlns:p159="http://schemas.microsoft.com/office/powerpoint/2015/09/main">
+    <mc:Choice Requires="p159">
       <p:transition xmlns:p14="http://schemas.microsoft.com/office/powerpoint/2010/main" spd="slow" p14:dur="2000">
         <p159:morph option="byObject"/>
       </p:transition>
@@ -14447,6 +14647,10 @@
               </a:rPr>
               <a:t>)</a:t>
             </a:r>
+            <a:endParaRPr lang="en-US" dirty="0">
+              <a:latin typeface="Ubuntu" panose="020B0504030602030204" charset="0"/>
+              <a:cs typeface="Ubuntu" panose="020B0504030602030204" charset="0"/>
+            </a:endParaRPr>
           </a:p>
         </p:txBody>
       </p:sp>
@@ -14487,25 +14691,23 @@
               </a:rPr>
               <a:t>is used to represent how data moves through different steps or stages in a process.</a:t>
             </a:r>
+            <a:endParaRPr lang="en-US" sz="2400" dirty="0">
+              <a:latin typeface="Ubuntu" panose="020B0504030602030204" charset="0"/>
+              <a:cs typeface="Ubuntu" panose="020B0504030602030204" charset="0"/>
+            </a:endParaRPr>
           </a:p>
         </p:txBody>
       </p:sp>
       <p:pic>
         <p:nvPicPr>
-          <p:cNvPr id="5" name="Picture 4" descr="A screenshot of a graph&#10;&#10;Description automatically generated">
-            <a:extLst>
-              <a:ext uri="{FF2B5EF4-FFF2-40B4-BE49-F238E27FC236}">
-                <a16:creationId xmlns:a16="http://schemas.microsoft.com/office/drawing/2014/main" id="{0B1D8B8C-487A-5597-2222-A55C8A355330}"/>
-              </a:ext>
-            </a:extLst>
-          </p:cNvPr>
+          <p:cNvPr id="5" name="Picture 4" descr="A screenshot of a graph&#10;&#10;Description automatically generated"/>
           <p:cNvPicPr>
             <a:picLocks noChangeAspect="1"/>
           </p:cNvPicPr>
           <p:nvPr/>
         </p:nvPicPr>
         <p:blipFill>
-          <a:blip r:embed="rId2">
+          <a:blip r:embed="rId1">
             <a:extLst>
               <a:ext uri="{28A0092B-C50C-407E-A947-70E740481C1C}">
                 <a14:useLocalDpi xmlns:a14="http://schemas.microsoft.com/office/drawing/2010/main" val="0"/>
@@ -14527,17 +14729,12 @@
         </p:spPr>
       </p:pic>
     </p:spTree>
-    <p:extLst>
-      <p:ext uri="{BB962C8B-B14F-4D97-AF65-F5344CB8AC3E}">
-        <p14:creationId xmlns:p14="http://schemas.microsoft.com/office/powerpoint/2010/main" val="936660680"/>
-      </p:ext>
-    </p:extLst>
   </p:cSld>
   <p:clrMapOvr>
     <a:masterClrMapping/>
   </p:clrMapOvr>
-  <mc:AlternateContent xmlns:mc="http://schemas.openxmlformats.org/markup-compatibility/2006">
-    <mc:Choice xmlns:p159="http://schemas.microsoft.com/office/powerpoint/2015/09/main" Requires="p159">
+  <mc:AlternateContent xmlns:mc="http://schemas.openxmlformats.org/markup-compatibility/2006" xmlns:p159="http://schemas.microsoft.com/office/powerpoint/2015/09/main">
+    <mc:Choice Requires="p159">
       <p:transition xmlns:p14="http://schemas.microsoft.com/office/powerpoint/2010/main" spd="slow" p14:dur="2000">
         <p159:morph option="byObject"/>
       </p:transition>
@@ -14605,6 +14802,10 @@
               </a:rPr>
               <a:t>)</a:t>
             </a:r>
+            <a:endParaRPr lang="en-US" dirty="0">
+              <a:latin typeface="Ubuntu" panose="020B0504030602030204" charset="0"/>
+              <a:cs typeface="Ubuntu" panose="020B0504030602030204" charset="0"/>
+            </a:endParaRPr>
           </a:p>
         </p:txBody>
       </p:sp>
@@ -14645,25 +14846,23 @@
               </a:rPr>
               <a:t>is used to represent data over a certain time or interval.</a:t>
             </a:r>
+            <a:endParaRPr lang="en-US" sz="2400" dirty="0">
+              <a:latin typeface="Ubuntu" panose="020B0504030602030204" charset="0"/>
+              <a:cs typeface="Ubuntu" panose="020B0504030602030204" charset="0"/>
+            </a:endParaRPr>
           </a:p>
         </p:txBody>
       </p:sp>
       <p:pic>
         <p:nvPicPr>
-          <p:cNvPr id="6" name="Picture 5" descr="A graph of a prescription&#10;&#10;Description automatically generated with medium confidence">
-            <a:extLst>
-              <a:ext uri="{FF2B5EF4-FFF2-40B4-BE49-F238E27FC236}">
-                <a16:creationId xmlns:a16="http://schemas.microsoft.com/office/drawing/2014/main" id="{7F82F2FF-44AF-0DBB-026F-7909FB197E48}"/>
-              </a:ext>
-            </a:extLst>
-          </p:cNvPr>
+          <p:cNvPr id="6" name="Picture 5" descr="A graph of a prescription&#10;&#10;Description automatically generated with medium confidence"/>
           <p:cNvPicPr>
             <a:picLocks noChangeAspect="1"/>
           </p:cNvPicPr>
           <p:nvPr/>
         </p:nvPicPr>
         <p:blipFill>
-          <a:blip r:embed="rId2">
+          <a:blip r:embed="rId1">
             <a:extLst>
               <a:ext uri="{28A0092B-C50C-407E-A947-70E740481C1C}">
                 <a14:useLocalDpi xmlns:a14="http://schemas.microsoft.com/office/drawing/2010/main" val="0"/>
@@ -14685,17 +14884,12 @@
         </p:spPr>
       </p:pic>
     </p:spTree>
-    <p:extLst>
-      <p:ext uri="{BB962C8B-B14F-4D97-AF65-F5344CB8AC3E}">
-        <p14:creationId xmlns:p14="http://schemas.microsoft.com/office/powerpoint/2010/main" val="3714564909"/>
-      </p:ext>
-    </p:extLst>
   </p:cSld>
   <p:clrMapOvr>
     <a:masterClrMapping/>
   </p:clrMapOvr>
-  <mc:AlternateContent xmlns:mc="http://schemas.openxmlformats.org/markup-compatibility/2006">
-    <mc:Choice xmlns:p159="http://schemas.microsoft.com/office/powerpoint/2015/09/main" Requires="p159">
+  <mc:AlternateContent xmlns:mc="http://schemas.openxmlformats.org/markup-compatibility/2006" xmlns:p159="http://schemas.microsoft.com/office/powerpoint/2015/09/main">
+    <mc:Choice Requires="p159">
       <p:transition xmlns:p14="http://schemas.microsoft.com/office/powerpoint/2010/main" spd="slow" p14:dur="2000">
         <p159:morph option="byObject"/>
       </p:transition>
@@ -14749,6 +14943,10 @@
               </a:rPr>
               <a:t>Outline</a:t>
             </a:r>
+            <a:endParaRPr lang="en-US">
+              <a:latin typeface="Ubuntu" panose="020B0504030602030204" charset="0"/>
+              <a:cs typeface="Ubuntu" panose="020B0504030602030204" charset="0"/>
+            </a:endParaRPr>
           </a:p>
         </p:txBody>
       </p:sp>
@@ -14778,6 +14976,10 @@
               </a:rPr>
               <a:t>Intro to Statistics </a:t>
             </a:r>
+            <a:endParaRPr lang="en-US" sz="2400" dirty="0">
+              <a:latin typeface="Ubuntu" panose="020B0504030602030204" charset="0"/>
+              <a:cs typeface="Ubuntu" panose="020B0504030602030204" charset="0"/>
+            </a:endParaRPr>
           </a:p>
           <a:p>
             <a:pPr marL="457200" indent="-457200" algn="l">
@@ -14796,6 +14998,15 @@
               </a:rPr>
               <a:t>Types of Data</a:t>
             </a:r>
+            <a:endParaRPr lang="en-US" sz="2400" dirty="0">
+              <a:solidFill>
+                <a:schemeClr val="bg1">
+                  <a:lumMod val="65000"/>
+                </a:schemeClr>
+              </a:solidFill>
+              <a:latin typeface="Ubuntu" panose="020B0504030602030204" charset="0"/>
+              <a:cs typeface="Ubuntu" panose="020B0504030602030204" charset="0"/>
+            </a:endParaRPr>
           </a:p>
           <a:p>
             <a:pPr marL="457200" indent="-457200" algn="l">
@@ -14814,6 +15025,15 @@
               </a:rPr>
               <a:t>Measure Data Quality using Statistics</a:t>
             </a:r>
+            <a:endParaRPr lang="en-US" sz="2400" dirty="0">
+              <a:solidFill>
+                <a:schemeClr val="bg1">
+                  <a:lumMod val="65000"/>
+                </a:schemeClr>
+              </a:solidFill>
+              <a:latin typeface="Ubuntu" panose="020B0504030602030204" charset="0"/>
+              <a:cs typeface="Ubuntu" panose="020B0504030602030204" charset="0"/>
+            </a:endParaRPr>
           </a:p>
           <a:p>
             <a:pPr marL="457200" indent="-457200" algn="l">
@@ -14872,20 +15092,15 @@
         </p:txBody>
       </p:sp>
     </p:spTree>
-    <p:extLst>
-      <p:ext uri="{BB962C8B-B14F-4D97-AF65-F5344CB8AC3E}">
-        <p14:creationId xmlns:p14="http://schemas.microsoft.com/office/powerpoint/2010/main" val="1691000490"/>
-      </p:ext>
-    </p:extLst>
   </p:cSld>
   <p:clrMapOvr>
     <a:masterClrMapping/>
   </p:clrMapOvr>
-  <mc:AlternateContent xmlns:mc="http://schemas.openxmlformats.org/markup-compatibility/2006" xmlns:p14="http://schemas.microsoft.com/office/powerpoint/2010/main">
-    <mc:Choice Requires="p14">
+  <mc:AlternateContent xmlns:mc="http://schemas.openxmlformats.org/markup-compatibility/2006">
+    <mc:Choice xmlns:p14="http://schemas.microsoft.com/office/powerpoint/2010/main" Requires="p14">
       <p:transition spd="slow" p14:dur="1200"/>
     </mc:Choice>
-    <mc:Fallback xmlns="">
+    <mc:Fallback>
       <p:transition spd="slow"/>
     </mc:Fallback>
   </mc:AlternateContent>
@@ -14932,6 +15147,10 @@
               </a:rPr>
               <a:t>Outline</a:t>
             </a:r>
+            <a:endParaRPr lang="en-US">
+              <a:latin typeface="Ubuntu" panose="020B0504030602030204" charset="0"/>
+              <a:cs typeface="Ubuntu" panose="020B0504030602030204" charset="0"/>
+            </a:endParaRPr>
           </a:p>
         </p:txBody>
       </p:sp>
@@ -14966,6 +15185,15 @@
               </a:rPr>
               <a:t>Intro to Statistics </a:t>
             </a:r>
+            <a:endParaRPr lang="en-US" sz="2400" dirty="0">
+              <a:solidFill>
+                <a:schemeClr val="bg1">
+                  <a:lumMod val="65000"/>
+                </a:schemeClr>
+              </a:solidFill>
+              <a:latin typeface="Ubuntu" panose="020B0504030602030204" charset="0"/>
+              <a:cs typeface="Ubuntu" panose="020B0504030602030204" charset="0"/>
+            </a:endParaRPr>
           </a:p>
           <a:p>
             <a:pPr marL="457200" indent="-457200" algn="l">
@@ -14984,6 +15212,15 @@
               </a:rPr>
               <a:t>Types of Data</a:t>
             </a:r>
+            <a:endParaRPr lang="en-US" sz="2400" dirty="0">
+              <a:solidFill>
+                <a:schemeClr val="bg1">
+                  <a:lumMod val="65000"/>
+                </a:schemeClr>
+              </a:solidFill>
+              <a:latin typeface="Ubuntu" panose="020B0504030602030204" charset="0"/>
+              <a:cs typeface="Ubuntu" panose="020B0504030602030204" charset="0"/>
+            </a:endParaRPr>
           </a:p>
           <a:p>
             <a:pPr marL="457200" indent="-457200" algn="l">
@@ -15002,6 +15239,15 @@
               </a:rPr>
               <a:t>Measure Data Quality using Statistics</a:t>
             </a:r>
+            <a:endParaRPr lang="en-US" sz="2400" dirty="0">
+              <a:solidFill>
+                <a:schemeClr val="bg1">
+                  <a:lumMod val="65000"/>
+                </a:schemeClr>
+              </a:solidFill>
+              <a:latin typeface="Ubuntu" panose="020B0504030602030204" charset="0"/>
+              <a:cs typeface="Ubuntu" panose="020B0504030602030204" charset="0"/>
+            </a:endParaRPr>
           </a:p>
           <a:p>
             <a:pPr marL="457200" indent="-457200" algn="l">
@@ -15050,20 +15296,15 @@
         </p:txBody>
       </p:sp>
     </p:spTree>
-    <p:extLst>
-      <p:ext uri="{BB962C8B-B14F-4D97-AF65-F5344CB8AC3E}">
-        <p14:creationId xmlns:p14="http://schemas.microsoft.com/office/powerpoint/2010/main" val="1204552990"/>
-      </p:ext>
-    </p:extLst>
   </p:cSld>
   <p:clrMapOvr>
     <a:masterClrMapping/>
   </p:clrMapOvr>
-  <mc:AlternateContent xmlns:mc="http://schemas.openxmlformats.org/markup-compatibility/2006" xmlns:p14="http://schemas.microsoft.com/office/powerpoint/2010/main">
-    <mc:Choice Requires="p14">
+  <mc:AlternateContent xmlns:mc="http://schemas.openxmlformats.org/markup-compatibility/2006">
+    <mc:Choice xmlns:p14="http://schemas.microsoft.com/office/powerpoint/2010/main" Requires="p14">
       <p:transition spd="slow" p14:dur="1200"/>
     </mc:Choice>
-    <mc:Fallback xmlns="">
+    <mc:Fallback>
       <p:transition spd="slow"/>
     </mc:Fallback>
   </mc:AlternateContent>
@@ -15110,6 +15351,10 @@
               </a:rPr>
               <a:t>Important Notes</a:t>
             </a:r>
+            <a:endParaRPr lang="en-US" dirty="0">
+              <a:latin typeface="Ubuntu" panose="020B0504030602030204" charset="0"/>
+              <a:cs typeface="Ubuntu" panose="020B0504030602030204" charset="0"/>
+            </a:endParaRPr>
           </a:p>
         </p:txBody>
       </p:sp>
@@ -15143,25 +15388,23 @@
               </a:rPr>
               <a:t>How does changing the standard deviation and the mean affect the normal distribution?</a:t>
             </a:r>
+            <a:endParaRPr lang="en-US" sz="2400" dirty="0">
+              <a:latin typeface="Ubuntu" panose="020B0504030602030204" charset="0"/>
+              <a:cs typeface="Ubuntu" panose="020B0504030602030204" charset="0"/>
+            </a:endParaRPr>
           </a:p>
         </p:txBody>
       </p:sp>
       <p:pic>
         <p:nvPicPr>
-          <p:cNvPr id="12" name="Picture 11">
-            <a:extLst>
-              <a:ext uri="{FF2B5EF4-FFF2-40B4-BE49-F238E27FC236}">
-                <a16:creationId xmlns:a16="http://schemas.microsoft.com/office/drawing/2014/main" id="{4EB497AF-9DA4-ECED-ED04-06ED39F207A4}"/>
-              </a:ext>
-            </a:extLst>
-          </p:cNvPr>
+          <p:cNvPr id="12" name="Picture 11"/>
           <p:cNvPicPr>
             <a:picLocks noChangeAspect="1"/>
           </p:cNvPicPr>
           <p:nvPr/>
         </p:nvPicPr>
         <p:blipFill>
-          <a:blip r:embed="rId2">
+          <a:blip r:embed="rId1">
             <a:extLst>
               <a:ext uri="{28A0092B-C50C-407E-A947-70E740481C1C}">
                 <a14:useLocalDpi xmlns:a14="http://schemas.microsoft.com/office/drawing/2010/main" val="0"/>
@@ -15183,17 +15426,12 @@
         </p:spPr>
       </p:pic>
     </p:spTree>
-    <p:extLst>
-      <p:ext uri="{BB962C8B-B14F-4D97-AF65-F5344CB8AC3E}">
-        <p14:creationId xmlns:p14="http://schemas.microsoft.com/office/powerpoint/2010/main" val="1721241941"/>
-      </p:ext>
-    </p:extLst>
   </p:cSld>
   <p:clrMapOvr>
     <a:masterClrMapping/>
   </p:clrMapOvr>
-  <mc:AlternateContent xmlns:mc="http://schemas.openxmlformats.org/markup-compatibility/2006">
-    <mc:Choice xmlns:p159="http://schemas.microsoft.com/office/powerpoint/2015/09/main" Requires="p159">
+  <mc:AlternateContent xmlns:mc="http://schemas.openxmlformats.org/markup-compatibility/2006" xmlns:p159="http://schemas.microsoft.com/office/powerpoint/2015/09/main">
+    <mc:Choice Requires="p159">
       <p:transition xmlns:p14="http://schemas.microsoft.com/office/powerpoint/2010/main" spd="slow" p14:dur="2000">
         <p159:morph option="byObject"/>
       </p:transition>
@@ -15261,6 +15499,10 @@
               </a:rPr>
               <a:t>)</a:t>
             </a:r>
+            <a:endParaRPr lang="en-US" dirty="0">
+              <a:latin typeface="Ubuntu" panose="020B0504030602030204" charset="0"/>
+              <a:cs typeface="Ubuntu" panose="020B0504030602030204" charset="0"/>
+            </a:endParaRPr>
           </a:p>
         </p:txBody>
       </p:sp>
@@ -15294,25 +15536,23 @@
               </a:rPr>
               <a:t>Variance vs Bias</a:t>
             </a:r>
+            <a:endParaRPr lang="en-US" sz="2400" dirty="0">
+              <a:latin typeface="Ubuntu" panose="020B0504030602030204" charset="0"/>
+              <a:cs typeface="Ubuntu" panose="020B0504030602030204" charset="0"/>
+            </a:endParaRPr>
           </a:p>
         </p:txBody>
       </p:sp>
       <p:pic>
         <p:nvPicPr>
-          <p:cNvPr id="5" name="Picture 4" descr="A group of red circles with blue and red dots&#10;&#10;Description automatically generated">
-            <a:extLst>
-              <a:ext uri="{FF2B5EF4-FFF2-40B4-BE49-F238E27FC236}">
-                <a16:creationId xmlns:a16="http://schemas.microsoft.com/office/drawing/2014/main" id="{2F72E054-E250-D5E3-AC4B-D8973C45D219}"/>
-              </a:ext>
-            </a:extLst>
-          </p:cNvPr>
+          <p:cNvPr id="5" name="Picture 4" descr="A group of red circles with blue and red dots&#10;&#10;Description automatically generated"/>
           <p:cNvPicPr>
             <a:picLocks noChangeAspect="1"/>
           </p:cNvPicPr>
           <p:nvPr/>
         </p:nvPicPr>
         <p:blipFill>
-          <a:blip r:embed="rId2" cstate="print">
+          <a:blip r:embed="rId1" cstate="print">
             <a:extLst>
               <a:ext uri="{28A0092B-C50C-407E-A947-70E740481C1C}">
                 <a14:useLocalDpi xmlns:a14="http://schemas.microsoft.com/office/drawing/2010/main" val="0"/>
@@ -15334,17 +15574,12 @@
         </p:spPr>
       </p:pic>
     </p:spTree>
-    <p:extLst>
-      <p:ext uri="{BB962C8B-B14F-4D97-AF65-F5344CB8AC3E}">
-        <p14:creationId xmlns:p14="http://schemas.microsoft.com/office/powerpoint/2010/main" val="2097831329"/>
-      </p:ext>
-    </p:extLst>
   </p:cSld>
   <p:clrMapOvr>
     <a:masterClrMapping/>
   </p:clrMapOvr>
-  <mc:AlternateContent xmlns:mc="http://schemas.openxmlformats.org/markup-compatibility/2006">
-    <mc:Choice xmlns:p159="http://schemas.microsoft.com/office/powerpoint/2015/09/main" Requires="p159">
+  <mc:AlternateContent xmlns:mc="http://schemas.openxmlformats.org/markup-compatibility/2006" xmlns:p159="http://schemas.microsoft.com/office/powerpoint/2015/09/main">
+    <mc:Choice Requires="p159">
       <p:transition xmlns:p14="http://schemas.microsoft.com/office/powerpoint/2010/main" spd="slow" p14:dur="2000">
         <p159:morph option="byObject"/>
       </p:transition>
@@ -15398,6 +15633,10 @@
               </a:rPr>
               <a:t>References</a:t>
             </a:r>
+            <a:endParaRPr lang="en-US">
+              <a:latin typeface="Ubuntu" panose="020B0504030602030204" charset="0"/>
+              <a:cs typeface="Ubuntu" panose="020B0504030602030204" charset="0"/>
+            </a:endParaRPr>
           </a:p>
         </p:txBody>
       </p:sp>
@@ -15421,7 +15660,7 @@
               <a:rPr lang="en-US" sz="2400" dirty="0">
                 <a:latin typeface="Ubuntu" panose="020B0504030602030204" charset="0"/>
                 <a:cs typeface="Ubuntu" panose="020B0504030602030204" charset="0"/>
-                <a:hlinkClick r:id="rId2"/>
+                <a:hlinkClick r:id="rId1"/>
               </a:rPr>
               <a:t>https://www.investopedia.com/terms/s/statistics.asp</a:t>
             </a:r>
@@ -15436,7 +15675,7 @@
               <a:rPr lang="en-US" sz="2400" dirty="0">
                 <a:latin typeface="Ubuntu" panose="020B0504030602030204" charset="0"/>
                 <a:cs typeface="Ubuntu" panose="020B0504030602030204" charset="0"/>
-                <a:hlinkClick r:id="rId3"/>
+                <a:hlinkClick r:id="rId2"/>
               </a:rPr>
               <a:t>https://www.voxco.com/blog/population-vs-sample/</a:t>
             </a:r>
@@ -15446,35 +15685,6 @@
                 <a:cs typeface="Ubuntu" panose="020B0504030602030204" charset="0"/>
               </a:rPr>
               <a:t> </a:t>
-            </a:r>
-          </a:p>
-          <a:p>
-            <a:pPr algn="l"/>
-            <a:r>
-              <a:rPr lang="en-US" sz="2400" dirty="0">
-                <a:latin typeface="Ubuntu" panose="020B0504030602030204" charset="0"/>
-                <a:cs typeface="Ubuntu" panose="020B0504030602030204" charset="0"/>
-                <a:hlinkClick r:id="rId4"/>
-              </a:rPr>
-              <a:t>https://studyonline.unsw.edu.au/blog/types-of-data</a:t>
-            </a:r>
-            <a:r>
-              <a:rPr lang="en-US" sz="2400" dirty="0">
-                <a:latin typeface="Ubuntu" panose="020B0504030602030204" charset="0"/>
-                <a:cs typeface="Ubuntu" panose="020B0504030602030204" charset="0"/>
-              </a:rPr>
-              <a:t> </a:t>
-            </a:r>
-          </a:p>
-          <a:p>
-            <a:pPr algn="l"/>
-            <a:r>
-              <a:rPr lang="en-US" sz="2400" dirty="0">
-                <a:latin typeface="Ubuntu" panose="020B0504030602030204" charset="0"/>
-                <a:cs typeface="Ubuntu" panose="020B0504030602030204" charset="0"/>
-                <a:hlinkClick r:id="rId5"/>
-              </a:rPr>
-              <a:t>https://www.quora.com/How-do-you-interpret-skewness-in-a-histogram</a:t>
             </a:r>
             <a:endParaRPr lang="en-US" sz="2400" dirty="0">
               <a:latin typeface="Ubuntu" panose="020B0504030602030204" charset="0"/>
@@ -15487,7 +15697,44 @@
               <a:rPr lang="en-US" sz="2400" dirty="0">
                 <a:latin typeface="Ubuntu" panose="020B0504030602030204" charset="0"/>
                 <a:cs typeface="Ubuntu" panose="020B0504030602030204" charset="0"/>
-                <a:hlinkClick r:id="rId6"/>
+                <a:hlinkClick r:id="rId3"/>
+              </a:rPr>
+              <a:t>https://studyonline.unsw.edu.au/blog/types-of-data</a:t>
+            </a:r>
+            <a:r>
+              <a:rPr lang="en-US" sz="2400" dirty="0">
+                <a:latin typeface="Ubuntu" panose="020B0504030602030204" charset="0"/>
+                <a:cs typeface="Ubuntu" panose="020B0504030602030204" charset="0"/>
+              </a:rPr>
+              <a:t> </a:t>
+            </a:r>
+            <a:endParaRPr lang="en-US" sz="2400" dirty="0">
+              <a:latin typeface="Ubuntu" panose="020B0504030602030204" charset="0"/>
+              <a:cs typeface="Ubuntu" panose="020B0504030602030204" charset="0"/>
+            </a:endParaRPr>
+          </a:p>
+          <a:p>
+            <a:pPr algn="l"/>
+            <a:r>
+              <a:rPr lang="en-US" sz="2400" dirty="0">
+                <a:latin typeface="Ubuntu" panose="020B0504030602030204" charset="0"/>
+                <a:cs typeface="Ubuntu" panose="020B0504030602030204" charset="0"/>
+                <a:hlinkClick r:id="rId4"/>
+              </a:rPr>
+              <a:t>https://www.quora.com/How-do-you-interpret-skewness-in-a-histogram</a:t>
+            </a:r>
+            <a:endParaRPr lang="en-US" sz="2400" dirty="0">
+              <a:latin typeface="Ubuntu" panose="020B0504030602030204" charset="0"/>
+              <a:cs typeface="Ubuntu" panose="020B0504030602030204" charset="0"/>
+            </a:endParaRPr>
+          </a:p>
+          <a:p>
+            <a:pPr algn="l"/>
+            <a:r>
+              <a:rPr lang="en-US" sz="2400" dirty="0">
+                <a:latin typeface="Ubuntu" panose="020B0504030602030204" charset="0"/>
+                <a:cs typeface="Ubuntu" panose="020B0504030602030204" charset="0"/>
+                <a:hlinkClick r:id="rId5"/>
               </a:rPr>
               <a:t>https://mathbitsnotebook.com/Algebra1/StatisticsData/STShapes.html</a:t>
             </a:r>
@@ -15498,6 +15745,10 @@
               </a:rPr>
               <a:t>   </a:t>
             </a:r>
+            <a:endParaRPr lang="en-US" sz="2400" dirty="0">
+              <a:latin typeface="Ubuntu" panose="020B0504030602030204" charset="0"/>
+              <a:cs typeface="Ubuntu" panose="020B0504030602030204" charset="0"/>
+            </a:endParaRPr>
           </a:p>
         </p:txBody>
       </p:sp>
@@ -15558,6 +15809,10 @@
               </a:rPr>
               <a:t>Thanks</a:t>
             </a:r>
+            <a:endParaRPr lang="en-US">
+              <a:latin typeface="Ubuntu" panose="020B0504030602030204" charset="0"/>
+              <a:cs typeface="Ubuntu" panose="020B0504030602030204" charset="0"/>
+            </a:endParaRPr>
           </a:p>
         </p:txBody>
       </p:sp>
@@ -15591,6 +15846,10 @@
               </a:rPr>
               <a:t>Please keep updated: </a:t>
             </a:r>
+            <a:endParaRPr lang="en-US" sz="2400">
+              <a:latin typeface="Ubuntu" panose="020B0504030602030204" charset="0"/>
+              <a:cs typeface="Ubuntu" panose="020B0504030602030204" charset="0"/>
+            </a:endParaRPr>
           </a:p>
           <a:p>
             <a:pPr marL="0" indent="0" algn="ctr">
@@ -15601,7 +15860,7 @@
                 <a:latin typeface="Ubuntu" panose="020B0504030602030204" charset="0"/>
                 <a:cs typeface="Ubuntu" panose="020B0504030602030204" charset="0"/>
                 <a:sym typeface="+mn-ea"/>
-                <a:hlinkClick r:id="rId2" action="ppaction://hlinkfile"/>
+                <a:hlinkClick r:id="rId1" action="ppaction://hlinkfile"/>
               </a:rPr>
               <a:t>https://github.com/kershrita/IEEE-Data-Science</a:t>
             </a:r>
@@ -15661,6 +15920,10 @@
               </a:rPr>
               <a:t>Intro to Statistics</a:t>
             </a:r>
+            <a:endParaRPr lang="en-US" dirty="0">
+              <a:latin typeface="Ubuntu" panose="020B0504030602030204" charset="0"/>
+              <a:cs typeface="Ubuntu" panose="020B0504030602030204" charset="0"/>
+            </a:endParaRPr>
           </a:p>
         </p:txBody>
       </p:sp>
@@ -15762,6 +16025,10 @@
               </a:rPr>
               <a:t> from data.</a:t>
             </a:r>
+            <a:endParaRPr lang="en-US" sz="2400" dirty="0">
+              <a:latin typeface="Ubuntu" panose="020B0504030602030204" charset="0"/>
+              <a:cs typeface="Ubuntu" panose="020B0504030602030204" charset="0"/>
+            </a:endParaRPr>
           </a:p>
           <a:p>
             <a:pPr algn="l"/>
@@ -15800,6 +16067,10 @@
               </a:rPr>
               <a:t>.</a:t>
             </a:r>
+            <a:endParaRPr lang="en-US" sz="2400" dirty="0">
+              <a:latin typeface="Ubuntu" panose="020B0504030602030204" charset="0"/>
+              <a:cs typeface="Ubuntu" panose="020B0504030602030204" charset="0"/>
+            </a:endParaRPr>
           </a:p>
           <a:p>
             <a:pPr algn="l"/>
@@ -15866,6 +16137,10 @@
               </a:rPr>
               <a:t> sampling.</a:t>
             </a:r>
+            <a:endParaRPr lang="en-US" sz="2400" dirty="0">
+              <a:latin typeface="Ubuntu" panose="020B0504030602030204" charset="0"/>
+              <a:cs typeface="Ubuntu" panose="020B0504030602030204" charset="0"/>
+            </a:endParaRPr>
           </a:p>
           <a:p>
             <a:pPr algn="l"/>
@@ -15878,20 +16153,14 @@
       </p:sp>
       <p:pic>
         <p:nvPicPr>
-          <p:cNvPr id="7" name="Picture 6">
-            <a:extLst>
-              <a:ext uri="{FF2B5EF4-FFF2-40B4-BE49-F238E27FC236}">
-                <a16:creationId xmlns:a16="http://schemas.microsoft.com/office/drawing/2014/main" id="{76371F42-5B45-D46F-114D-08EB90513749}"/>
-              </a:ext>
-            </a:extLst>
-          </p:cNvPr>
+          <p:cNvPr id="7" name="Picture 6"/>
           <p:cNvPicPr>
             <a:picLocks noChangeAspect="1"/>
           </p:cNvPicPr>
           <p:nvPr/>
         </p:nvPicPr>
         <p:blipFill>
-          <a:blip r:embed="rId2">
+          <a:blip r:embed="rId1">
             <a:extLst>
               <a:ext uri="{28A0092B-C50C-407E-A947-70E740481C1C}">
                 <a14:useLocalDpi xmlns:a14="http://schemas.microsoft.com/office/drawing/2010/main" val="0"/>
@@ -15917,8 +16186,8 @@
   <p:clrMapOvr>
     <a:masterClrMapping/>
   </p:clrMapOvr>
-  <mc:AlternateContent xmlns:mc="http://schemas.openxmlformats.org/markup-compatibility/2006">
-    <mc:Choice xmlns:p159="http://schemas.microsoft.com/office/powerpoint/2015/09/main" Requires="p159">
+  <mc:AlternateContent xmlns:mc="http://schemas.openxmlformats.org/markup-compatibility/2006" xmlns:p159="http://schemas.microsoft.com/office/powerpoint/2015/09/main">
+    <mc:Choice Requires="p159">
       <p:transition xmlns:p14="http://schemas.microsoft.com/office/powerpoint/2010/main" spd="slow" p14:dur="2000">
         <p159:morph option="byObject"/>
       </p:transition>
@@ -15972,6 +16241,10 @@
               </a:rPr>
               <a:t>Importance of Statistics</a:t>
             </a:r>
+            <a:endParaRPr lang="en-US" dirty="0">
+              <a:latin typeface="Ubuntu" panose="020B0504030602030204" charset="0"/>
+              <a:cs typeface="Ubuntu" panose="020B0504030602030204" charset="0"/>
+            </a:endParaRPr>
           </a:p>
         </p:txBody>
       </p:sp>
@@ -16002,6 +16275,10 @@
               </a:rPr>
               <a:t>Avoid getting biased samples</a:t>
             </a:r>
+            <a:endParaRPr lang="en-US" sz="2400" dirty="0">
+              <a:latin typeface="Ubuntu" panose="020B0504030602030204" charset="0"/>
+              <a:cs typeface="Ubuntu" panose="020B0504030602030204" charset="0"/>
+            </a:endParaRPr>
           </a:p>
           <a:p>
             <a:r>
@@ -16011,6 +16288,10 @@
               </a:rPr>
               <a:t>Prevent overgeneralization</a:t>
             </a:r>
+            <a:endParaRPr lang="en-US" sz="2400" dirty="0">
+              <a:latin typeface="Ubuntu" panose="020B0504030602030204" charset="0"/>
+              <a:cs typeface="Ubuntu" panose="020B0504030602030204" charset="0"/>
+            </a:endParaRPr>
           </a:p>
           <a:p>
             <a:r>
@@ -16020,6 +16301,10 @@
               </a:rPr>
               <a:t>Wrong causality</a:t>
             </a:r>
+            <a:endParaRPr lang="en-US" sz="2400" dirty="0">
+              <a:latin typeface="Ubuntu" panose="020B0504030602030204" charset="0"/>
+              <a:cs typeface="Ubuntu" panose="020B0504030602030204" charset="0"/>
+            </a:endParaRPr>
           </a:p>
           <a:p>
             <a:r>
@@ -16029,25 +16314,23 @@
               </a:rPr>
               <a:t>Incorrect Analysis</a:t>
             </a:r>
+            <a:endParaRPr lang="en-US" sz="2400" dirty="0">
+              <a:latin typeface="Ubuntu" panose="020B0504030602030204" charset="0"/>
+              <a:cs typeface="Ubuntu" panose="020B0504030602030204" charset="0"/>
+            </a:endParaRPr>
           </a:p>
         </p:txBody>
       </p:sp>
       <p:pic>
         <p:nvPicPr>
-          <p:cNvPr id="4" name="Picture 3" descr="A diagram of statistics&#10;&#10;Description automatically generated">
-            <a:extLst>
-              <a:ext uri="{FF2B5EF4-FFF2-40B4-BE49-F238E27FC236}">
-                <a16:creationId xmlns:a16="http://schemas.microsoft.com/office/drawing/2014/main" id="{23B4DC78-7D0D-9AC5-88EE-5239B627D315}"/>
-              </a:ext>
-            </a:extLst>
-          </p:cNvPr>
+          <p:cNvPr id="4" name="Picture 3" descr="A diagram of statistics&#10;&#10;Description automatically generated"/>
           <p:cNvPicPr>
             <a:picLocks noChangeAspect="1"/>
           </p:cNvPicPr>
           <p:nvPr/>
         </p:nvPicPr>
         <p:blipFill rotWithShape="1">
-          <a:blip r:embed="rId2">
+          <a:blip r:embed="rId1">
             <a:extLst>
               <a:ext uri="{28A0092B-C50C-407E-A947-70E740481C1C}">
                 <a14:useLocalDpi xmlns:a14="http://schemas.microsoft.com/office/drawing/2010/main" val="0"/>
@@ -16055,7 +16338,9 @@
             </a:extLst>
           </a:blip>
           <a:srcRect t="4132" r="46233" b="8306"/>
-          <a:stretch/>
+          <a:stretch>
+            <a:fillRect/>
+          </a:stretch>
         </p:blipFill>
         <p:spPr>
           <a:xfrm>
@@ -16068,17 +16353,12 @@
         </p:spPr>
       </p:pic>
     </p:spTree>
-    <p:extLst>
-      <p:ext uri="{BB962C8B-B14F-4D97-AF65-F5344CB8AC3E}">
-        <p14:creationId xmlns:p14="http://schemas.microsoft.com/office/powerpoint/2010/main" val="416422040"/>
-      </p:ext>
-    </p:extLst>
   </p:cSld>
   <p:clrMapOvr>
     <a:masterClrMapping/>
   </p:clrMapOvr>
-  <mc:AlternateContent xmlns:mc="http://schemas.openxmlformats.org/markup-compatibility/2006">
-    <mc:Choice xmlns:p159="http://schemas.microsoft.com/office/powerpoint/2015/09/main" Requires="p159">
+  <mc:AlternateContent xmlns:mc="http://schemas.openxmlformats.org/markup-compatibility/2006" xmlns:p159="http://schemas.microsoft.com/office/powerpoint/2015/09/main">
+    <mc:Choice Requires="p159">
       <p:transition xmlns:p14="http://schemas.microsoft.com/office/powerpoint/2010/main" spd="slow" p14:dur="2000">
         <p159:morph option="byObject"/>
       </p:transition>
@@ -16132,6 +16412,10 @@
               </a:rPr>
               <a:t>Outline</a:t>
             </a:r>
+            <a:endParaRPr lang="en-US">
+              <a:latin typeface="Ubuntu" panose="020B0504030602030204" charset="0"/>
+              <a:cs typeface="Ubuntu" panose="020B0504030602030204" charset="0"/>
+            </a:endParaRPr>
           </a:p>
         </p:txBody>
       </p:sp>
@@ -16166,6 +16450,15 @@
               </a:rPr>
               <a:t>Intro to Statistics </a:t>
             </a:r>
+            <a:endParaRPr lang="en-US" sz="2400" dirty="0">
+              <a:solidFill>
+                <a:schemeClr val="bg1">
+                  <a:lumMod val="65000"/>
+                </a:schemeClr>
+              </a:solidFill>
+              <a:latin typeface="Ubuntu" panose="020B0504030602030204" charset="0"/>
+              <a:cs typeface="Ubuntu" panose="020B0504030602030204" charset="0"/>
+            </a:endParaRPr>
           </a:p>
           <a:p>
             <a:pPr marL="457200" indent="-457200" algn="l">
@@ -16179,6 +16472,10 @@
               </a:rPr>
               <a:t>Types of Data</a:t>
             </a:r>
+            <a:endParaRPr lang="en-US" sz="2400" dirty="0">
+              <a:latin typeface="Ubuntu" panose="020B0504030602030204" charset="0"/>
+              <a:cs typeface="Ubuntu" panose="020B0504030602030204" charset="0"/>
+            </a:endParaRPr>
           </a:p>
           <a:p>
             <a:pPr marL="457200" indent="-457200" algn="l">
@@ -16197,6 +16494,15 @@
               </a:rPr>
               <a:t>Measure Data Quality using Statistics</a:t>
             </a:r>
+            <a:endParaRPr lang="en-US" sz="2400" dirty="0">
+              <a:solidFill>
+                <a:schemeClr val="bg1">
+                  <a:lumMod val="65000"/>
+                </a:schemeClr>
+              </a:solidFill>
+              <a:latin typeface="Ubuntu" panose="020B0504030602030204" charset="0"/>
+              <a:cs typeface="Ubuntu" panose="020B0504030602030204" charset="0"/>
+            </a:endParaRPr>
           </a:p>
           <a:p>
             <a:pPr marL="457200" indent="-457200" algn="l">
@@ -16255,20 +16561,15 @@
         </p:txBody>
       </p:sp>
     </p:spTree>
-    <p:extLst>
-      <p:ext uri="{BB962C8B-B14F-4D97-AF65-F5344CB8AC3E}">
-        <p14:creationId xmlns:p14="http://schemas.microsoft.com/office/powerpoint/2010/main" val="2753444355"/>
-      </p:ext>
-    </p:extLst>
   </p:cSld>
   <p:clrMapOvr>
     <a:masterClrMapping/>
   </p:clrMapOvr>
-  <mc:AlternateContent xmlns:mc="http://schemas.openxmlformats.org/markup-compatibility/2006" xmlns:p14="http://schemas.microsoft.com/office/powerpoint/2010/main">
-    <mc:Choice Requires="p14">
+  <mc:AlternateContent xmlns:mc="http://schemas.openxmlformats.org/markup-compatibility/2006">
+    <mc:Choice xmlns:p14="http://schemas.microsoft.com/office/powerpoint/2010/main" Requires="p14">
       <p:transition spd="slow" p14:dur="1200"/>
     </mc:Choice>
-    <mc:Fallback xmlns="">
+    <mc:Fallback>
       <p:transition spd="slow"/>
     </mc:Fallback>
   </mc:AlternateContent>
@@ -16294,20 +16595,14 @@
       </p:grpSpPr>
       <p:pic>
         <p:nvPicPr>
-          <p:cNvPr id="5" name="Picture 4" descr="A cartoon of people standing in front of each other&#10;&#10;Description automatically generated">
-            <a:extLst>
-              <a:ext uri="{FF2B5EF4-FFF2-40B4-BE49-F238E27FC236}">
-                <a16:creationId xmlns:a16="http://schemas.microsoft.com/office/drawing/2014/main" id="{88B81828-2AB1-0805-E61D-91F31A49F213}"/>
-              </a:ext>
-            </a:extLst>
-          </p:cNvPr>
+          <p:cNvPr id="5" name="Picture 4" descr="A cartoon of people standing in front of each other&#10;&#10;Description automatically generated"/>
           <p:cNvPicPr>
             <a:picLocks noChangeAspect="1"/>
           </p:cNvPicPr>
           <p:nvPr/>
         </p:nvPicPr>
         <p:blipFill>
-          <a:blip r:embed="rId2">
+          <a:blip r:embed="rId1">
             <a:extLst>
               <a:ext uri="{28A0092B-C50C-407E-A947-70E740481C1C}">
                 <a14:useLocalDpi xmlns:a14="http://schemas.microsoft.com/office/drawing/2010/main" val="0"/>
@@ -16329,17 +16624,12 @@
         </p:spPr>
       </p:pic>
     </p:spTree>
-    <p:extLst>
-      <p:ext uri="{BB962C8B-B14F-4D97-AF65-F5344CB8AC3E}">
-        <p14:creationId xmlns:p14="http://schemas.microsoft.com/office/powerpoint/2010/main" val="1090436733"/>
-      </p:ext>
-    </p:extLst>
   </p:cSld>
   <p:clrMapOvr>
     <a:masterClrMapping/>
   </p:clrMapOvr>
-  <mc:AlternateContent xmlns:mc="http://schemas.openxmlformats.org/markup-compatibility/2006">
-    <mc:Choice xmlns:p159="http://schemas.microsoft.com/office/powerpoint/2015/09/main" Requires="p159">
+  <mc:AlternateContent xmlns:mc="http://schemas.openxmlformats.org/markup-compatibility/2006" xmlns:p159="http://schemas.microsoft.com/office/powerpoint/2015/09/main">
+    <mc:Choice Requires="p159">
       <p:transition xmlns:p14="http://schemas.microsoft.com/office/powerpoint/2010/main" spd="slow" p14:dur="2000">
         <p159:morph option="byObject"/>
       </p:transition>
@@ -16393,6 +16683,10 @@
               </a:rPr>
               <a:t>Types of Data</a:t>
             </a:r>
+            <a:endParaRPr lang="en-US" dirty="0">
+              <a:latin typeface="Ubuntu" panose="020B0504030602030204" charset="0"/>
+              <a:cs typeface="Ubuntu" panose="020B0504030602030204" charset="0"/>
+            </a:endParaRPr>
           </a:p>
         </p:txBody>
       </p:sp>
@@ -16426,25 +16720,23 @@
               </a:rPr>
               <a:t>Data is the collection of facts</a:t>
             </a:r>
+            <a:endParaRPr lang="en-US" sz="2400" dirty="0">
+              <a:latin typeface="Ubuntu" panose="020B0504030602030204" charset="0"/>
+              <a:cs typeface="Ubuntu" panose="020B0504030602030204" charset="0"/>
+            </a:endParaRPr>
           </a:p>
         </p:txBody>
       </p:sp>
       <p:pic>
         <p:nvPicPr>
-          <p:cNvPr id="5" name="Picture 4" descr="A cartoon of a person pointing&#10;&#10;Description automatically generated">
-            <a:extLst>
-              <a:ext uri="{FF2B5EF4-FFF2-40B4-BE49-F238E27FC236}">
-                <a16:creationId xmlns:a16="http://schemas.microsoft.com/office/drawing/2014/main" id="{8BA79B57-0153-D581-EE42-797C59412EA1}"/>
-              </a:ext>
-            </a:extLst>
-          </p:cNvPr>
+          <p:cNvPr id="5" name="Picture 4" descr="A cartoon of a person pointing&#10;&#10;Description automatically generated"/>
           <p:cNvPicPr>
             <a:picLocks noChangeAspect="1"/>
           </p:cNvPicPr>
           <p:nvPr/>
         </p:nvPicPr>
         <p:blipFill>
-          <a:blip r:embed="rId2">
+          <a:blip r:embed="rId1">
             <a:extLst>
               <a:ext uri="{28A0092B-C50C-407E-A947-70E740481C1C}">
                 <a14:useLocalDpi xmlns:a14="http://schemas.microsoft.com/office/drawing/2010/main" val="0"/>
@@ -16467,21 +16759,9 @@
       </p:pic>
       <p:graphicFrame>
         <p:nvGraphicFramePr>
-          <p:cNvPr id="6" name="Diagram 5">
-            <a:extLst>
-              <a:ext uri="{FF2B5EF4-FFF2-40B4-BE49-F238E27FC236}">
-                <a16:creationId xmlns:a16="http://schemas.microsoft.com/office/drawing/2014/main" id="{85326BE6-BE36-788C-38A1-C8F810FF2A52}"/>
-              </a:ext>
-            </a:extLst>
-          </p:cNvPr>
+          <p:cNvPr id="6" name="Diagram 5"/>
           <p:cNvGraphicFramePr/>
-          <p:nvPr>
-            <p:extLst>
-              <p:ext uri="{D42A27DB-BD31-4B8C-83A1-F6EECF244321}">
-                <p14:modId xmlns:p14="http://schemas.microsoft.com/office/powerpoint/2010/main" val="182299430"/>
-              </p:ext>
-            </p:extLst>
-          </p:nvPr>
+          <p:nvPr/>
         </p:nvGraphicFramePr>
         <p:xfrm>
           <a:off x="801643" y="1804073"/>
@@ -16489,22 +16769,17 @@
         </p:xfrm>
         <a:graphic>
           <a:graphicData uri="http://schemas.openxmlformats.org/drawingml/2006/diagram">
-            <dgm:relIds xmlns:dgm="http://schemas.openxmlformats.org/drawingml/2006/diagram" xmlns:r="http://schemas.openxmlformats.org/officeDocument/2006/relationships" r:dm="rId3" r:lo="rId4" r:qs="rId5" r:cs="rId6"/>
+            <dgm:relIds xmlns:dgm="http://schemas.openxmlformats.org/drawingml/2006/diagram" xmlns:r="http://schemas.openxmlformats.org/officeDocument/2006/relationships" r:dm="rId2" r:lo="rId3" r:qs="rId4" r:cs="rId5"/>
           </a:graphicData>
         </a:graphic>
       </p:graphicFrame>
     </p:spTree>
-    <p:extLst>
-      <p:ext uri="{BB962C8B-B14F-4D97-AF65-F5344CB8AC3E}">
-        <p14:creationId xmlns:p14="http://schemas.microsoft.com/office/powerpoint/2010/main" val="2072228571"/>
-      </p:ext>
-    </p:extLst>
   </p:cSld>
   <p:clrMapOvr>
     <a:masterClrMapping/>
   </p:clrMapOvr>
-  <mc:AlternateContent xmlns:mc="http://schemas.openxmlformats.org/markup-compatibility/2006">
-    <mc:Choice xmlns:p159="http://schemas.microsoft.com/office/powerpoint/2015/09/main" Requires="p159">
+  <mc:AlternateContent xmlns:mc="http://schemas.openxmlformats.org/markup-compatibility/2006" xmlns:p159="http://schemas.microsoft.com/office/powerpoint/2015/09/main">
+    <mc:Choice Requires="p159">
       <p:transition xmlns:p14="http://schemas.microsoft.com/office/powerpoint/2010/main" spd="slow" p14:dur="2000">
         <p159:morph option="byObject"/>
       </p:transition>
@@ -16662,20 +16937,14 @@
       </p:grpSpPr>
       <p:pic>
         <p:nvPicPr>
-          <p:cNvPr id="17" name="Picture 16" descr="A diagram of different types of data&#10;&#10;Description automatically generated">
-            <a:extLst>
-              <a:ext uri="{FF2B5EF4-FFF2-40B4-BE49-F238E27FC236}">
-                <a16:creationId xmlns:a16="http://schemas.microsoft.com/office/drawing/2014/main" id="{6B4194A5-E0B3-E6FC-AD59-D6846846DE30}"/>
-              </a:ext>
-            </a:extLst>
-          </p:cNvPr>
+          <p:cNvPr id="17" name="Picture 16" descr="A diagram of different types of data&#10;&#10;Description automatically generated"/>
           <p:cNvPicPr>
             <a:picLocks noChangeAspect="1"/>
           </p:cNvPicPr>
           <p:nvPr/>
         </p:nvPicPr>
         <p:blipFill>
-          <a:blip r:embed="rId2">
+          <a:blip r:embed="rId1">
             <a:extLst>
               <a:ext uri="{28A0092B-C50C-407E-A947-70E740481C1C}">
                 <a14:useLocalDpi xmlns:a14="http://schemas.microsoft.com/office/drawing/2010/main" val="0"/>
@@ -16697,17 +16966,12 @@
         </p:spPr>
       </p:pic>
     </p:spTree>
-    <p:extLst>
-      <p:ext uri="{BB962C8B-B14F-4D97-AF65-F5344CB8AC3E}">
-        <p14:creationId xmlns:p14="http://schemas.microsoft.com/office/powerpoint/2010/main" val="3425415688"/>
-      </p:ext>
-    </p:extLst>
   </p:cSld>
   <p:clrMapOvr>
     <a:masterClrMapping/>
   </p:clrMapOvr>
-  <mc:AlternateContent xmlns:mc="http://schemas.openxmlformats.org/markup-compatibility/2006">
-    <mc:Choice xmlns:p159="http://schemas.microsoft.com/office/powerpoint/2015/09/main" Requires="p159">
+  <mc:AlternateContent xmlns:mc="http://schemas.openxmlformats.org/markup-compatibility/2006" xmlns:p159="http://schemas.microsoft.com/office/powerpoint/2015/09/main">
+    <mc:Choice Requires="p159">
       <p:transition xmlns:p14="http://schemas.microsoft.com/office/powerpoint/2010/main" spd="slow" p14:dur="2000">
         <p159:morph option="byObject"/>
       </p:transition>
@@ -16912,7 +17176,6 @@
       </a:bgFillStyleLst>
     </a:fmtScheme>
   </a:themeElements>
-  <a:objectDefaults/>
   <a:extraClrSchemeLst>
     <a:extraClrScheme>
       <a:clrScheme name="">
@@ -17666,8 +17929,6 @@
       </a:bgFillStyleLst>
     </a:fmtScheme>
   </a:themeElements>
-  <a:objectDefaults/>
-  <a:extraClrSchemeLst/>
   <a:extLst>
     <a:ext uri="{05A4C25C-085E-4340-85A3-A5531E510DB2}">
       <thm15:themeFamily xmlns:thm15="http://schemas.microsoft.com/office/thememl/2012/main" name="Office Theme" id="{62F939B6-93AF-4DB8-9C6B-D6C7DFDC589F}" vid="{4A3C46E8-61CC-4603-A589-7422A47A8E4A}"/>
@@ -17927,8 +18188,6 @@
       </a:bgFillStyleLst>
     </a:fmtScheme>
   </a:themeElements>
-  <a:objectDefaults/>
-  <a:extraClrSchemeLst/>
   <a:extLst>
     <a:ext uri="{05A4C25C-085E-4340-85A3-A5531E510DB2}">
       <thm15:themeFamily xmlns:thm15="http://schemas.microsoft.com/office/thememl/2012/main" name="Office Theme" id="{62F939B6-93AF-4DB8-9C6B-D6C7DFDC589F}" vid="{4A3C46E8-61CC-4603-A589-7422A47A8E4A}"/>
